--- a/School presentatie/Presentatie1.pptx
+++ b/School presentatie/Presentatie1.pptx
@@ -9,11 +9,12 @@
     <p:sldId id="256" r:id="rId3"/>
     <p:sldId id="259" r:id="rId4"/>
     <p:sldId id="262" r:id="rId5"/>
-    <p:sldId id="263" r:id="rId6"/>
-    <p:sldId id="260" r:id="rId7"/>
-    <p:sldId id="264" r:id="rId8"/>
-    <p:sldId id="261" r:id="rId9"/>
-    <p:sldId id="266" r:id="rId10"/>
+    <p:sldId id="266" r:id="rId6"/>
+    <p:sldId id="267" r:id="rId7"/>
+    <p:sldId id="268" r:id="rId8"/>
+    <p:sldId id="270" r:id="rId9"/>
+    <p:sldId id="269" r:id="rId10"/>
+    <p:sldId id="271" r:id="rId11"/>
   </p:sldIdLst>
   <p:sldSz cx="12192000" cy="6858000"/>
   <p:notesSz cx="6858000" cy="9144000"/>
@@ -112,6 +113,11 @@
       </a:defRPr>
     </a:lvl9pPr>
   </p:defaultTextStyle>
+  <p:extLst>
+    <p:ext uri="{EFAFB233-063F-42B5-8137-9DF3F51BA10A}">
+      <p15:sldGuideLst xmlns:p15="http://schemas.microsoft.com/office/powerpoint/2012/main"/>
+    </p:ext>
+  </p:extLst>
 </p:presentation>
 </file>
 
@@ -3505,6 +3511,9 @@
               <a:r>
                 <a:rPr lang="nl-NL" sz="4000" b="0" cap="none" spc="0" dirty="0">
                   <a:ln w="0"/>
+                  <a:solidFill>
+                    <a:schemeClr val="accent1"/>
+                  </a:solidFill>
                   <a:effectLst>
                     <a:outerShdw blurRad="38100" dist="25400" dir="5400000" algn="ctr" rotWithShape="0">
                       <a:srgbClr val="6E747A">
@@ -3785,6 +3794,9 @@
               <a:r>
                 <a:rPr lang="nl-NL" sz="4000" b="0" cap="none" spc="0" dirty="0">
                   <a:ln w="0"/>
+                  <a:solidFill>
+                    <a:schemeClr val="accent1"/>
+                  </a:solidFill>
                   <a:effectLst>
                     <a:outerShdw blurRad="38100" dist="25400" dir="5400000" algn="ctr" rotWithShape="0">
                       <a:srgbClr val="6E747A">
@@ -4065,6 +4077,9 @@
               <a:r>
                 <a:rPr lang="nl-NL" sz="4000" b="0" cap="none" spc="0" dirty="0">
                   <a:ln w="0"/>
+                  <a:solidFill>
+                    <a:schemeClr val="accent1"/>
+                  </a:solidFill>
                   <a:effectLst>
                     <a:outerShdw blurRad="38100" dist="25400" dir="5400000" algn="ctr" rotWithShape="0">
                       <a:srgbClr val="6E747A">
@@ -4345,6 +4360,9 @@
               <a:r>
                 <a:rPr lang="nl-NL" sz="4000" b="0" cap="none" spc="0" dirty="0">
                   <a:ln w="0"/>
+                  <a:solidFill>
+                    <a:schemeClr val="accent1"/>
+                  </a:solidFill>
                   <a:effectLst>
                     <a:outerShdw blurRad="38100" dist="25400" dir="5400000" algn="ctr" rotWithShape="0">
                       <a:srgbClr val="6E747A">
@@ -4534,62 +4552,6 @@
         <p:spPr>
           <a:xfrm>
             <a:off x="0" y="0"/>
-            <a:ext cx="2224428" cy="6858000"/>
-          </a:xfrm>
-          <a:prstGeom prst="rect">
-            <a:avLst/>
-          </a:prstGeom>
-          <a:solidFill>
-            <a:schemeClr val="bg2">
-              <a:lumMod val="90000"/>
-            </a:schemeClr>
-          </a:solidFill>
-          <a:ln w="28575">
-            <a:solidFill>
-              <a:schemeClr val="tx1"/>
-            </a:solidFill>
-          </a:ln>
-        </p:spPr>
-        <p:style>
-          <a:lnRef idx="2">
-            <a:schemeClr val="accent1">
-              <a:shade val="50000"/>
-            </a:schemeClr>
-          </a:lnRef>
-          <a:fillRef idx="1">
-            <a:schemeClr val="accent1"/>
-          </a:fillRef>
-          <a:effectRef idx="0">
-            <a:schemeClr val="accent1"/>
-          </a:effectRef>
-          <a:fontRef idx="minor">
-            <a:schemeClr val="lt1"/>
-          </a:fontRef>
-        </p:style>
-        <p:txBody>
-          <a:bodyPr rtlCol="0" anchor="ctr"/>
-          <a:lstStyle/>
-          <a:p>
-            <a:pPr algn="ctr"/>
-            <a:endParaRPr lang="en-BE"/>
-          </a:p>
-        </p:txBody>
-      </p:sp>
-      <p:sp>
-        <p:nvSpPr>
-          <p:cNvPr id="32" name="Rechthoek 31">
-            <a:extLst>
-              <a:ext uri="{FF2B5EF4-FFF2-40B4-BE49-F238E27FC236}">
-                <a16:creationId xmlns:a16="http://schemas.microsoft.com/office/drawing/2014/main" id="{6D846E1D-5167-714B-52DF-ADEEB0338BEB}"/>
-              </a:ext>
-            </a:extLst>
-          </p:cNvPr>
-          <p:cNvSpPr/>
-          <p:nvPr/>
-        </p:nvSpPr>
-        <p:spPr>
-          <a:xfrm>
-            <a:off x="12231941" y="0"/>
             <a:ext cx="2224428" cy="6858000"/>
           </a:xfrm>
           <a:prstGeom prst="rect">
@@ -4728,6 +4690,132 @@
           </a:p>
         </p:txBody>
       </p:sp>
+      <p:grpSp>
+        <p:nvGrpSpPr>
+          <p:cNvPr id="35" name="Groep 34">
+            <a:extLst>
+              <a:ext uri="{FF2B5EF4-FFF2-40B4-BE49-F238E27FC236}">
+                <a16:creationId xmlns:a16="http://schemas.microsoft.com/office/drawing/2014/main" id="{55F53B9C-BAB3-F061-9D28-08FF902D95AC}"/>
+              </a:ext>
+            </a:extLst>
+          </p:cNvPr>
+          <p:cNvGrpSpPr/>
+          <p:nvPr/>
+        </p:nvGrpSpPr>
+        <p:grpSpPr>
+          <a:xfrm>
+            <a:off x="12251198" y="0"/>
+            <a:ext cx="7452035" cy="6858000"/>
+            <a:chOff x="4739965" y="0"/>
+            <a:chExt cx="7452035" cy="6858000"/>
+          </a:xfrm>
+        </p:grpSpPr>
+        <p:sp>
+          <p:nvSpPr>
+            <p:cNvPr id="36" name="Rechthoek 35">
+              <a:extLst>
+                <a:ext uri="{FF2B5EF4-FFF2-40B4-BE49-F238E27FC236}">
+                  <a16:creationId xmlns:a16="http://schemas.microsoft.com/office/drawing/2014/main" id="{67E2407B-9E34-8860-71F4-ED9DF699C9EC}"/>
+                </a:ext>
+              </a:extLst>
+            </p:cNvPr>
+            <p:cNvSpPr/>
+            <p:nvPr/>
+          </p:nvSpPr>
+          <p:spPr>
+            <a:xfrm>
+              <a:off x="4739965" y="0"/>
+              <a:ext cx="7452035" cy="6858000"/>
+            </a:xfrm>
+            <a:prstGeom prst="rect">
+              <a:avLst/>
+            </a:prstGeom>
+            <a:solidFill>
+              <a:schemeClr val="accent4">
+                <a:lumMod val="60000"/>
+                <a:lumOff val="40000"/>
+              </a:schemeClr>
+            </a:solidFill>
+            <a:ln w="28575">
+              <a:solidFill>
+                <a:schemeClr val="tx1"/>
+              </a:solidFill>
+            </a:ln>
+          </p:spPr>
+          <p:style>
+            <a:lnRef idx="2">
+              <a:schemeClr val="accent1">
+                <a:shade val="50000"/>
+              </a:schemeClr>
+            </a:lnRef>
+            <a:fillRef idx="1">
+              <a:schemeClr val="accent1"/>
+            </a:fillRef>
+            <a:effectRef idx="0">
+              <a:schemeClr val="accent1"/>
+            </a:effectRef>
+            <a:fontRef idx="minor">
+              <a:schemeClr val="lt1"/>
+            </a:fontRef>
+          </p:style>
+          <p:txBody>
+            <a:bodyPr rtlCol="0" anchor="ctr"/>
+            <a:lstStyle/>
+            <a:p>
+              <a:pPr algn="ctr"/>
+              <a:endParaRPr lang="en-BE"/>
+            </a:p>
+          </p:txBody>
+        </p:sp>
+        <p:sp>
+          <p:nvSpPr>
+            <p:cNvPr id="37" name="Rechthoek 36">
+              <a:extLst>
+                <a:ext uri="{FF2B5EF4-FFF2-40B4-BE49-F238E27FC236}">
+                  <a16:creationId xmlns:a16="http://schemas.microsoft.com/office/drawing/2014/main" id="{758094BE-4E8B-C847-BDBF-DC4F4BFCEA82}"/>
+                </a:ext>
+              </a:extLst>
+            </p:cNvPr>
+            <p:cNvSpPr/>
+            <p:nvPr/>
+          </p:nvSpPr>
+          <p:spPr>
+            <a:xfrm>
+              <a:off x="8254292" y="2816198"/>
+              <a:ext cx="585417" cy="923330"/>
+            </a:xfrm>
+            <a:prstGeom prst="rect">
+              <a:avLst/>
+            </a:prstGeom>
+            <a:noFill/>
+          </p:spPr>
+          <p:txBody>
+            <a:bodyPr wrap="none" lIns="91440" tIns="45720" rIns="91440" bIns="45720">
+              <a:spAutoFit/>
+            </a:bodyPr>
+            <a:lstStyle/>
+            <a:p>
+              <a:pPr algn="ctr"/>
+              <a:r>
+                <a:rPr lang="nl-NL" sz="5400" b="0" cap="none" spc="0" dirty="0">
+                  <a:ln w="0"/>
+                  <a:solidFill>
+                    <a:schemeClr val="accent1"/>
+                  </a:solidFill>
+                  <a:effectLst>
+                    <a:outerShdw blurRad="38100" dist="25400" dir="5400000" algn="ctr" rotWithShape="0">
+                      <a:srgbClr val="6E747A">
+                        <a:alpha val="43000"/>
+                      </a:srgbClr>
+                    </a:outerShdw>
+                  </a:effectLst>
+                </a:rPr>
+                <a:t>A</a:t>
+              </a:r>
+            </a:p>
+          </p:txBody>
+        </p:sp>
+      </p:grpSp>
     </p:spTree>
     <p:extLst>
       <p:ext uri="{BB962C8B-B14F-4D97-AF65-F5344CB8AC3E}">
@@ -4738,6 +4826,1213 @@
   <p:clrMapOvr>
     <a:masterClrMapping/>
   </p:clrMapOvr>
+  <mc:AlternateContent xmlns:mc="http://schemas.openxmlformats.org/markup-compatibility/2006" xmlns:p159="http://schemas.microsoft.com/office/powerpoint/2015/09/main">
+    <mc:Choice Requires="p159">
+      <p:transition xmlns:p14="http://schemas.microsoft.com/office/powerpoint/2010/main" spd="slow" p14:dur="2000">
+        <p159:morph option="byObject"/>
+      </p:transition>
+    </mc:Choice>
+    <mc:Fallback xmlns="">
+      <p:transition spd="slow">
+        <p:fade/>
+      </p:transition>
+    </mc:Fallback>
+  </mc:AlternateContent>
+</p:sld>
+</file>
+
+<file path=ppt/slides/slide10.xml><?xml version="1.0" encoding="utf-8"?>
+<p:sld xmlns:a="http://schemas.openxmlformats.org/drawingml/2006/main" xmlns:r="http://schemas.openxmlformats.org/officeDocument/2006/relationships" xmlns:p="http://schemas.openxmlformats.org/presentationml/2006/main">
+  <p:cSld>
+    <p:spTree>
+      <p:nvGrpSpPr>
+        <p:cNvPr id="1" name=""/>
+        <p:cNvGrpSpPr/>
+        <p:nvPr/>
+      </p:nvGrpSpPr>
+      <p:grpSpPr>
+        <a:xfrm>
+          <a:off x="0" y="0"/>
+          <a:ext cx="0" cy="0"/>
+          <a:chOff x="0" y="0"/>
+          <a:chExt cx="0" cy="0"/>
+        </a:xfrm>
+      </p:grpSpPr>
+      <p:grpSp>
+        <p:nvGrpSpPr>
+          <p:cNvPr id="2" name="Groep 1">
+            <a:extLst>
+              <a:ext uri="{FF2B5EF4-FFF2-40B4-BE49-F238E27FC236}">
+                <a16:creationId xmlns:a16="http://schemas.microsoft.com/office/drawing/2014/main" id="{39E11BD7-0639-E5E2-1ADA-B47E22B55B98}"/>
+              </a:ext>
+            </a:extLst>
+          </p:cNvPr>
+          <p:cNvGrpSpPr/>
+          <p:nvPr/>
+        </p:nvGrpSpPr>
+        <p:grpSpPr>
+          <a:xfrm>
+            <a:off x="177342" y="228600"/>
+            <a:ext cx="11837315" cy="6324600"/>
+            <a:chOff x="4698574" y="7427537"/>
+            <a:chExt cx="11837315" cy="6858000"/>
+          </a:xfrm>
+        </p:grpSpPr>
+        <p:grpSp>
+          <p:nvGrpSpPr>
+            <p:cNvPr id="3" name="Groep 2">
+              <a:extLst>
+                <a:ext uri="{FF2B5EF4-FFF2-40B4-BE49-F238E27FC236}">
+                  <a16:creationId xmlns:a16="http://schemas.microsoft.com/office/drawing/2014/main" id="{5008DC36-48E8-6E49-D54B-543FE319607D}"/>
+                </a:ext>
+              </a:extLst>
+            </p:cNvPr>
+            <p:cNvGrpSpPr/>
+            <p:nvPr/>
+          </p:nvGrpSpPr>
+          <p:grpSpPr>
+            <a:xfrm>
+              <a:off x="4698574" y="7427537"/>
+              <a:ext cx="2994371" cy="6858000"/>
+              <a:chOff x="1703507" y="-52103"/>
+              <a:chExt cx="2994371" cy="6858000"/>
+            </a:xfrm>
+          </p:grpSpPr>
+          <p:sp>
+            <p:nvSpPr>
+              <p:cNvPr id="25" name="Rechthoek 24">
+                <a:extLst>
+                  <a:ext uri="{FF2B5EF4-FFF2-40B4-BE49-F238E27FC236}">
+                    <a16:creationId xmlns:a16="http://schemas.microsoft.com/office/drawing/2014/main" id="{5853B820-2037-0194-B6AF-50F44DF91D7F}"/>
+                  </a:ext>
+                </a:extLst>
+              </p:cNvPr>
+              <p:cNvSpPr/>
+              <p:nvPr/>
+            </p:nvSpPr>
+            <p:spPr>
+              <a:xfrm>
+                <a:off x="1897137" y="-52103"/>
+                <a:ext cx="2493034" cy="6858000"/>
+              </a:xfrm>
+              <a:prstGeom prst="rect">
+                <a:avLst/>
+              </a:prstGeom>
+              <a:solidFill>
+                <a:srgbClr val="FFFF00"/>
+              </a:solidFill>
+              <a:ln>
+                <a:solidFill>
+                  <a:schemeClr val="tx1"/>
+                </a:solidFill>
+              </a:ln>
+            </p:spPr>
+            <p:style>
+              <a:lnRef idx="2">
+                <a:schemeClr val="accent1">
+                  <a:shade val="50000"/>
+                </a:schemeClr>
+              </a:lnRef>
+              <a:fillRef idx="1">
+                <a:schemeClr val="accent1"/>
+              </a:fillRef>
+              <a:effectRef idx="0">
+                <a:schemeClr val="accent1"/>
+              </a:effectRef>
+              <a:fontRef idx="minor">
+                <a:schemeClr val="lt1"/>
+              </a:fontRef>
+            </p:style>
+            <p:txBody>
+              <a:bodyPr rtlCol="0" anchor="ctr"/>
+              <a:lstStyle/>
+              <a:p>
+                <a:pPr algn="ctr"/>
+                <a:endParaRPr lang="en-BE" dirty="0"/>
+              </a:p>
+            </p:txBody>
+          </p:sp>
+          <p:sp>
+            <p:nvSpPr>
+              <p:cNvPr id="26" name="Rechthoek 25">
+                <a:extLst>
+                  <a:ext uri="{FF2B5EF4-FFF2-40B4-BE49-F238E27FC236}">
+                    <a16:creationId xmlns:a16="http://schemas.microsoft.com/office/drawing/2014/main" id="{2AE48D84-7DD2-29CC-744D-F5B40D6DB873}"/>
+                  </a:ext>
+                </a:extLst>
+              </p:cNvPr>
+              <p:cNvSpPr/>
+              <p:nvPr/>
+            </p:nvSpPr>
+            <p:spPr>
+              <a:xfrm>
+                <a:off x="1703507" y="474452"/>
+                <a:ext cx="2994371" cy="707886"/>
+              </a:xfrm>
+              <a:prstGeom prst="rect">
+                <a:avLst/>
+              </a:prstGeom>
+              <a:noFill/>
+            </p:spPr>
+            <p:txBody>
+              <a:bodyPr wrap="square" lIns="91440" tIns="45720" rIns="91440" bIns="45720">
+                <a:spAutoFit/>
+              </a:bodyPr>
+              <a:lstStyle/>
+              <a:p>
+                <a:pPr algn="ctr"/>
+                <a:r>
+                  <a:rPr lang="nl-NL" sz="4000" b="0" cap="none" spc="0" dirty="0">
+                    <a:ln w="0"/>
+                    <a:solidFill>
+                      <a:schemeClr val="accent1"/>
+                    </a:solidFill>
+                    <a:effectLst>
+                      <a:outerShdw blurRad="38100" dist="25400" dir="5400000" algn="ctr" rotWithShape="0">
+                        <a:srgbClr val="6E747A">
+                          <a:alpha val="43000"/>
+                        </a:srgbClr>
+                      </a:outerShdw>
+                    </a:effectLst>
+                  </a:rPr>
+                  <a:t>Taxi a</a:t>
+                </a:r>
+              </a:p>
+            </p:txBody>
+          </p:sp>
+          <p:sp>
+            <p:nvSpPr>
+              <p:cNvPr id="27" name="Tekstvak 26">
+                <a:extLst>
+                  <a:ext uri="{FF2B5EF4-FFF2-40B4-BE49-F238E27FC236}">
+                    <a16:creationId xmlns:a16="http://schemas.microsoft.com/office/drawing/2014/main" id="{491B44C1-5632-BF04-848C-17822B390013}"/>
+                  </a:ext>
+                </a:extLst>
+              </p:cNvPr>
+              <p:cNvSpPr txBox="1"/>
+              <p:nvPr/>
+            </p:nvSpPr>
+            <p:spPr>
+              <a:xfrm>
+                <a:off x="2227346" y="1182338"/>
+                <a:ext cx="1969196" cy="646331"/>
+              </a:xfrm>
+              <a:prstGeom prst="rect">
+                <a:avLst/>
+              </a:prstGeom>
+              <a:noFill/>
+            </p:spPr>
+            <p:txBody>
+              <a:bodyPr wrap="square" rtlCol="0">
+                <a:spAutoFit/>
+              </a:bodyPr>
+              <a:lstStyle/>
+              <a:p>
+                <a:r>
+                  <a:rPr lang="nl-BE" dirty="0"/>
+                  <a:t>De taxi is aan het </a:t>
+                </a:r>
+                <a:r>
+                  <a:rPr lang="nl-BE" dirty="0" err="1"/>
+                  <a:t>taxien</a:t>
+                </a:r>
+                <a:endParaRPr lang="en-BE" dirty="0"/>
+              </a:p>
+            </p:txBody>
+          </p:sp>
+          <p:sp>
+            <p:nvSpPr>
+              <p:cNvPr id="28" name="Tekstvak 27">
+                <a:extLst>
+                  <a:ext uri="{FF2B5EF4-FFF2-40B4-BE49-F238E27FC236}">
+                    <a16:creationId xmlns:a16="http://schemas.microsoft.com/office/drawing/2014/main" id="{FAD1572E-A27E-89D0-BBCE-609D42B67013}"/>
+                  </a:ext>
+                </a:extLst>
+              </p:cNvPr>
+              <p:cNvSpPr txBox="1"/>
+              <p:nvPr/>
+            </p:nvSpPr>
+            <p:spPr>
+              <a:xfrm>
+                <a:off x="2281478" y="1981069"/>
+                <a:ext cx="1969196" cy="646331"/>
+              </a:xfrm>
+              <a:prstGeom prst="rect">
+                <a:avLst/>
+              </a:prstGeom>
+              <a:noFill/>
+            </p:spPr>
+            <p:txBody>
+              <a:bodyPr wrap="square" rtlCol="0">
+                <a:spAutoFit/>
+              </a:bodyPr>
+              <a:lstStyle/>
+              <a:p>
+                <a:r>
+                  <a:rPr lang="nl-BE" dirty="0"/>
+                  <a:t>De taxi is aan het </a:t>
+                </a:r>
+                <a:r>
+                  <a:rPr lang="nl-BE" dirty="0" err="1"/>
+                  <a:t>taxien</a:t>
+                </a:r>
+                <a:endParaRPr lang="en-BE" dirty="0"/>
+              </a:p>
+            </p:txBody>
+          </p:sp>
+          <p:sp>
+            <p:nvSpPr>
+              <p:cNvPr id="29" name="Tekstvak 28">
+                <a:extLst>
+                  <a:ext uri="{FF2B5EF4-FFF2-40B4-BE49-F238E27FC236}">
+                    <a16:creationId xmlns:a16="http://schemas.microsoft.com/office/drawing/2014/main" id="{8639B1C9-2F0B-A512-263C-1B8D8C58677C}"/>
+                  </a:ext>
+                </a:extLst>
+              </p:cNvPr>
+              <p:cNvSpPr txBox="1"/>
+              <p:nvPr/>
+            </p:nvSpPr>
+            <p:spPr>
+              <a:xfrm>
+                <a:off x="2281478" y="2785420"/>
+                <a:ext cx="1969196" cy="646331"/>
+              </a:xfrm>
+              <a:prstGeom prst="rect">
+                <a:avLst/>
+              </a:prstGeom>
+              <a:noFill/>
+            </p:spPr>
+            <p:txBody>
+              <a:bodyPr wrap="square" rtlCol="0">
+                <a:spAutoFit/>
+              </a:bodyPr>
+              <a:lstStyle/>
+              <a:p>
+                <a:r>
+                  <a:rPr lang="nl-BE" dirty="0"/>
+                  <a:t>De taxi is aan het </a:t>
+                </a:r>
+                <a:r>
+                  <a:rPr lang="nl-BE" dirty="0" err="1"/>
+                  <a:t>taxien</a:t>
+                </a:r>
+                <a:endParaRPr lang="en-BE" dirty="0"/>
+              </a:p>
+            </p:txBody>
+          </p:sp>
+          <p:sp>
+            <p:nvSpPr>
+              <p:cNvPr id="30" name="Tekstvak 29">
+                <a:extLst>
+                  <a:ext uri="{FF2B5EF4-FFF2-40B4-BE49-F238E27FC236}">
+                    <a16:creationId xmlns:a16="http://schemas.microsoft.com/office/drawing/2014/main" id="{420E0D81-1A10-5894-5D50-6190C13C2F2E}"/>
+                  </a:ext>
+                </a:extLst>
+              </p:cNvPr>
+              <p:cNvSpPr txBox="1"/>
+              <p:nvPr/>
+            </p:nvSpPr>
+            <p:spPr>
+              <a:xfrm>
+                <a:off x="2281478" y="3595391"/>
+                <a:ext cx="1969196" cy="646331"/>
+              </a:xfrm>
+              <a:prstGeom prst="rect">
+                <a:avLst/>
+              </a:prstGeom>
+              <a:noFill/>
+            </p:spPr>
+            <p:txBody>
+              <a:bodyPr wrap="square" rtlCol="0">
+                <a:spAutoFit/>
+              </a:bodyPr>
+              <a:lstStyle/>
+              <a:p>
+                <a:r>
+                  <a:rPr lang="nl-BE" dirty="0"/>
+                  <a:t>De taxi is aan het </a:t>
+                </a:r>
+                <a:r>
+                  <a:rPr lang="nl-BE" dirty="0" err="1"/>
+                  <a:t>taxien</a:t>
+                </a:r>
+                <a:endParaRPr lang="en-BE" dirty="0"/>
+              </a:p>
+            </p:txBody>
+          </p:sp>
+        </p:grpSp>
+        <p:grpSp>
+          <p:nvGrpSpPr>
+            <p:cNvPr id="4" name="Groep 3">
+              <a:extLst>
+                <a:ext uri="{FF2B5EF4-FFF2-40B4-BE49-F238E27FC236}">
+                  <a16:creationId xmlns:a16="http://schemas.microsoft.com/office/drawing/2014/main" id="{258E71C4-89A8-5BBD-4086-999DA944CDB3}"/>
+                </a:ext>
+              </a:extLst>
+            </p:cNvPr>
+            <p:cNvGrpSpPr/>
+            <p:nvPr/>
+          </p:nvGrpSpPr>
+          <p:grpSpPr>
+            <a:xfrm>
+              <a:off x="7575950" y="7427537"/>
+              <a:ext cx="2994371" cy="6858000"/>
+              <a:chOff x="4255498" y="-52103"/>
+              <a:chExt cx="2994371" cy="6858000"/>
+            </a:xfrm>
+          </p:grpSpPr>
+          <p:sp>
+            <p:nvSpPr>
+              <p:cNvPr id="19" name="Rechthoek 18">
+                <a:extLst>
+                  <a:ext uri="{FF2B5EF4-FFF2-40B4-BE49-F238E27FC236}">
+                    <a16:creationId xmlns:a16="http://schemas.microsoft.com/office/drawing/2014/main" id="{D2BB3AEE-AD01-621F-3B32-0C5FCB871D31}"/>
+                  </a:ext>
+                </a:extLst>
+              </p:cNvPr>
+              <p:cNvSpPr/>
+              <p:nvPr/>
+            </p:nvSpPr>
+            <p:spPr>
+              <a:xfrm>
+                <a:off x="4446921" y="-52103"/>
+                <a:ext cx="2493034" cy="6858000"/>
+              </a:xfrm>
+              <a:prstGeom prst="rect">
+                <a:avLst/>
+              </a:prstGeom>
+              <a:solidFill>
+                <a:srgbClr val="FFC000"/>
+              </a:solidFill>
+              <a:ln>
+                <a:solidFill>
+                  <a:schemeClr val="tx1"/>
+                </a:solidFill>
+              </a:ln>
+            </p:spPr>
+            <p:style>
+              <a:lnRef idx="2">
+                <a:schemeClr val="accent1">
+                  <a:shade val="50000"/>
+                </a:schemeClr>
+              </a:lnRef>
+              <a:fillRef idx="1">
+                <a:schemeClr val="accent1"/>
+              </a:fillRef>
+              <a:effectRef idx="0">
+                <a:schemeClr val="accent1"/>
+              </a:effectRef>
+              <a:fontRef idx="minor">
+                <a:schemeClr val="lt1"/>
+              </a:fontRef>
+            </p:style>
+            <p:txBody>
+              <a:bodyPr rtlCol="0" anchor="ctr"/>
+              <a:lstStyle/>
+              <a:p>
+                <a:pPr algn="ctr"/>
+                <a:endParaRPr lang="en-BE"/>
+              </a:p>
+            </p:txBody>
+          </p:sp>
+          <p:sp>
+            <p:nvSpPr>
+              <p:cNvPr id="20" name="Rechthoek 19">
+                <a:extLst>
+                  <a:ext uri="{FF2B5EF4-FFF2-40B4-BE49-F238E27FC236}">
+                    <a16:creationId xmlns:a16="http://schemas.microsoft.com/office/drawing/2014/main" id="{0C4AF212-210F-73A0-0FAE-33D12E537A44}"/>
+                  </a:ext>
+                </a:extLst>
+              </p:cNvPr>
+              <p:cNvSpPr/>
+              <p:nvPr/>
+            </p:nvSpPr>
+            <p:spPr>
+              <a:xfrm>
+                <a:off x="4255498" y="569083"/>
+                <a:ext cx="2994371" cy="707886"/>
+              </a:xfrm>
+              <a:prstGeom prst="rect">
+                <a:avLst/>
+              </a:prstGeom>
+              <a:noFill/>
+            </p:spPr>
+            <p:txBody>
+              <a:bodyPr wrap="square" lIns="91440" tIns="45720" rIns="91440" bIns="45720">
+                <a:spAutoFit/>
+              </a:bodyPr>
+              <a:lstStyle/>
+              <a:p>
+                <a:pPr algn="ctr"/>
+                <a:r>
+                  <a:rPr lang="nl-NL" sz="4000" b="0" cap="none" spc="0" dirty="0">
+                    <a:ln w="0"/>
+                    <a:solidFill>
+                      <a:schemeClr val="accent1"/>
+                    </a:solidFill>
+                    <a:effectLst>
+                      <a:outerShdw blurRad="38100" dist="25400" dir="5400000" algn="ctr" rotWithShape="0">
+                        <a:srgbClr val="6E747A">
+                          <a:alpha val="43000"/>
+                        </a:srgbClr>
+                      </a:outerShdw>
+                    </a:effectLst>
+                  </a:rPr>
+                  <a:t>Taxi a</a:t>
+                </a:r>
+              </a:p>
+            </p:txBody>
+          </p:sp>
+          <p:sp>
+            <p:nvSpPr>
+              <p:cNvPr id="21" name="Tekstvak 20">
+                <a:extLst>
+                  <a:ext uri="{FF2B5EF4-FFF2-40B4-BE49-F238E27FC236}">
+                    <a16:creationId xmlns:a16="http://schemas.microsoft.com/office/drawing/2014/main" id="{6407C855-F735-8596-4CF9-22D2BEF74494}"/>
+                  </a:ext>
+                </a:extLst>
+              </p:cNvPr>
+              <p:cNvSpPr txBox="1"/>
+              <p:nvPr/>
+            </p:nvSpPr>
+            <p:spPr>
+              <a:xfrm>
+                <a:off x="4779337" y="1276969"/>
+                <a:ext cx="1969196" cy="646331"/>
+              </a:xfrm>
+              <a:prstGeom prst="rect">
+                <a:avLst/>
+              </a:prstGeom>
+              <a:noFill/>
+            </p:spPr>
+            <p:txBody>
+              <a:bodyPr wrap="square" rtlCol="0">
+                <a:spAutoFit/>
+              </a:bodyPr>
+              <a:lstStyle/>
+              <a:p>
+                <a:r>
+                  <a:rPr lang="nl-BE" dirty="0"/>
+                  <a:t>De taxi is aan het </a:t>
+                </a:r>
+                <a:r>
+                  <a:rPr lang="nl-BE" dirty="0" err="1"/>
+                  <a:t>taxien</a:t>
+                </a:r>
+                <a:endParaRPr lang="en-BE" dirty="0"/>
+              </a:p>
+            </p:txBody>
+          </p:sp>
+          <p:sp>
+            <p:nvSpPr>
+              <p:cNvPr id="22" name="Tekstvak 21">
+                <a:extLst>
+                  <a:ext uri="{FF2B5EF4-FFF2-40B4-BE49-F238E27FC236}">
+                    <a16:creationId xmlns:a16="http://schemas.microsoft.com/office/drawing/2014/main" id="{20DF3FD5-7AC0-F3CB-371E-90C223DE58DA}"/>
+                  </a:ext>
+                </a:extLst>
+              </p:cNvPr>
+              <p:cNvSpPr txBox="1"/>
+              <p:nvPr/>
+            </p:nvSpPr>
+            <p:spPr>
+              <a:xfrm>
+                <a:off x="4833469" y="2075700"/>
+                <a:ext cx="1969196" cy="646331"/>
+              </a:xfrm>
+              <a:prstGeom prst="rect">
+                <a:avLst/>
+              </a:prstGeom>
+              <a:noFill/>
+            </p:spPr>
+            <p:txBody>
+              <a:bodyPr wrap="square" rtlCol="0">
+                <a:spAutoFit/>
+              </a:bodyPr>
+              <a:lstStyle/>
+              <a:p>
+                <a:r>
+                  <a:rPr lang="nl-BE" dirty="0"/>
+                  <a:t>De taxi is aan het </a:t>
+                </a:r>
+                <a:r>
+                  <a:rPr lang="nl-BE" dirty="0" err="1"/>
+                  <a:t>taxien</a:t>
+                </a:r>
+                <a:endParaRPr lang="en-BE" dirty="0"/>
+              </a:p>
+            </p:txBody>
+          </p:sp>
+          <p:sp>
+            <p:nvSpPr>
+              <p:cNvPr id="23" name="Tekstvak 22">
+                <a:extLst>
+                  <a:ext uri="{FF2B5EF4-FFF2-40B4-BE49-F238E27FC236}">
+                    <a16:creationId xmlns:a16="http://schemas.microsoft.com/office/drawing/2014/main" id="{7B1E29DF-6DD6-092D-A626-DB8266186AA3}"/>
+                  </a:ext>
+                </a:extLst>
+              </p:cNvPr>
+              <p:cNvSpPr txBox="1"/>
+              <p:nvPr/>
+            </p:nvSpPr>
+            <p:spPr>
+              <a:xfrm>
+                <a:off x="4833469" y="2880051"/>
+                <a:ext cx="1969196" cy="646331"/>
+              </a:xfrm>
+              <a:prstGeom prst="rect">
+                <a:avLst/>
+              </a:prstGeom>
+              <a:noFill/>
+            </p:spPr>
+            <p:txBody>
+              <a:bodyPr wrap="square" rtlCol="0">
+                <a:spAutoFit/>
+              </a:bodyPr>
+              <a:lstStyle/>
+              <a:p>
+                <a:r>
+                  <a:rPr lang="nl-BE" dirty="0"/>
+                  <a:t>De taxi is aan het </a:t>
+                </a:r>
+                <a:r>
+                  <a:rPr lang="nl-BE" dirty="0" err="1"/>
+                  <a:t>taxien</a:t>
+                </a:r>
+                <a:endParaRPr lang="en-BE" dirty="0"/>
+              </a:p>
+            </p:txBody>
+          </p:sp>
+          <p:sp>
+            <p:nvSpPr>
+              <p:cNvPr id="24" name="Tekstvak 23">
+                <a:extLst>
+                  <a:ext uri="{FF2B5EF4-FFF2-40B4-BE49-F238E27FC236}">
+                    <a16:creationId xmlns:a16="http://schemas.microsoft.com/office/drawing/2014/main" id="{3CAC7891-3744-DC40-87D7-FE320BD5F259}"/>
+                  </a:ext>
+                </a:extLst>
+              </p:cNvPr>
+              <p:cNvSpPr txBox="1"/>
+              <p:nvPr/>
+            </p:nvSpPr>
+            <p:spPr>
+              <a:xfrm>
+                <a:off x="4833469" y="3690022"/>
+                <a:ext cx="1969196" cy="646331"/>
+              </a:xfrm>
+              <a:prstGeom prst="rect">
+                <a:avLst/>
+              </a:prstGeom>
+              <a:noFill/>
+            </p:spPr>
+            <p:txBody>
+              <a:bodyPr wrap="square" rtlCol="0">
+                <a:spAutoFit/>
+              </a:bodyPr>
+              <a:lstStyle/>
+              <a:p>
+                <a:r>
+                  <a:rPr lang="nl-BE" dirty="0"/>
+                  <a:t>De taxi is aan het </a:t>
+                </a:r>
+                <a:r>
+                  <a:rPr lang="nl-BE" dirty="0" err="1"/>
+                  <a:t>taxien</a:t>
+                </a:r>
+                <a:endParaRPr lang="en-BE" dirty="0"/>
+              </a:p>
+            </p:txBody>
+          </p:sp>
+        </p:grpSp>
+        <p:grpSp>
+          <p:nvGrpSpPr>
+            <p:cNvPr id="5" name="Groep 4">
+              <a:extLst>
+                <a:ext uri="{FF2B5EF4-FFF2-40B4-BE49-F238E27FC236}">
+                  <a16:creationId xmlns:a16="http://schemas.microsoft.com/office/drawing/2014/main" id="{1B4C4614-0F1F-DAC2-7243-15AB49D8A432}"/>
+                </a:ext>
+              </a:extLst>
+            </p:cNvPr>
+            <p:cNvGrpSpPr/>
+            <p:nvPr/>
+          </p:nvGrpSpPr>
+          <p:grpSpPr>
+            <a:xfrm>
+              <a:off x="10291566" y="7427537"/>
+              <a:ext cx="2994371" cy="6858000"/>
+              <a:chOff x="6912131" y="-162395"/>
+              <a:chExt cx="2994371" cy="6858000"/>
+            </a:xfrm>
+          </p:grpSpPr>
+          <p:sp>
+            <p:nvSpPr>
+              <p:cNvPr id="13" name="Rechthoek 12">
+                <a:extLst>
+                  <a:ext uri="{FF2B5EF4-FFF2-40B4-BE49-F238E27FC236}">
+                    <a16:creationId xmlns:a16="http://schemas.microsoft.com/office/drawing/2014/main" id="{AA45AA78-655E-6AC0-2290-33175A6CA2DA}"/>
+                  </a:ext>
+                </a:extLst>
+              </p:cNvPr>
+              <p:cNvSpPr/>
+              <p:nvPr/>
+            </p:nvSpPr>
+            <p:spPr>
+              <a:xfrm>
+                <a:off x="7290590" y="-162395"/>
+                <a:ext cx="2493034" cy="6858000"/>
+              </a:xfrm>
+              <a:prstGeom prst="rect">
+                <a:avLst/>
+              </a:prstGeom>
+              <a:solidFill>
+                <a:srgbClr val="FF0000"/>
+              </a:solidFill>
+              <a:ln>
+                <a:solidFill>
+                  <a:schemeClr val="tx1"/>
+                </a:solidFill>
+              </a:ln>
+            </p:spPr>
+            <p:style>
+              <a:lnRef idx="2">
+                <a:schemeClr val="accent1">
+                  <a:shade val="50000"/>
+                </a:schemeClr>
+              </a:lnRef>
+              <a:fillRef idx="1">
+                <a:schemeClr val="accent1"/>
+              </a:fillRef>
+              <a:effectRef idx="0">
+                <a:schemeClr val="accent1"/>
+              </a:effectRef>
+              <a:fontRef idx="minor">
+                <a:schemeClr val="lt1"/>
+              </a:fontRef>
+            </p:style>
+            <p:txBody>
+              <a:bodyPr rtlCol="0" anchor="ctr"/>
+              <a:lstStyle/>
+              <a:p>
+                <a:pPr algn="ctr"/>
+                <a:endParaRPr lang="en-BE" dirty="0"/>
+              </a:p>
+            </p:txBody>
+          </p:sp>
+          <p:sp>
+            <p:nvSpPr>
+              <p:cNvPr id="14" name="Rechthoek 13">
+                <a:extLst>
+                  <a:ext uri="{FF2B5EF4-FFF2-40B4-BE49-F238E27FC236}">
+                    <a16:creationId xmlns:a16="http://schemas.microsoft.com/office/drawing/2014/main" id="{1B477D2E-811C-1304-8127-3278FF98B2AD}"/>
+                  </a:ext>
+                </a:extLst>
+              </p:cNvPr>
+              <p:cNvSpPr/>
+              <p:nvPr/>
+            </p:nvSpPr>
+            <p:spPr>
+              <a:xfrm>
+                <a:off x="6912131" y="536008"/>
+                <a:ext cx="2994371" cy="707886"/>
+              </a:xfrm>
+              <a:prstGeom prst="rect">
+                <a:avLst/>
+              </a:prstGeom>
+              <a:noFill/>
+            </p:spPr>
+            <p:txBody>
+              <a:bodyPr wrap="square" lIns="91440" tIns="45720" rIns="91440" bIns="45720">
+                <a:spAutoFit/>
+              </a:bodyPr>
+              <a:lstStyle/>
+              <a:p>
+                <a:pPr algn="ctr"/>
+                <a:r>
+                  <a:rPr lang="nl-NL" sz="4000" b="0" cap="none" spc="0" dirty="0">
+                    <a:ln w="0"/>
+                    <a:solidFill>
+                      <a:schemeClr val="accent1"/>
+                    </a:solidFill>
+                    <a:effectLst>
+                      <a:outerShdw blurRad="38100" dist="25400" dir="5400000" algn="ctr" rotWithShape="0">
+                        <a:srgbClr val="6E747A">
+                          <a:alpha val="43000"/>
+                        </a:srgbClr>
+                      </a:outerShdw>
+                    </a:effectLst>
+                  </a:rPr>
+                  <a:t>Taxi a</a:t>
+                </a:r>
+              </a:p>
+            </p:txBody>
+          </p:sp>
+          <p:sp>
+            <p:nvSpPr>
+              <p:cNvPr id="15" name="Tekstvak 14">
+                <a:extLst>
+                  <a:ext uri="{FF2B5EF4-FFF2-40B4-BE49-F238E27FC236}">
+                    <a16:creationId xmlns:a16="http://schemas.microsoft.com/office/drawing/2014/main" id="{ABA33B7D-11ED-447A-FE55-F93ABD51278E}"/>
+                  </a:ext>
+                </a:extLst>
+              </p:cNvPr>
+              <p:cNvSpPr txBox="1"/>
+              <p:nvPr/>
+            </p:nvSpPr>
+            <p:spPr>
+              <a:xfrm>
+                <a:off x="7435970" y="1243894"/>
+                <a:ext cx="1969196" cy="646331"/>
+              </a:xfrm>
+              <a:prstGeom prst="rect">
+                <a:avLst/>
+              </a:prstGeom>
+              <a:noFill/>
+            </p:spPr>
+            <p:txBody>
+              <a:bodyPr wrap="square" rtlCol="0">
+                <a:spAutoFit/>
+              </a:bodyPr>
+              <a:lstStyle/>
+              <a:p>
+                <a:r>
+                  <a:rPr lang="nl-BE" dirty="0"/>
+                  <a:t>De taxi is aan het </a:t>
+                </a:r>
+                <a:r>
+                  <a:rPr lang="nl-BE" dirty="0" err="1"/>
+                  <a:t>taxien</a:t>
+                </a:r>
+                <a:endParaRPr lang="en-BE" dirty="0"/>
+              </a:p>
+            </p:txBody>
+          </p:sp>
+          <p:sp>
+            <p:nvSpPr>
+              <p:cNvPr id="16" name="Tekstvak 15">
+                <a:extLst>
+                  <a:ext uri="{FF2B5EF4-FFF2-40B4-BE49-F238E27FC236}">
+                    <a16:creationId xmlns:a16="http://schemas.microsoft.com/office/drawing/2014/main" id="{245BB1F0-6A45-0A8A-C25B-D769CBCC926A}"/>
+                  </a:ext>
+                </a:extLst>
+              </p:cNvPr>
+              <p:cNvSpPr txBox="1"/>
+              <p:nvPr/>
+            </p:nvSpPr>
+            <p:spPr>
+              <a:xfrm>
+                <a:off x="7490102" y="2042625"/>
+                <a:ext cx="1969196" cy="646331"/>
+              </a:xfrm>
+              <a:prstGeom prst="rect">
+                <a:avLst/>
+              </a:prstGeom>
+              <a:noFill/>
+            </p:spPr>
+            <p:txBody>
+              <a:bodyPr wrap="square" rtlCol="0">
+                <a:spAutoFit/>
+              </a:bodyPr>
+              <a:lstStyle/>
+              <a:p>
+                <a:r>
+                  <a:rPr lang="nl-BE" dirty="0"/>
+                  <a:t>De taxi is aan het </a:t>
+                </a:r>
+                <a:r>
+                  <a:rPr lang="nl-BE" dirty="0" err="1"/>
+                  <a:t>taxien</a:t>
+                </a:r>
+                <a:endParaRPr lang="en-BE" dirty="0"/>
+              </a:p>
+            </p:txBody>
+          </p:sp>
+          <p:sp>
+            <p:nvSpPr>
+              <p:cNvPr id="17" name="Tekstvak 16">
+                <a:extLst>
+                  <a:ext uri="{FF2B5EF4-FFF2-40B4-BE49-F238E27FC236}">
+                    <a16:creationId xmlns:a16="http://schemas.microsoft.com/office/drawing/2014/main" id="{C1446CF1-5C2A-A76E-8F79-C68486953968}"/>
+                  </a:ext>
+                </a:extLst>
+              </p:cNvPr>
+              <p:cNvSpPr txBox="1"/>
+              <p:nvPr/>
+            </p:nvSpPr>
+            <p:spPr>
+              <a:xfrm>
+                <a:off x="7490102" y="2846976"/>
+                <a:ext cx="1969196" cy="646331"/>
+              </a:xfrm>
+              <a:prstGeom prst="rect">
+                <a:avLst/>
+              </a:prstGeom>
+              <a:noFill/>
+            </p:spPr>
+            <p:txBody>
+              <a:bodyPr wrap="square" rtlCol="0">
+                <a:spAutoFit/>
+              </a:bodyPr>
+              <a:lstStyle/>
+              <a:p>
+                <a:r>
+                  <a:rPr lang="nl-BE" dirty="0"/>
+                  <a:t>De taxi is aan het </a:t>
+                </a:r>
+                <a:r>
+                  <a:rPr lang="nl-BE" dirty="0" err="1"/>
+                  <a:t>taxien</a:t>
+                </a:r>
+                <a:endParaRPr lang="en-BE" dirty="0"/>
+              </a:p>
+            </p:txBody>
+          </p:sp>
+          <p:sp>
+            <p:nvSpPr>
+              <p:cNvPr id="18" name="Tekstvak 17">
+                <a:extLst>
+                  <a:ext uri="{FF2B5EF4-FFF2-40B4-BE49-F238E27FC236}">
+                    <a16:creationId xmlns:a16="http://schemas.microsoft.com/office/drawing/2014/main" id="{410B4088-D768-61A9-ABC2-4C98E285025C}"/>
+                  </a:ext>
+                </a:extLst>
+              </p:cNvPr>
+              <p:cNvSpPr txBox="1"/>
+              <p:nvPr/>
+            </p:nvSpPr>
+            <p:spPr>
+              <a:xfrm>
+                <a:off x="7490102" y="3656947"/>
+                <a:ext cx="1969196" cy="646331"/>
+              </a:xfrm>
+              <a:prstGeom prst="rect">
+                <a:avLst/>
+              </a:prstGeom>
+              <a:noFill/>
+            </p:spPr>
+            <p:txBody>
+              <a:bodyPr wrap="square" rtlCol="0">
+                <a:spAutoFit/>
+              </a:bodyPr>
+              <a:lstStyle/>
+              <a:p>
+                <a:r>
+                  <a:rPr lang="nl-BE" dirty="0"/>
+                  <a:t>De taxi is aan het </a:t>
+                </a:r>
+                <a:r>
+                  <a:rPr lang="nl-BE" dirty="0" err="1"/>
+                  <a:t>taxien</a:t>
+                </a:r>
+                <a:endParaRPr lang="en-BE" dirty="0"/>
+              </a:p>
+            </p:txBody>
+          </p:sp>
+        </p:grpSp>
+        <p:grpSp>
+          <p:nvGrpSpPr>
+            <p:cNvPr id="6" name="Groep 5">
+              <a:extLst>
+                <a:ext uri="{FF2B5EF4-FFF2-40B4-BE49-F238E27FC236}">
+                  <a16:creationId xmlns:a16="http://schemas.microsoft.com/office/drawing/2014/main" id="{77C7BC4F-98B9-4F2B-B888-B3093973BD2A}"/>
+                </a:ext>
+              </a:extLst>
+            </p:cNvPr>
+            <p:cNvGrpSpPr/>
+            <p:nvPr/>
+          </p:nvGrpSpPr>
+          <p:grpSpPr>
+            <a:xfrm>
+              <a:off x="13541518" y="7427537"/>
+              <a:ext cx="2994371" cy="6858000"/>
+              <a:chOff x="9993378" y="0"/>
+              <a:chExt cx="2994371" cy="6858000"/>
+            </a:xfrm>
+          </p:grpSpPr>
+          <p:sp>
+            <p:nvSpPr>
+              <p:cNvPr id="7" name="Rechthoek 6">
+                <a:extLst>
+                  <a:ext uri="{FF2B5EF4-FFF2-40B4-BE49-F238E27FC236}">
+                    <a16:creationId xmlns:a16="http://schemas.microsoft.com/office/drawing/2014/main" id="{DCD12807-935F-DB70-8CF1-5D76A6A6223F}"/>
+                  </a:ext>
+                </a:extLst>
+              </p:cNvPr>
+              <p:cNvSpPr/>
+              <p:nvPr/>
+            </p:nvSpPr>
+            <p:spPr>
+              <a:xfrm>
+                <a:off x="10166778" y="0"/>
+                <a:ext cx="2493034" cy="6858000"/>
+              </a:xfrm>
+              <a:prstGeom prst="rect">
+                <a:avLst/>
+              </a:prstGeom>
+              <a:solidFill>
+                <a:srgbClr val="C00000"/>
+              </a:solidFill>
+              <a:ln>
+                <a:solidFill>
+                  <a:schemeClr val="tx1"/>
+                </a:solidFill>
+              </a:ln>
+            </p:spPr>
+            <p:style>
+              <a:lnRef idx="2">
+                <a:schemeClr val="accent1">
+                  <a:shade val="50000"/>
+                </a:schemeClr>
+              </a:lnRef>
+              <a:fillRef idx="1">
+                <a:schemeClr val="accent1"/>
+              </a:fillRef>
+              <a:effectRef idx="0">
+                <a:schemeClr val="accent1"/>
+              </a:effectRef>
+              <a:fontRef idx="minor">
+                <a:schemeClr val="lt1"/>
+              </a:fontRef>
+            </p:style>
+            <p:txBody>
+              <a:bodyPr rtlCol="0" anchor="ctr"/>
+              <a:lstStyle/>
+              <a:p>
+                <a:pPr algn="ctr"/>
+                <a:endParaRPr lang="en-BE"/>
+              </a:p>
+            </p:txBody>
+          </p:sp>
+          <p:sp>
+            <p:nvSpPr>
+              <p:cNvPr id="8" name="Rechthoek 7">
+                <a:extLst>
+                  <a:ext uri="{FF2B5EF4-FFF2-40B4-BE49-F238E27FC236}">
+                    <a16:creationId xmlns:a16="http://schemas.microsoft.com/office/drawing/2014/main" id="{0CFA8AC5-1C19-0307-2A1B-63BD95D8620B}"/>
+                  </a:ext>
+                </a:extLst>
+              </p:cNvPr>
+              <p:cNvSpPr/>
+              <p:nvPr/>
+            </p:nvSpPr>
+            <p:spPr>
+              <a:xfrm>
+                <a:off x="9993378" y="632472"/>
+                <a:ext cx="2994371" cy="707886"/>
+              </a:xfrm>
+              <a:prstGeom prst="rect">
+                <a:avLst/>
+              </a:prstGeom>
+              <a:noFill/>
+            </p:spPr>
+            <p:txBody>
+              <a:bodyPr wrap="square" lIns="91440" tIns="45720" rIns="91440" bIns="45720">
+                <a:spAutoFit/>
+              </a:bodyPr>
+              <a:lstStyle/>
+              <a:p>
+                <a:pPr algn="ctr"/>
+                <a:r>
+                  <a:rPr lang="nl-NL" sz="4000" b="0" cap="none" spc="0" dirty="0">
+                    <a:ln w="0"/>
+                    <a:solidFill>
+                      <a:schemeClr val="accent1"/>
+                    </a:solidFill>
+                    <a:effectLst>
+                      <a:outerShdw blurRad="38100" dist="25400" dir="5400000" algn="ctr" rotWithShape="0">
+                        <a:srgbClr val="6E747A">
+                          <a:alpha val="43000"/>
+                        </a:srgbClr>
+                      </a:outerShdw>
+                    </a:effectLst>
+                  </a:rPr>
+                  <a:t>Taxi a</a:t>
+                </a:r>
+              </a:p>
+            </p:txBody>
+          </p:sp>
+          <p:sp>
+            <p:nvSpPr>
+              <p:cNvPr id="9" name="Tekstvak 8">
+                <a:extLst>
+                  <a:ext uri="{FF2B5EF4-FFF2-40B4-BE49-F238E27FC236}">
+                    <a16:creationId xmlns:a16="http://schemas.microsoft.com/office/drawing/2014/main" id="{89B1CF67-1BB3-AD0E-2807-2A3BC702C355}"/>
+                  </a:ext>
+                </a:extLst>
+              </p:cNvPr>
+              <p:cNvSpPr txBox="1"/>
+              <p:nvPr/>
+            </p:nvSpPr>
+            <p:spPr>
+              <a:xfrm>
+                <a:off x="10517217" y="1340358"/>
+                <a:ext cx="1969196" cy="646331"/>
+              </a:xfrm>
+              <a:prstGeom prst="rect">
+                <a:avLst/>
+              </a:prstGeom>
+              <a:noFill/>
+            </p:spPr>
+            <p:txBody>
+              <a:bodyPr wrap="square" rtlCol="0">
+                <a:spAutoFit/>
+              </a:bodyPr>
+              <a:lstStyle/>
+              <a:p>
+                <a:r>
+                  <a:rPr lang="nl-BE" dirty="0"/>
+                  <a:t>De taxi is aan het </a:t>
+                </a:r>
+                <a:r>
+                  <a:rPr lang="nl-BE" dirty="0" err="1"/>
+                  <a:t>taxien</a:t>
+                </a:r>
+                <a:endParaRPr lang="en-BE" dirty="0"/>
+              </a:p>
+            </p:txBody>
+          </p:sp>
+          <p:sp>
+            <p:nvSpPr>
+              <p:cNvPr id="10" name="Tekstvak 9">
+                <a:extLst>
+                  <a:ext uri="{FF2B5EF4-FFF2-40B4-BE49-F238E27FC236}">
+                    <a16:creationId xmlns:a16="http://schemas.microsoft.com/office/drawing/2014/main" id="{9A5CFB73-73CA-79DA-0EEA-3729BE1C73B4}"/>
+                  </a:ext>
+                </a:extLst>
+              </p:cNvPr>
+              <p:cNvSpPr txBox="1"/>
+              <p:nvPr/>
+            </p:nvSpPr>
+            <p:spPr>
+              <a:xfrm>
+                <a:off x="10571349" y="2139089"/>
+                <a:ext cx="1969196" cy="646331"/>
+              </a:xfrm>
+              <a:prstGeom prst="rect">
+                <a:avLst/>
+              </a:prstGeom>
+              <a:noFill/>
+            </p:spPr>
+            <p:txBody>
+              <a:bodyPr wrap="square" rtlCol="0">
+                <a:spAutoFit/>
+              </a:bodyPr>
+              <a:lstStyle/>
+              <a:p>
+                <a:r>
+                  <a:rPr lang="nl-BE" dirty="0"/>
+                  <a:t>De taxi is aan het </a:t>
+                </a:r>
+                <a:r>
+                  <a:rPr lang="nl-BE" dirty="0" err="1"/>
+                  <a:t>taxien</a:t>
+                </a:r>
+                <a:endParaRPr lang="en-BE" dirty="0"/>
+              </a:p>
+            </p:txBody>
+          </p:sp>
+          <p:sp>
+            <p:nvSpPr>
+              <p:cNvPr id="11" name="Tekstvak 10">
+                <a:extLst>
+                  <a:ext uri="{FF2B5EF4-FFF2-40B4-BE49-F238E27FC236}">
+                    <a16:creationId xmlns:a16="http://schemas.microsoft.com/office/drawing/2014/main" id="{CE1BCE9F-7187-1026-D1D6-C5784C92BF11}"/>
+                  </a:ext>
+                </a:extLst>
+              </p:cNvPr>
+              <p:cNvSpPr txBox="1"/>
+              <p:nvPr/>
+            </p:nvSpPr>
+            <p:spPr>
+              <a:xfrm>
+                <a:off x="10571349" y="2943440"/>
+                <a:ext cx="1969196" cy="646331"/>
+              </a:xfrm>
+              <a:prstGeom prst="rect">
+                <a:avLst/>
+              </a:prstGeom>
+              <a:noFill/>
+            </p:spPr>
+            <p:txBody>
+              <a:bodyPr wrap="square" rtlCol="0">
+                <a:spAutoFit/>
+              </a:bodyPr>
+              <a:lstStyle/>
+              <a:p>
+                <a:r>
+                  <a:rPr lang="nl-BE" dirty="0"/>
+                  <a:t>De taxi is aan het </a:t>
+                </a:r>
+                <a:r>
+                  <a:rPr lang="nl-BE" dirty="0" err="1"/>
+                  <a:t>taxien</a:t>
+                </a:r>
+                <a:endParaRPr lang="en-BE" dirty="0"/>
+              </a:p>
+            </p:txBody>
+          </p:sp>
+          <p:sp>
+            <p:nvSpPr>
+              <p:cNvPr id="12" name="Tekstvak 11">
+                <a:extLst>
+                  <a:ext uri="{FF2B5EF4-FFF2-40B4-BE49-F238E27FC236}">
+                    <a16:creationId xmlns:a16="http://schemas.microsoft.com/office/drawing/2014/main" id="{BBD232E5-B2A9-1EF3-4C67-6817B9BEF185}"/>
+                  </a:ext>
+                </a:extLst>
+              </p:cNvPr>
+              <p:cNvSpPr txBox="1"/>
+              <p:nvPr/>
+            </p:nvSpPr>
+            <p:spPr>
+              <a:xfrm>
+                <a:off x="10571349" y="3753411"/>
+                <a:ext cx="1969196" cy="646331"/>
+              </a:xfrm>
+              <a:prstGeom prst="rect">
+                <a:avLst/>
+              </a:prstGeom>
+              <a:noFill/>
+            </p:spPr>
+            <p:txBody>
+              <a:bodyPr wrap="square" rtlCol="0">
+                <a:spAutoFit/>
+              </a:bodyPr>
+              <a:lstStyle/>
+              <a:p>
+                <a:r>
+                  <a:rPr lang="nl-BE" dirty="0"/>
+                  <a:t>De taxi is aan het </a:t>
+                </a:r>
+                <a:r>
+                  <a:rPr lang="nl-BE" dirty="0" err="1"/>
+                  <a:t>taxien</a:t>
+                </a:r>
+                <a:endParaRPr lang="en-BE" dirty="0"/>
+              </a:p>
+            </p:txBody>
+          </p:sp>
+        </p:grpSp>
+      </p:grpSp>
+    </p:spTree>
+    <p:extLst>
+      <p:ext uri="{BB962C8B-B14F-4D97-AF65-F5344CB8AC3E}">
+        <p14:creationId xmlns:p14="http://schemas.microsoft.com/office/powerpoint/2010/main" val="2434740010"/>
+      </p:ext>
+    </p:extLst>
+  </p:cSld>
+  <p:clrMapOvr>
+    <a:masterClrMapping/>
+  </p:clrMapOvr>
+  <mc:AlternateContent xmlns:mc="http://schemas.openxmlformats.org/markup-compatibility/2006">
+    <mc:Choice xmlns:p15="http://schemas.microsoft.com/office/powerpoint/2012/main" Requires="p15">
+      <p:transition xmlns:p14="http://schemas.microsoft.com/office/powerpoint/2010/main" spd="slow" p14:dur="2000">
+        <p15:prstTrans prst="fallOver"/>
+      </p:transition>
+    </mc:Choice>
+    <mc:Fallback>
+      <p:transition spd="slow">
+        <p:fade/>
+      </p:transition>
+    </mc:Fallback>
+  </mc:AlternateContent>
 </p:sld>
 </file>
 
@@ -5997,10 +7292,10 @@
       </p:sp>
       <p:sp>
         <p:nvSpPr>
-          <p:cNvPr id="55" name="Rechthoek 54">
+          <p:cNvPr id="2" name="Rechthoek 1">
             <a:extLst>
               <a:ext uri="{FF2B5EF4-FFF2-40B4-BE49-F238E27FC236}">
-                <a16:creationId xmlns:a16="http://schemas.microsoft.com/office/drawing/2014/main" id="{64AA63B5-76F7-4496-1F78-209689F43D60}"/>
+                <a16:creationId xmlns:a16="http://schemas.microsoft.com/office/drawing/2014/main" id="{4E44F902-2C58-2643-867F-45F972BE0E88}"/>
               </a:ext>
             </a:extLst>
           </p:cNvPr>
@@ -6009,48 +7304,341 @@
         </p:nvSpPr>
         <p:spPr>
           <a:xfrm>
-            <a:off x="4739965" y="0"/>
-            <a:ext cx="9716404" cy="6858000"/>
+            <a:off x="-10049" y="2616144"/>
+            <a:ext cx="2244525" cy="1754326"/>
           </a:xfrm>
           <a:prstGeom prst="rect">
             <a:avLst/>
           </a:prstGeom>
-          <a:solidFill>
-            <a:schemeClr val="bg2">
-              <a:lumMod val="90000"/>
-            </a:schemeClr>
-          </a:solidFill>
-          <a:ln w="28575">
-            <a:solidFill>
-              <a:schemeClr val="tx1"/>
-            </a:solidFill>
-          </a:ln>
+          <a:noFill/>
         </p:spPr>
-        <p:style>
-          <a:lnRef idx="2">
-            <a:schemeClr val="accent1">
-              <a:shade val="50000"/>
-            </a:schemeClr>
-          </a:lnRef>
-          <a:fillRef idx="1">
-            <a:schemeClr val="accent1"/>
-          </a:fillRef>
-          <a:effectRef idx="0">
-            <a:schemeClr val="accent1"/>
-          </a:effectRef>
-          <a:fontRef idx="minor">
-            <a:schemeClr val="lt1"/>
-          </a:fontRef>
-        </p:style>
         <p:txBody>
-          <a:bodyPr rtlCol="0" anchor="ctr"/>
+          <a:bodyPr wrap="none" lIns="91440" tIns="45720" rIns="91440" bIns="45720">
+            <a:spAutoFit/>
+          </a:bodyPr>
           <a:lstStyle/>
           <a:p>
             <a:pPr algn="ctr"/>
-            <a:endParaRPr lang="en-BE"/>
+            <a:r>
+              <a:rPr lang="nl-NL" sz="3600" b="0" cap="none" spc="0" dirty="0">
+                <a:ln w="0"/>
+                <a:effectLst>
+                  <a:outerShdw blurRad="38100" dist="25400" dir="5400000" algn="ctr" rotWithShape="0">
+                    <a:srgbClr val="6E747A">
+                      <a:alpha val="43000"/>
+                    </a:srgbClr>
+                  </a:outerShdw>
+                </a:effectLst>
+              </a:rPr>
+              <a:t>Project </a:t>
+            </a:r>
+          </a:p>
+          <a:p>
+            <a:pPr algn="ctr"/>
+            <a:r>
+              <a:rPr lang="nl-NL" sz="3600" dirty="0" err="1">
+                <a:ln w="0"/>
+                <a:effectLst>
+                  <a:outerShdw blurRad="38100" dist="25400" dir="5400000" algn="ctr" rotWithShape="0">
+                    <a:srgbClr val="6E747A">
+                      <a:alpha val="43000"/>
+                    </a:srgbClr>
+                  </a:outerShdw>
+                </a:effectLst>
+              </a:rPr>
+              <a:t>Experience</a:t>
+            </a:r>
+            <a:endParaRPr lang="nl-NL" sz="3600" dirty="0">
+              <a:ln w="0"/>
+              <a:effectLst>
+                <a:outerShdw blurRad="38100" dist="25400" dir="5400000" algn="ctr" rotWithShape="0">
+                  <a:srgbClr val="6E747A">
+                    <a:alpha val="43000"/>
+                  </a:srgbClr>
+                </a:outerShdw>
+              </a:effectLst>
+            </a:endParaRPr>
+          </a:p>
+          <a:p>
+            <a:pPr algn="ctr"/>
+            <a:r>
+              <a:rPr lang="nl-NL" sz="3600" dirty="0">
+                <a:ln w="0"/>
+                <a:effectLst>
+                  <a:outerShdw blurRad="38100" dist="25400" dir="5400000" algn="ctr" rotWithShape="0">
+                    <a:srgbClr val="6E747A">
+                      <a:alpha val="43000"/>
+                    </a:srgbClr>
+                  </a:outerShdw>
+                </a:effectLst>
+              </a:rPr>
+              <a:t>I.0</a:t>
+            </a:r>
+            <a:endParaRPr lang="nl-NL" sz="3600" b="0" cap="none" spc="0" dirty="0">
+              <a:ln w="0"/>
+              <a:effectLst>
+                <a:outerShdw blurRad="38100" dist="25400" dir="5400000" algn="ctr" rotWithShape="0">
+                  <a:srgbClr val="6E747A">
+                    <a:alpha val="43000"/>
+                  </a:srgbClr>
+                </a:outerShdw>
+              </a:effectLst>
+            </a:endParaRPr>
           </a:p>
         </p:txBody>
       </p:sp>
+      <p:grpSp>
+        <p:nvGrpSpPr>
+          <p:cNvPr id="42" name="Groep 41">
+            <a:extLst>
+              <a:ext uri="{FF2B5EF4-FFF2-40B4-BE49-F238E27FC236}">
+                <a16:creationId xmlns:a16="http://schemas.microsoft.com/office/drawing/2014/main" id="{1884E533-B844-7A56-105A-FA248794A165}"/>
+              </a:ext>
+            </a:extLst>
+          </p:cNvPr>
+          <p:cNvGrpSpPr/>
+          <p:nvPr/>
+        </p:nvGrpSpPr>
+        <p:grpSpPr>
+          <a:xfrm>
+            <a:off x="4739965" y="0"/>
+            <a:ext cx="7452035" cy="6858000"/>
+            <a:chOff x="4739965" y="0"/>
+            <a:chExt cx="7452035" cy="6858000"/>
+          </a:xfrm>
+        </p:grpSpPr>
+        <p:sp>
+          <p:nvSpPr>
+            <p:cNvPr id="15" name="Rechthoek 14">
+              <a:extLst>
+                <a:ext uri="{FF2B5EF4-FFF2-40B4-BE49-F238E27FC236}">
+                  <a16:creationId xmlns:a16="http://schemas.microsoft.com/office/drawing/2014/main" id="{84EB54AF-40DD-F2F4-C73C-933ACC94A1EB}"/>
+                </a:ext>
+              </a:extLst>
+            </p:cNvPr>
+            <p:cNvSpPr/>
+            <p:nvPr/>
+          </p:nvSpPr>
+          <p:spPr>
+            <a:xfrm>
+              <a:off x="4739965" y="0"/>
+              <a:ext cx="7452035" cy="6858000"/>
+            </a:xfrm>
+            <a:prstGeom prst="rect">
+              <a:avLst/>
+            </a:prstGeom>
+            <a:solidFill>
+              <a:schemeClr val="accent4">
+                <a:lumMod val="60000"/>
+                <a:lumOff val="40000"/>
+              </a:schemeClr>
+            </a:solidFill>
+            <a:ln w="28575">
+              <a:solidFill>
+                <a:schemeClr val="tx1"/>
+              </a:solidFill>
+            </a:ln>
+          </p:spPr>
+          <p:style>
+            <a:lnRef idx="2">
+              <a:schemeClr val="accent1">
+                <a:shade val="50000"/>
+              </a:schemeClr>
+            </a:lnRef>
+            <a:fillRef idx="1">
+              <a:schemeClr val="accent1"/>
+            </a:fillRef>
+            <a:effectRef idx="0">
+              <a:schemeClr val="accent1"/>
+            </a:effectRef>
+            <a:fontRef idx="minor">
+              <a:schemeClr val="lt1"/>
+            </a:fontRef>
+          </p:style>
+          <p:txBody>
+            <a:bodyPr rtlCol="0" anchor="ctr"/>
+            <a:lstStyle/>
+            <a:p>
+              <a:pPr algn="ctr"/>
+              <a:endParaRPr lang="en-BE"/>
+            </a:p>
+          </p:txBody>
+        </p:sp>
+        <p:sp>
+          <p:nvSpPr>
+            <p:cNvPr id="16" name="Rechthoek 15">
+              <a:extLst>
+                <a:ext uri="{FF2B5EF4-FFF2-40B4-BE49-F238E27FC236}">
+                  <a16:creationId xmlns:a16="http://schemas.microsoft.com/office/drawing/2014/main" id="{8A3E3FA1-A420-DF28-8C9E-6210118B6F03}"/>
+                </a:ext>
+              </a:extLst>
+            </p:cNvPr>
+            <p:cNvSpPr/>
+            <p:nvPr/>
+          </p:nvSpPr>
+          <p:spPr>
+            <a:xfrm>
+              <a:off x="8254292" y="2816198"/>
+              <a:ext cx="585417" cy="923330"/>
+            </a:xfrm>
+            <a:prstGeom prst="rect">
+              <a:avLst/>
+            </a:prstGeom>
+            <a:noFill/>
+          </p:spPr>
+          <p:txBody>
+            <a:bodyPr wrap="none" lIns="91440" tIns="45720" rIns="91440" bIns="45720">
+              <a:spAutoFit/>
+            </a:bodyPr>
+            <a:lstStyle/>
+            <a:p>
+              <a:pPr algn="ctr"/>
+              <a:r>
+                <a:rPr lang="nl-NL" sz="5400" b="0" cap="none" spc="0" dirty="0">
+                  <a:ln w="0"/>
+                  <a:solidFill>
+                    <a:schemeClr val="accent1"/>
+                  </a:solidFill>
+                  <a:effectLst>
+                    <a:outerShdw blurRad="38100" dist="25400" dir="5400000" algn="ctr" rotWithShape="0">
+                      <a:srgbClr val="6E747A">
+                        <a:alpha val="43000"/>
+                      </a:srgbClr>
+                    </a:outerShdw>
+                  </a:effectLst>
+                </a:rPr>
+                <a:t>A</a:t>
+              </a:r>
+            </a:p>
+          </p:txBody>
+        </p:sp>
+      </p:grpSp>
+      <p:grpSp>
+        <p:nvGrpSpPr>
+          <p:cNvPr id="47" name="Groep 46">
+            <a:extLst>
+              <a:ext uri="{FF2B5EF4-FFF2-40B4-BE49-F238E27FC236}">
+                <a16:creationId xmlns:a16="http://schemas.microsoft.com/office/drawing/2014/main" id="{0DDED93D-7804-B140-9C53-145DCB8E9D29}"/>
+              </a:ext>
+            </a:extLst>
+          </p:cNvPr>
+          <p:cNvGrpSpPr/>
+          <p:nvPr/>
+        </p:nvGrpSpPr>
+        <p:grpSpPr>
+          <a:xfrm>
+            <a:off x="13274365" y="0"/>
+            <a:ext cx="7452035" cy="6858000"/>
+            <a:chOff x="13274365" y="0"/>
+            <a:chExt cx="7452035" cy="6858000"/>
+          </a:xfrm>
+        </p:grpSpPr>
+        <p:sp>
+          <p:nvSpPr>
+            <p:cNvPr id="14" name="Rechthoek 13">
+              <a:extLst>
+                <a:ext uri="{FF2B5EF4-FFF2-40B4-BE49-F238E27FC236}">
+                  <a16:creationId xmlns:a16="http://schemas.microsoft.com/office/drawing/2014/main" id="{4F48729D-F5D6-F807-B50F-2198283125C2}"/>
+                </a:ext>
+              </a:extLst>
+            </p:cNvPr>
+            <p:cNvSpPr/>
+            <p:nvPr/>
+          </p:nvSpPr>
+          <p:spPr>
+            <a:xfrm>
+              <a:off x="13274365" y="0"/>
+              <a:ext cx="7452035" cy="6858000"/>
+            </a:xfrm>
+            <a:prstGeom prst="rect">
+              <a:avLst/>
+            </a:prstGeom>
+            <a:solidFill>
+              <a:schemeClr val="accent4">
+                <a:lumMod val="60000"/>
+                <a:lumOff val="40000"/>
+              </a:schemeClr>
+            </a:solidFill>
+            <a:ln w="28575">
+              <a:solidFill>
+                <a:schemeClr val="tx1"/>
+              </a:solidFill>
+            </a:ln>
+          </p:spPr>
+          <p:style>
+            <a:lnRef idx="2">
+              <a:schemeClr val="accent1">
+                <a:shade val="50000"/>
+              </a:schemeClr>
+            </a:lnRef>
+            <a:fillRef idx="1">
+              <a:schemeClr val="accent1"/>
+            </a:fillRef>
+            <a:effectRef idx="0">
+              <a:schemeClr val="accent1"/>
+            </a:effectRef>
+            <a:fontRef idx="minor">
+              <a:schemeClr val="lt1"/>
+            </a:fontRef>
+          </p:style>
+          <p:txBody>
+            <a:bodyPr rtlCol="0" anchor="ctr"/>
+            <a:lstStyle/>
+            <a:p>
+              <a:pPr algn="ctr"/>
+              <a:endParaRPr lang="en-BE"/>
+            </a:p>
+          </p:txBody>
+        </p:sp>
+        <p:sp>
+          <p:nvSpPr>
+            <p:cNvPr id="46" name="Rechthoek 45">
+              <a:extLst>
+                <a:ext uri="{FF2B5EF4-FFF2-40B4-BE49-F238E27FC236}">
+                  <a16:creationId xmlns:a16="http://schemas.microsoft.com/office/drawing/2014/main" id="{A69D44B2-C49C-F993-AF83-678EDDF81D0C}"/>
+                </a:ext>
+              </a:extLst>
+            </p:cNvPr>
+            <p:cNvSpPr/>
+            <p:nvPr/>
+          </p:nvSpPr>
+          <p:spPr>
+            <a:xfrm>
+              <a:off x="16875199" y="2776932"/>
+              <a:ext cx="561372" cy="923330"/>
+            </a:xfrm>
+            <a:prstGeom prst="rect">
+              <a:avLst/>
+            </a:prstGeom>
+            <a:noFill/>
+          </p:spPr>
+          <p:txBody>
+            <a:bodyPr wrap="none" lIns="91440" tIns="45720" rIns="91440" bIns="45720">
+              <a:spAutoFit/>
+            </a:bodyPr>
+            <a:lstStyle/>
+            <a:p>
+              <a:pPr algn="ctr"/>
+              <a:r>
+                <a:rPr lang="nl-NL" sz="5400" b="0" cap="none" spc="0" dirty="0">
+                  <a:ln w="0"/>
+                  <a:solidFill>
+                    <a:schemeClr val="accent1"/>
+                  </a:solidFill>
+                  <a:effectLst>
+                    <a:outerShdw blurRad="38100" dist="25400" dir="5400000" algn="ctr" rotWithShape="0">
+                      <a:srgbClr val="6E747A">
+                        <a:alpha val="43000"/>
+                      </a:srgbClr>
+                    </a:outerShdw>
+                  </a:effectLst>
+                </a:rPr>
+                <a:t>B</a:t>
+              </a:r>
+            </a:p>
+          </p:txBody>
+        </p:sp>
+      </p:grpSp>
     </p:spTree>
     <p:extLst>
       <p:ext uri="{BB962C8B-B14F-4D97-AF65-F5344CB8AC3E}">
@@ -6061,13 +7649,13 @@
   <p:clrMapOvr>
     <a:masterClrMapping/>
   </p:clrMapOvr>
-  <mc:AlternateContent xmlns:mc="http://schemas.openxmlformats.org/markup-compatibility/2006">
-    <mc:Choice xmlns:p159="http://schemas.microsoft.com/office/powerpoint/2015/09/main" Requires="p159">
+  <mc:AlternateContent xmlns:mc="http://schemas.openxmlformats.org/markup-compatibility/2006" xmlns:p159="http://schemas.microsoft.com/office/powerpoint/2015/09/main">
+    <mc:Choice Requires="p159">
       <p:transition xmlns:p14="http://schemas.microsoft.com/office/powerpoint/2010/main" spd="slow" p14:dur="2000">
         <p159:morph option="byObject"/>
       </p:transition>
     </mc:Choice>
-    <mc:Fallback>
+    <mc:Fallback xmlns="">
       <p:transition spd="slow">
         <p:fade/>
       </p:transition>
@@ -7332,10 +8920,10 @@
       </p:sp>
       <p:sp>
         <p:nvSpPr>
-          <p:cNvPr id="32" name="Rechthoek 31">
+          <p:cNvPr id="33" name="Rechthoek 32">
             <a:extLst>
               <a:ext uri="{FF2B5EF4-FFF2-40B4-BE49-F238E27FC236}">
-                <a16:creationId xmlns:a16="http://schemas.microsoft.com/office/drawing/2014/main" id="{728D562C-2C7B-A21A-F5B8-6607C799FA3F}"/>
+                <a16:creationId xmlns:a16="http://schemas.microsoft.com/office/drawing/2014/main" id="{78FB3794-0110-48D6-8A84-8E9392CFB820}"/>
               </a:ext>
             </a:extLst>
           </p:cNvPr>
@@ -7344,48 +8932,467 @@
         </p:nvSpPr>
         <p:spPr>
           <a:xfrm>
-            <a:off x="4739965" y="0"/>
-            <a:ext cx="7452035" cy="6858000"/>
+            <a:off x="-10049" y="2616144"/>
+            <a:ext cx="2244525" cy="1754326"/>
           </a:xfrm>
           <a:prstGeom prst="rect">
             <a:avLst/>
           </a:prstGeom>
-          <a:solidFill>
-            <a:schemeClr val="bg2">
-              <a:lumMod val="90000"/>
-            </a:schemeClr>
-          </a:solidFill>
-          <a:ln w="28575">
-            <a:solidFill>
-              <a:schemeClr val="tx1"/>
-            </a:solidFill>
-          </a:ln>
+          <a:noFill/>
         </p:spPr>
-        <p:style>
-          <a:lnRef idx="2">
-            <a:schemeClr val="accent1">
-              <a:shade val="50000"/>
-            </a:schemeClr>
-          </a:lnRef>
-          <a:fillRef idx="1">
-            <a:schemeClr val="accent1"/>
-          </a:fillRef>
-          <a:effectRef idx="0">
-            <a:schemeClr val="accent1"/>
-          </a:effectRef>
-          <a:fontRef idx="minor">
-            <a:schemeClr val="lt1"/>
-          </a:fontRef>
-        </p:style>
         <p:txBody>
-          <a:bodyPr rtlCol="0" anchor="ctr"/>
+          <a:bodyPr wrap="none" lIns="91440" tIns="45720" rIns="91440" bIns="45720">
+            <a:spAutoFit/>
+          </a:bodyPr>
           <a:lstStyle/>
           <a:p>
             <a:pPr algn="ctr"/>
-            <a:endParaRPr lang="en-BE"/>
+            <a:r>
+              <a:rPr lang="nl-NL" sz="3600" b="0" cap="none" spc="0" dirty="0">
+                <a:ln w="0"/>
+                <a:effectLst>
+                  <a:outerShdw blurRad="38100" dist="25400" dir="5400000" algn="ctr" rotWithShape="0">
+                    <a:srgbClr val="6E747A">
+                      <a:alpha val="43000"/>
+                    </a:srgbClr>
+                  </a:outerShdw>
+                </a:effectLst>
+              </a:rPr>
+              <a:t>Project </a:t>
+            </a:r>
+          </a:p>
+          <a:p>
+            <a:pPr algn="ctr"/>
+            <a:r>
+              <a:rPr lang="nl-NL" sz="3600" dirty="0" err="1">
+                <a:ln w="0"/>
+                <a:effectLst>
+                  <a:outerShdw blurRad="38100" dist="25400" dir="5400000" algn="ctr" rotWithShape="0">
+                    <a:srgbClr val="6E747A">
+                      <a:alpha val="43000"/>
+                    </a:srgbClr>
+                  </a:outerShdw>
+                </a:effectLst>
+              </a:rPr>
+              <a:t>Experience</a:t>
+            </a:r>
+            <a:endParaRPr lang="nl-NL" sz="3600" dirty="0">
+              <a:ln w="0"/>
+              <a:effectLst>
+                <a:outerShdw blurRad="38100" dist="25400" dir="5400000" algn="ctr" rotWithShape="0">
+                  <a:srgbClr val="6E747A">
+                    <a:alpha val="43000"/>
+                  </a:srgbClr>
+                </a:outerShdw>
+              </a:effectLst>
+            </a:endParaRPr>
+          </a:p>
+          <a:p>
+            <a:pPr algn="ctr"/>
+            <a:r>
+              <a:rPr lang="nl-NL" sz="3600" dirty="0">
+                <a:ln w="0"/>
+                <a:effectLst>
+                  <a:outerShdw blurRad="38100" dist="25400" dir="5400000" algn="ctr" rotWithShape="0">
+                    <a:srgbClr val="6E747A">
+                      <a:alpha val="43000"/>
+                    </a:srgbClr>
+                  </a:outerShdw>
+                </a:effectLst>
+              </a:rPr>
+              <a:t>I.0</a:t>
+            </a:r>
+            <a:endParaRPr lang="nl-NL" sz="3600" b="0" cap="none" spc="0" dirty="0">
+              <a:ln w="0"/>
+              <a:effectLst>
+                <a:outerShdw blurRad="38100" dist="25400" dir="5400000" algn="ctr" rotWithShape="0">
+                  <a:srgbClr val="6E747A">
+                    <a:alpha val="43000"/>
+                  </a:srgbClr>
+                </a:outerShdw>
+              </a:effectLst>
+            </a:endParaRPr>
           </a:p>
         </p:txBody>
       </p:sp>
+      <p:grpSp>
+        <p:nvGrpSpPr>
+          <p:cNvPr id="45" name="Groep 44">
+            <a:extLst>
+              <a:ext uri="{FF2B5EF4-FFF2-40B4-BE49-F238E27FC236}">
+                <a16:creationId xmlns:a16="http://schemas.microsoft.com/office/drawing/2014/main" id="{247F1C44-5CF5-8B8F-8AF2-BCB43FE26FDA}"/>
+              </a:ext>
+            </a:extLst>
+          </p:cNvPr>
+          <p:cNvGrpSpPr/>
+          <p:nvPr/>
+        </p:nvGrpSpPr>
+        <p:grpSpPr>
+          <a:xfrm>
+            <a:off x="4739965" y="0"/>
+            <a:ext cx="7452035" cy="6858000"/>
+            <a:chOff x="4739965" y="0"/>
+            <a:chExt cx="7452035" cy="6858000"/>
+          </a:xfrm>
+        </p:grpSpPr>
+        <p:sp>
+          <p:nvSpPr>
+            <p:cNvPr id="46" name="Rechthoek 45">
+              <a:extLst>
+                <a:ext uri="{FF2B5EF4-FFF2-40B4-BE49-F238E27FC236}">
+                  <a16:creationId xmlns:a16="http://schemas.microsoft.com/office/drawing/2014/main" id="{B55147A1-89D6-E77A-5E6C-09DB192A0A77}"/>
+                </a:ext>
+              </a:extLst>
+            </p:cNvPr>
+            <p:cNvSpPr/>
+            <p:nvPr/>
+          </p:nvSpPr>
+          <p:spPr>
+            <a:xfrm>
+              <a:off x="4739965" y="0"/>
+              <a:ext cx="7452035" cy="6858000"/>
+            </a:xfrm>
+            <a:prstGeom prst="rect">
+              <a:avLst/>
+            </a:prstGeom>
+            <a:solidFill>
+              <a:schemeClr val="accent4">
+                <a:lumMod val="60000"/>
+                <a:lumOff val="40000"/>
+              </a:schemeClr>
+            </a:solidFill>
+            <a:ln w="28575">
+              <a:solidFill>
+                <a:schemeClr val="tx1"/>
+              </a:solidFill>
+            </a:ln>
+          </p:spPr>
+          <p:style>
+            <a:lnRef idx="2">
+              <a:schemeClr val="accent1">
+                <a:shade val="50000"/>
+              </a:schemeClr>
+            </a:lnRef>
+            <a:fillRef idx="1">
+              <a:schemeClr val="accent1"/>
+            </a:fillRef>
+            <a:effectRef idx="0">
+              <a:schemeClr val="accent1"/>
+            </a:effectRef>
+            <a:fontRef idx="minor">
+              <a:schemeClr val="lt1"/>
+            </a:fontRef>
+          </p:style>
+          <p:txBody>
+            <a:bodyPr rtlCol="0" anchor="ctr"/>
+            <a:lstStyle/>
+            <a:p>
+              <a:pPr algn="ctr"/>
+              <a:endParaRPr lang="en-BE"/>
+            </a:p>
+          </p:txBody>
+        </p:sp>
+        <p:sp>
+          <p:nvSpPr>
+            <p:cNvPr id="47" name="Rechthoek 46">
+              <a:extLst>
+                <a:ext uri="{FF2B5EF4-FFF2-40B4-BE49-F238E27FC236}">
+                  <a16:creationId xmlns:a16="http://schemas.microsoft.com/office/drawing/2014/main" id="{B6C5B0E6-8C8A-2F00-2087-B46E5B02DD98}"/>
+                </a:ext>
+              </a:extLst>
+            </p:cNvPr>
+            <p:cNvSpPr/>
+            <p:nvPr/>
+          </p:nvSpPr>
+          <p:spPr>
+            <a:xfrm>
+              <a:off x="8254292" y="2816198"/>
+              <a:ext cx="585417" cy="923330"/>
+            </a:xfrm>
+            <a:prstGeom prst="rect">
+              <a:avLst/>
+            </a:prstGeom>
+            <a:noFill/>
+          </p:spPr>
+          <p:txBody>
+            <a:bodyPr wrap="none" lIns="91440" tIns="45720" rIns="91440" bIns="45720">
+              <a:spAutoFit/>
+            </a:bodyPr>
+            <a:lstStyle/>
+            <a:p>
+              <a:pPr algn="ctr"/>
+              <a:r>
+                <a:rPr lang="nl-NL" sz="5400" b="0" cap="none" spc="0" dirty="0">
+                  <a:ln w="0"/>
+                  <a:solidFill>
+                    <a:schemeClr val="accent1"/>
+                  </a:solidFill>
+                  <a:effectLst>
+                    <a:outerShdw blurRad="38100" dist="25400" dir="5400000" algn="ctr" rotWithShape="0">
+                      <a:srgbClr val="6E747A">
+                        <a:alpha val="43000"/>
+                      </a:srgbClr>
+                    </a:outerShdw>
+                  </a:effectLst>
+                </a:rPr>
+                <a:t>A</a:t>
+              </a:r>
+            </a:p>
+          </p:txBody>
+        </p:sp>
+      </p:grpSp>
+      <p:grpSp>
+        <p:nvGrpSpPr>
+          <p:cNvPr id="42" name="Groep 41">
+            <a:extLst>
+              <a:ext uri="{FF2B5EF4-FFF2-40B4-BE49-F238E27FC236}">
+                <a16:creationId xmlns:a16="http://schemas.microsoft.com/office/drawing/2014/main" id="{1823F086-EA42-2C20-EF5E-6378424BD7D0}"/>
+              </a:ext>
+            </a:extLst>
+          </p:cNvPr>
+          <p:cNvGrpSpPr/>
+          <p:nvPr/>
+        </p:nvGrpSpPr>
+        <p:grpSpPr>
+          <a:xfrm>
+            <a:off x="4728964" y="0"/>
+            <a:ext cx="7452035" cy="6858000"/>
+            <a:chOff x="13274365" y="0"/>
+            <a:chExt cx="7452035" cy="6858000"/>
+          </a:xfrm>
+        </p:grpSpPr>
+        <p:sp>
+          <p:nvSpPr>
+            <p:cNvPr id="43" name="Rechthoek 42">
+              <a:extLst>
+                <a:ext uri="{FF2B5EF4-FFF2-40B4-BE49-F238E27FC236}">
+                  <a16:creationId xmlns:a16="http://schemas.microsoft.com/office/drawing/2014/main" id="{91D9BACF-B136-7F90-96ED-086804FF3B3F}"/>
+                </a:ext>
+              </a:extLst>
+            </p:cNvPr>
+            <p:cNvSpPr/>
+            <p:nvPr/>
+          </p:nvSpPr>
+          <p:spPr>
+            <a:xfrm>
+              <a:off x="13274365" y="0"/>
+              <a:ext cx="7452035" cy="6858000"/>
+            </a:xfrm>
+            <a:prstGeom prst="rect">
+              <a:avLst/>
+            </a:prstGeom>
+            <a:solidFill>
+              <a:schemeClr val="accent4">
+                <a:lumMod val="60000"/>
+                <a:lumOff val="40000"/>
+              </a:schemeClr>
+            </a:solidFill>
+            <a:ln w="28575">
+              <a:solidFill>
+                <a:schemeClr val="tx1"/>
+              </a:solidFill>
+            </a:ln>
+          </p:spPr>
+          <p:style>
+            <a:lnRef idx="2">
+              <a:schemeClr val="accent1">
+                <a:shade val="50000"/>
+              </a:schemeClr>
+            </a:lnRef>
+            <a:fillRef idx="1">
+              <a:schemeClr val="accent1"/>
+            </a:fillRef>
+            <a:effectRef idx="0">
+              <a:schemeClr val="accent1"/>
+            </a:effectRef>
+            <a:fontRef idx="minor">
+              <a:schemeClr val="lt1"/>
+            </a:fontRef>
+          </p:style>
+          <p:txBody>
+            <a:bodyPr rtlCol="0" anchor="ctr"/>
+            <a:lstStyle/>
+            <a:p>
+              <a:pPr algn="ctr"/>
+              <a:endParaRPr lang="en-BE"/>
+            </a:p>
+          </p:txBody>
+        </p:sp>
+        <p:sp>
+          <p:nvSpPr>
+            <p:cNvPr id="44" name="Rechthoek 43">
+              <a:extLst>
+                <a:ext uri="{FF2B5EF4-FFF2-40B4-BE49-F238E27FC236}">
+                  <a16:creationId xmlns:a16="http://schemas.microsoft.com/office/drawing/2014/main" id="{B0CEE28D-1254-DD79-2506-521947BD9AC9}"/>
+                </a:ext>
+              </a:extLst>
+            </p:cNvPr>
+            <p:cNvSpPr/>
+            <p:nvPr/>
+          </p:nvSpPr>
+          <p:spPr>
+            <a:xfrm>
+              <a:off x="16875199" y="2776932"/>
+              <a:ext cx="561372" cy="923330"/>
+            </a:xfrm>
+            <a:prstGeom prst="rect">
+              <a:avLst/>
+            </a:prstGeom>
+            <a:noFill/>
+          </p:spPr>
+          <p:txBody>
+            <a:bodyPr wrap="none" lIns="91440" tIns="45720" rIns="91440" bIns="45720">
+              <a:spAutoFit/>
+            </a:bodyPr>
+            <a:lstStyle/>
+            <a:p>
+              <a:pPr algn="ctr"/>
+              <a:r>
+                <a:rPr lang="nl-NL" sz="5400" b="0" cap="none" spc="0" dirty="0">
+                  <a:ln w="0"/>
+                  <a:solidFill>
+                    <a:schemeClr val="accent1"/>
+                  </a:solidFill>
+                  <a:effectLst>
+                    <a:outerShdw blurRad="38100" dist="25400" dir="5400000" algn="ctr" rotWithShape="0">
+                      <a:srgbClr val="6E747A">
+                        <a:alpha val="43000"/>
+                      </a:srgbClr>
+                    </a:outerShdw>
+                  </a:effectLst>
+                </a:rPr>
+                <a:t>B</a:t>
+              </a:r>
+            </a:p>
+          </p:txBody>
+        </p:sp>
+      </p:grpSp>
+      <p:grpSp>
+        <p:nvGrpSpPr>
+          <p:cNvPr id="49" name="Groep 48">
+            <a:extLst>
+              <a:ext uri="{FF2B5EF4-FFF2-40B4-BE49-F238E27FC236}">
+                <a16:creationId xmlns:a16="http://schemas.microsoft.com/office/drawing/2014/main" id="{C8A2CC1B-E12D-3720-7129-F55D1D30A25E}"/>
+              </a:ext>
+            </a:extLst>
+          </p:cNvPr>
+          <p:cNvGrpSpPr/>
+          <p:nvPr/>
+        </p:nvGrpSpPr>
+        <p:grpSpPr>
+          <a:xfrm>
+            <a:off x="13274365" y="0"/>
+            <a:ext cx="7452035" cy="6858000"/>
+            <a:chOff x="13274365" y="0"/>
+            <a:chExt cx="7452035" cy="6858000"/>
+          </a:xfrm>
+        </p:grpSpPr>
+        <p:sp>
+          <p:nvSpPr>
+            <p:cNvPr id="40" name="Rechthoek 39">
+              <a:extLst>
+                <a:ext uri="{FF2B5EF4-FFF2-40B4-BE49-F238E27FC236}">
+                  <a16:creationId xmlns:a16="http://schemas.microsoft.com/office/drawing/2014/main" id="{0EBB85E0-1AD1-1EF8-929B-2BB2F1B1B063}"/>
+                </a:ext>
+              </a:extLst>
+            </p:cNvPr>
+            <p:cNvSpPr/>
+            <p:nvPr/>
+          </p:nvSpPr>
+          <p:spPr>
+            <a:xfrm>
+              <a:off x="13274365" y="0"/>
+              <a:ext cx="7452035" cy="6858000"/>
+            </a:xfrm>
+            <a:prstGeom prst="rect">
+              <a:avLst/>
+            </a:prstGeom>
+            <a:solidFill>
+              <a:schemeClr val="accent4">
+                <a:lumMod val="60000"/>
+                <a:lumOff val="40000"/>
+              </a:schemeClr>
+            </a:solidFill>
+            <a:ln w="28575">
+              <a:solidFill>
+                <a:schemeClr val="tx1"/>
+              </a:solidFill>
+            </a:ln>
+          </p:spPr>
+          <p:style>
+            <a:lnRef idx="2">
+              <a:schemeClr val="accent1">
+                <a:shade val="50000"/>
+              </a:schemeClr>
+            </a:lnRef>
+            <a:fillRef idx="1">
+              <a:schemeClr val="accent1"/>
+            </a:fillRef>
+            <a:effectRef idx="0">
+              <a:schemeClr val="accent1"/>
+            </a:effectRef>
+            <a:fontRef idx="minor">
+              <a:schemeClr val="lt1"/>
+            </a:fontRef>
+          </p:style>
+          <p:txBody>
+            <a:bodyPr rtlCol="0" anchor="ctr"/>
+            <a:lstStyle/>
+            <a:p>
+              <a:pPr algn="ctr"/>
+              <a:endParaRPr lang="en-BE"/>
+            </a:p>
+          </p:txBody>
+        </p:sp>
+        <p:sp>
+          <p:nvSpPr>
+            <p:cNvPr id="48" name="Rechthoek 47">
+              <a:extLst>
+                <a:ext uri="{FF2B5EF4-FFF2-40B4-BE49-F238E27FC236}">
+                  <a16:creationId xmlns:a16="http://schemas.microsoft.com/office/drawing/2014/main" id="{9F42AC77-8A1D-01F8-C818-5A42167F821D}"/>
+                </a:ext>
+              </a:extLst>
+            </p:cNvPr>
+            <p:cNvSpPr/>
+            <p:nvPr/>
+          </p:nvSpPr>
+          <p:spPr>
+            <a:xfrm>
+              <a:off x="16864692" y="2967335"/>
+              <a:ext cx="553357" cy="923330"/>
+            </a:xfrm>
+            <a:prstGeom prst="rect">
+              <a:avLst/>
+            </a:prstGeom>
+            <a:noFill/>
+          </p:spPr>
+          <p:txBody>
+            <a:bodyPr wrap="none" lIns="91440" tIns="45720" rIns="91440" bIns="45720">
+              <a:spAutoFit/>
+            </a:bodyPr>
+            <a:lstStyle/>
+            <a:p>
+              <a:pPr algn="ctr"/>
+              <a:r>
+                <a:rPr lang="nl-NL" sz="5400" b="0" cap="none" spc="0" dirty="0">
+                  <a:ln w="0"/>
+                  <a:solidFill>
+                    <a:schemeClr val="accent1"/>
+                  </a:solidFill>
+                  <a:effectLst>
+                    <a:outerShdw blurRad="38100" dist="25400" dir="5400000" algn="ctr" rotWithShape="0">
+                      <a:srgbClr val="6E747A">
+                        <a:alpha val="43000"/>
+                      </a:srgbClr>
+                    </a:outerShdw>
+                  </a:effectLst>
+                </a:rPr>
+                <a:t>C</a:t>
+              </a:r>
+            </a:p>
+          </p:txBody>
+        </p:sp>
+      </p:grpSp>
     </p:spTree>
     <p:extLst>
       <p:ext uri="{BB962C8B-B14F-4D97-AF65-F5344CB8AC3E}">
@@ -7396,13 +9403,13 @@
   <p:clrMapOvr>
     <a:masterClrMapping/>
   </p:clrMapOvr>
-  <mc:AlternateContent xmlns:mc="http://schemas.openxmlformats.org/markup-compatibility/2006">
-    <mc:Choice xmlns:p159="http://schemas.microsoft.com/office/powerpoint/2015/09/main" Requires="p159">
+  <mc:AlternateContent xmlns:mc="http://schemas.openxmlformats.org/markup-compatibility/2006" xmlns:p159="http://schemas.microsoft.com/office/powerpoint/2015/09/main">
+    <mc:Choice Requires="p159">
       <p:transition xmlns:p14="http://schemas.microsoft.com/office/powerpoint/2010/main" spd="slow" p14:dur="2000">
         <p159:morph option="byObject"/>
       </p:transition>
     </mc:Choice>
-    <mc:Fallback>
+    <mc:Fallback xmlns="">
       <p:transition spd="slow">
         <p:fade/>
       </p:transition>
@@ -8057,7 +10064,7 @@
         </p:nvGrpSpPr>
         <p:grpSpPr>
           <a:xfrm>
-            <a:off x="1937564" y="0"/>
+            <a:off x="1893617" y="0"/>
             <a:ext cx="2994371" cy="6858000"/>
             <a:chOff x="6912131" y="0"/>
             <a:chExt cx="2994371" cy="6858000"/>
@@ -8623,7 +10630,7 @@
         </p:nvSpPr>
         <p:spPr>
           <a:xfrm>
-            <a:off x="0" y="0"/>
+            <a:off x="28938" y="0"/>
             <a:ext cx="2224428" cy="6858000"/>
           </a:xfrm>
           <a:prstGeom prst="rect">
@@ -8721,6 +10728,481 @@
           </a:p>
         </p:txBody>
       </p:sp>
+      <p:sp>
+        <p:nvSpPr>
+          <p:cNvPr id="33" name="Rechthoek 32">
+            <a:extLst>
+              <a:ext uri="{FF2B5EF4-FFF2-40B4-BE49-F238E27FC236}">
+                <a16:creationId xmlns:a16="http://schemas.microsoft.com/office/drawing/2014/main" id="{F554703E-02F6-D0E0-3E5E-DF95F9370AEB}"/>
+              </a:ext>
+            </a:extLst>
+          </p:cNvPr>
+          <p:cNvSpPr/>
+          <p:nvPr/>
+        </p:nvSpPr>
+        <p:spPr>
+          <a:xfrm>
+            <a:off x="-10049" y="2616144"/>
+            <a:ext cx="2244525" cy="1754326"/>
+          </a:xfrm>
+          <a:prstGeom prst="rect">
+            <a:avLst/>
+          </a:prstGeom>
+          <a:noFill/>
+        </p:spPr>
+        <p:txBody>
+          <a:bodyPr wrap="none" lIns="91440" tIns="45720" rIns="91440" bIns="45720">
+            <a:spAutoFit/>
+          </a:bodyPr>
+          <a:lstStyle/>
+          <a:p>
+            <a:pPr algn="ctr"/>
+            <a:r>
+              <a:rPr lang="nl-NL" sz="3600" b="0" cap="none" spc="0" dirty="0">
+                <a:ln w="0"/>
+                <a:effectLst>
+                  <a:outerShdw blurRad="38100" dist="25400" dir="5400000" algn="ctr" rotWithShape="0">
+                    <a:srgbClr val="6E747A">
+                      <a:alpha val="43000"/>
+                    </a:srgbClr>
+                  </a:outerShdw>
+                </a:effectLst>
+              </a:rPr>
+              <a:t>Project </a:t>
+            </a:r>
+          </a:p>
+          <a:p>
+            <a:pPr algn="ctr"/>
+            <a:r>
+              <a:rPr lang="nl-NL" sz="3600" dirty="0" err="1">
+                <a:ln w="0"/>
+                <a:effectLst>
+                  <a:outerShdw blurRad="38100" dist="25400" dir="5400000" algn="ctr" rotWithShape="0">
+                    <a:srgbClr val="6E747A">
+                      <a:alpha val="43000"/>
+                    </a:srgbClr>
+                  </a:outerShdw>
+                </a:effectLst>
+              </a:rPr>
+              <a:t>Experience</a:t>
+            </a:r>
+            <a:endParaRPr lang="nl-NL" sz="3600" dirty="0">
+              <a:ln w="0"/>
+              <a:effectLst>
+                <a:outerShdw blurRad="38100" dist="25400" dir="5400000" algn="ctr" rotWithShape="0">
+                  <a:srgbClr val="6E747A">
+                    <a:alpha val="43000"/>
+                  </a:srgbClr>
+                </a:outerShdw>
+              </a:effectLst>
+            </a:endParaRPr>
+          </a:p>
+          <a:p>
+            <a:pPr algn="ctr"/>
+            <a:r>
+              <a:rPr lang="nl-NL" sz="3600" dirty="0">
+                <a:ln w="0"/>
+                <a:effectLst>
+                  <a:outerShdw blurRad="38100" dist="25400" dir="5400000" algn="ctr" rotWithShape="0">
+                    <a:srgbClr val="6E747A">
+                      <a:alpha val="43000"/>
+                    </a:srgbClr>
+                  </a:outerShdw>
+                </a:effectLst>
+              </a:rPr>
+              <a:t>I.0</a:t>
+            </a:r>
+            <a:endParaRPr lang="nl-NL" sz="3600" b="0" cap="none" spc="0" dirty="0">
+              <a:ln w="0"/>
+              <a:effectLst>
+                <a:outerShdw blurRad="38100" dist="25400" dir="5400000" algn="ctr" rotWithShape="0">
+                  <a:srgbClr val="6E747A">
+                    <a:alpha val="43000"/>
+                  </a:srgbClr>
+                </a:outerShdw>
+              </a:effectLst>
+            </a:endParaRPr>
+          </a:p>
+        </p:txBody>
+      </p:sp>
+      <p:grpSp>
+        <p:nvGrpSpPr>
+          <p:cNvPr id="36" name="Groep 35">
+            <a:extLst>
+              <a:ext uri="{FF2B5EF4-FFF2-40B4-BE49-F238E27FC236}">
+                <a16:creationId xmlns:a16="http://schemas.microsoft.com/office/drawing/2014/main" id="{AEEB11DE-67CB-F068-9CDD-4AFEBFC7F494}"/>
+              </a:ext>
+            </a:extLst>
+          </p:cNvPr>
+          <p:cNvGrpSpPr/>
+          <p:nvPr/>
+        </p:nvGrpSpPr>
+        <p:grpSpPr>
+          <a:xfrm>
+            <a:off x="4728964" y="0"/>
+            <a:ext cx="7452035" cy="6858000"/>
+            <a:chOff x="13274365" y="0"/>
+            <a:chExt cx="7452035" cy="6858000"/>
+          </a:xfrm>
+        </p:grpSpPr>
+        <p:sp>
+          <p:nvSpPr>
+            <p:cNvPr id="37" name="Rechthoek 36">
+              <a:extLst>
+                <a:ext uri="{FF2B5EF4-FFF2-40B4-BE49-F238E27FC236}">
+                  <a16:creationId xmlns:a16="http://schemas.microsoft.com/office/drawing/2014/main" id="{D81C96BD-0D1F-AB24-3AEA-D1857BC0F186}"/>
+                </a:ext>
+              </a:extLst>
+            </p:cNvPr>
+            <p:cNvSpPr/>
+            <p:nvPr/>
+          </p:nvSpPr>
+          <p:spPr>
+            <a:xfrm>
+              <a:off x="13274365" y="0"/>
+              <a:ext cx="7452035" cy="6858000"/>
+            </a:xfrm>
+            <a:prstGeom prst="rect">
+              <a:avLst/>
+            </a:prstGeom>
+            <a:solidFill>
+              <a:schemeClr val="accent4">
+                <a:lumMod val="60000"/>
+                <a:lumOff val="40000"/>
+              </a:schemeClr>
+            </a:solidFill>
+            <a:ln w="28575">
+              <a:solidFill>
+                <a:schemeClr val="tx1"/>
+              </a:solidFill>
+            </a:ln>
+          </p:spPr>
+          <p:style>
+            <a:lnRef idx="2">
+              <a:schemeClr val="accent1">
+                <a:shade val="50000"/>
+              </a:schemeClr>
+            </a:lnRef>
+            <a:fillRef idx="1">
+              <a:schemeClr val="accent1"/>
+            </a:fillRef>
+            <a:effectRef idx="0">
+              <a:schemeClr val="accent1"/>
+            </a:effectRef>
+            <a:fontRef idx="minor">
+              <a:schemeClr val="lt1"/>
+            </a:fontRef>
+          </p:style>
+          <p:txBody>
+            <a:bodyPr rtlCol="0" anchor="ctr"/>
+            <a:lstStyle/>
+            <a:p>
+              <a:pPr algn="ctr"/>
+              <a:endParaRPr lang="en-BE"/>
+            </a:p>
+          </p:txBody>
+        </p:sp>
+        <p:sp>
+          <p:nvSpPr>
+            <p:cNvPr id="38" name="Rechthoek 37">
+              <a:extLst>
+                <a:ext uri="{FF2B5EF4-FFF2-40B4-BE49-F238E27FC236}">
+                  <a16:creationId xmlns:a16="http://schemas.microsoft.com/office/drawing/2014/main" id="{452785F4-EF14-063C-043A-FDE4B6754A4A}"/>
+                </a:ext>
+              </a:extLst>
+            </p:cNvPr>
+            <p:cNvSpPr/>
+            <p:nvPr/>
+          </p:nvSpPr>
+          <p:spPr>
+            <a:xfrm>
+              <a:off x="16875199" y="2776932"/>
+              <a:ext cx="561372" cy="923330"/>
+            </a:xfrm>
+            <a:prstGeom prst="rect">
+              <a:avLst/>
+            </a:prstGeom>
+            <a:noFill/>
+          </p:spPr>
+          <p:txBody>
+            <a:bodyPr wrap="none" lIns="91440" tIns="45720" rIns="91440" bIns="45720">
+              <a:spAutoFit/>
+            </a:bodyPr>
+            <a:lstStyle/>
+            <a:p>
+              <a:pPr algn="ctr"/>
+              <a:r>
+                <a:rPr lang="nl-NL" sz="5400" b="0" cap="none" spc="0" dirty="0">
+                  <a:ln w="0"/>
+                  <a:solidFill>
+                    <a:schemeClr val="accent1"/>
+                  </a:solidFill>
+                  <a:effectLst>
+                    <a:outerShdw blurRad="38100" dist="25400" dir="5400000" algn="ctr" rotWithShape="0">
+                      <a:srgbClr val="6E747A">
+                        <a:alpha val="43000"/>
+                      </a:srgbClr>
+                    </a:outerShdw>
+                  </a:effectLst>
+                </a:rPr>
+                <a:t>B</a:t>
+              </a:r>
+            </a:p>
+          </p:txBody>
+        </p:sp>
+      </p:grpSp>
+      <p:grpSp>
+        <p:nvGrpSpPr>
+          <p:cNvPr id="39" name="Groep 38">
+            <a:extLst>
+              <a:ext uri="{FF2B5EF4-FFF2-40B4-BE49-F238E27FC236}">
+                <a16:creationId xmlns:a16="http://schemas.microsoft.com/office/drawing/2014/main" id="{3ABAF395-9BC6-1CC2-E65D-91C006E21987}"/>
+              </a:ext>
+            </a:extLst>
+          </p:cNvPr>
+          <p:cNvGrpSpPr/>
+          <p:nvPr/>
+        </p:nvGrpSpPr>
+        <p:grpSpPr>
+          <a:xfrm>
+            <a:off x="4705647" y="0"/>
+            <a:ext cx="7452035" cy="6858000"/>
+            <a:chOff x="13274365" y="0"/>
+            <a:chExt cx="7452035" cy="6858000"/>
+          </a:xfrm>
+        </p:grpSpPr>
+        <p:sp>
+          <p:nvSpPr>
+            <p:cNvPr id="40" name="Rechthoek 39">
+              <a:extLst>
+                <a:ext uri="{FF2B5EF4-FFF2-40B4-BE49-F238E27FC236}">
+                  <a16:creationId xmlns:a16="http://schemas.microsoft.com/office/drawing/2014/main" id="{DA96E732-511E-B0F7-4C2A-059D0053F011}"/>
+                </a:ext>
+              </a:extLst>
+            </p:cNvPr>
+            <p:cNvSpPr/>
+            <p:nvPr/>
+          </p:nvSpPr>
+          <p:spPr>
+            <a:xfrm>
+              <a:off x="13274365" y="0"/>
+              <a:ext cx="7452035" cy="6858000"/>
+            </a:xfrm>
+            <a:prstGeom prst="rect">
+              <a:avLst/>
+            </a:prstGeom>
+            <a:solidFill>
+              <a:schemeClr val="accent4">
+                <a:lumMod val="60000"/>
+                <a:lumOff val="40000"/>
+              </a:schemeClr>
+            </a:solidFill>
+            <a:ln w="28575">
+              <a:solidFill>
+                <a:schemeClr val="tx1"/>
+              </a:solidFill>
+            </a:ln>
+          </p:spPr>
+          <p:style>
+            <a:lnRef idx="2">
+              <a:schemeClr val="accent1">
+                <a:shade val="50000"/>
+              </a:schemeClr>
+            </a:lnRef>
+            <a:fillRef idx="1">
+              <a:schemeClr val="accent1"/>
+            </a:fillRef>
+            <a:effectRef idx="0">
+              <a:schemeClr val="accent1"/>
+            </a:effectRef>
+            <a:fontRef idx="minor">
+              <a:schemeClr val="lt1"/>
+            </a:fontRef>
+          </p:style>
+          <p:txBody>
+            <a:bodyPr rtlCol="0" anchor="ctr"/>
+            <a:lstStyle/>
+            <a:p>
+              <a:pPr algn="ctr"/>
+              <a:endParaRPr lang="en-BE"/>
+            </a:p>
+          </p:txBody>
+        </p:sp>
+        <p:sp>
+          <p:nvSpPr>
+            <p:cNvPr id="41" name="Rechthoek 40">
+              <a:extLst>
+                <a:ext uri="{FF2B5EF4-FFF2-40B4-BE49-F238E27FC236}">
+                  <a16:creationId xmlns:a16="http://schemas.microsoft.com/office/drawing/2014/main" id="{51D4E2BD-AD14-31E5-217E-AC70E1742FEB}"/>
+                </a:ext>
+              </a:extLst>
+            </p:cNvPr>
+            <p:cNvSpPr/>
+            <p:nvPr/>
+          </p:nvSpPr>
+          <p:spPr>
+            <a:xfrm>
+              <a:off x="16864692" y="2967335"/>
+              <a:ext cx="553357" cy="923330"/>
+            </a:xfrm>
+            <a:prstGeom prst="rect">
+              <a:avLst/>
+            </a:prstGeom>
+            <a:noFill/>
+          </p:spPr>
+          <p:txBody>
+            <a:bodyPr wrap="none" lIns="91440" tIns="45720" rIns="91440" bIns="45720">
+              <a:spAutoFit/>
+            </a:bodyPr>
+            <a:lstStyle/>
+            <a:p>
+              <a:pPr algn="ctr"/>
+              <a:r>
+                <a:rPr lang="nl-NL" sz="5400" b="0" cap="none" spc="0" dirty="0">
+                  <a:ln w="0"/>
+                  <a:solidFill>
+                    <a:schemeClr val="accent1"/>
+                  </a:solidFill>
+                  <a:effectLst>
+                    <a:outerShdw blurRad="38100" dist="25400" dir="5400000" algn="ctr" rotWithShape="0">
+                      <a:srgbClr val="6E747A">
+                        <a:alpha val="43000"/>
+                      </a:srgbClr>
+                    </a:outerShdw>
+                  </a:effectLst>
+                </a:rPr>
+                <a:t>C</a:t>
+              </a:r>
+            </a:p>
+          </p:txBody>
+        </p:sp>
+      </p:grpSp>
+      <p:grpSp>
+        <p:nvGrpSpPr>
+          <p:cNvPr id="43" name="Groep 42">
+            <a:extLst>
+              <a:ext uri="{FF2B5EF4-FFF2-40B4-BE49-F238E27FC236}">
+                <a16:creationId xmlns:a16="http://schemas.microsoft.com/office/drawing/2014/main" id="{44E27E15-878F-4CD8-0FF3-BFB82D712190}"/>
+              </a:ext>
+            </a:extLst>
+          </p:cNvPr>
+          <p:cNvGrpSpPr/>
+          <p:nvPr/>
+        </p:nvGrpSpPr>
+        <p:grpSpPr>
+          <a:xfrm>
+            <a:off x="13274365" y="0"/>
+            <a:ext cx="7452035" cy="6858000"/>
+            <a:chOff x="13274365" y="0"/>
+            <a:chExt cx="7452035" cy="6858000"/>
+          </a:xfrm>
+        </p:grpSpPr>
+        <p:sp>
+          <p:nvSpPr>
+            <p:cNvPr id="35" name="Rechthoek 34">
+              <a:extLst>
+                <a:ext uri="{FF2B5EF4-FFF2-40B4-BE49-F238E27FC236}">
+                  <a16:creationId xmlns:a16="http://schemas.microsoft.com/office/drawing/2014/main" id="{2FBEC363-7EF5-A136-631E-DA0F8BA7A2CD}"/>
+                </a:ext>
+              </a:extLst>
+            </p:cNvPr>
+            <p:cNvSpPr/>
+            <p:nvPr/>
+          </p:nvSpPr>
+          <p:spPr>
+            <a:xfrm>
+              <a:off x="13274365" y="0"/>
+              <a:ext cx="7452035" cy="6858000"/>
+            </a:xfrm>
+            <a:prstGeom prst="rect">
+              <a:avLst/>
+            </a:prstGeom>
+            <a:solidFill>
+              <a:schemeClr val="accent4">
+                <a:lumMod val="60000"/>
+                <a:lumOff val="40000"/>
+              </a:schemeClr>
+            </a:solidFill>
+            <a:ln w="28575">
+              <a:solidFill>
+                <a:schemeClr val="tx1"/>
+              </a:solidFill>
+            </a:ln>
+          </p:spPr>
+          <p:style>
+            <a:lnRef idx="2">
+              <a:schemeClr val="accent1">
+                <a:shade val="50000"/>
+              </a:schemeClr>
+            </a:lnRef>
+            <a:fillRef idx="1">
+              <a:schemeClr val="accent1"/>
+            </a:fillRef>
+            <a:effectRef idx="0">
+              <a:schemeClr val="accent1"/>
+            </a:effectRef>
+            <a:fontRef idx="minor">
+              <a:schemeClr val="lt1"/>
+            </a:fontRef>
+          </p:style>
+          <p:txBody>
+            <a:bodyPr rtlCol="0" anchor="ctr"/>
+            <a:lstStyle/>
+            <a:p>
+              <a:pPr algn="ctr"/>
+              <a:endParaRPr lang="en-BE"/>
+            </a:p>
+          </p:txBody>
+        </p:sp>
+        <p:sp>
+          <p:nvSpPr>
+            <p:cNvPr id="42" name="Rechthoek 41">
+              <a:extLst>
+                <a:ext uri="{FF2B5EF4-FFF2-40B4-BE49-F238E27FC236}">
+                  <a16:creationId xmlns:a16="http://schemas.microsoft.com/office/drawing/2014/main" id="{EE932C9D-625F-3A6F-104B-DB21CCC8B2A9}"/>
+                </a:ext>
+              </a:extLst>
+            </p:cNvPr>
+            <p:cNvSpPr/>
+            <p:nvPr/>
+          </p:nvSpPr>
+          <p:spPr>
+            <a:xfrm>
+              <a:off x="17000382" y="2891355"/>
+              <a:ext cx="611065" cy="923330"/>
+            </a:xfrm>
+            <a:prstGeom prst="rect">
+              <a:avLst/>
+            </a:prstGeom>
+            <a:noFill/>
+          </p:spPr>
+          <p:txBody>
+            <a:bodyPr wrap="none" lIns="91440" tIns="45720" rIns="91440" bIns="45720">
+              <a:spAutoFit/>
+            </a:bodyPr>
+            <a:lstStyle/>
+            <a:p>
+              <a:pPr algn="ctr"/>
+              <a:r>
+                <a:rPr lang="nl-NL" sz="5400" b="0" cap="none" spc="0" dirty="0">
+                  <a:ln w="0"/>
+                  <a:solidFill>
+                    <a:schemeClr val="accent1"/>
+                  </a:solidFill>
+                  <a:effectLst>
+                    <a:outerShdw blurRad="38100" dist="25400" dir="5400000" algn="ctr" rotWithShape="0">
+                      <a:srgbClr val="6E747A">
+                        <a:alpha val="43000"/>
+                      </a:srgbClr>
+                    </a:outerShdw>
+                  </a:effectLst>
+                </a:rPr>
+                <a:t>D</a:t>
+              </a:r>
+            </a:p>
+          </p:txBody>
+        </p:sp>
+      </p:grpSp>
     </p:spTree>
     <p:extLst>
       <p:ext uri="{BB962C8B-B14F-4D97-AF65-F5344CB8AC3E}">
@@ -8731,13 +11213,13 @@
   <p:clrMapOvr>
     <a:masterClrMapping/>
   </p:clrMapOvr>
-  <mc:AlternateContent xmlns:mc="http://schemas.openxmlformats.org/markup-compatibility/2006">
-    <mc:Choice xmlns:p159="http://schemas.microsoft.com/office/powerpoint/2015/09/main" Requires="p159">
+  <mc:AlternateContent xmlns:mc="http://schemas.openxmlformats.org/markup-compatibility/2006" xmlns:p159="http://schemas.microsoft.com/office/powerpoint/2015/09/main">
+    <mc:Choice Requires="p159">
       <p:transition xmlns:p14="http://schemas.microsoft.com/office/powerpoint/2010/main" spd="slow" p14:dur="2000">
         <p159:morph option="byObject"/>
       </p:transition>
     </mc:Choice>
-    <mc:Fallback>
+    <mc:Fallback xmlns="">
       <p:transition spd="slow">
         <p:fade/>
       </p:transition>
@@ -8768,7 +11250,7 @@
           <p:cNvPr id="2" name="Rechthoek 1">
             <a:extLst>
               <a:ext uri="{FF2B5EF4-FFF2-40B4-BE49-F238E27FC236}">
-                <a16:creationId xmlns:a16="http://schemas.microsoft.com/office/drawing/2014/main" id="{E8888970-2BB3-A18B-CA79-4122A18030D5}"/>
+                <a16:creationId xmlns:a16="http://schemas.microsoft.com/office/drawing/2014/main" id="{1FE127AC-279D-545B-8C12-073E000963E9}"/>
               </a:ext>
             </a:extLst>
           </p:cNvPr>
@@ -8817,7 +11299,7 @@
           <p:cNvPr id="3" name="Groep 2">
             <a:extLst>
               <a:ext uri="{FF2B5EF4-FFF2-40B4-BE49-F238E27FC236}">
-                <a16:creationId xmlns:a16="http://schemas.microsoft.com/office/drawing/2014/main" id="{C1CEDAC0-F23A-0B62-BF70-7ECFB10FC1BD}"/>
+                <a16:creationId xmlns:a16="http://schemas.microsoft.com/office/drawing/2014/main" id="{5A4D2AC5-4893-B5F4-A11B-EAE22AB4EA0B}"/>
               </a:ext>
             </a:extLst>
           </p:cNvPr>
@@ -8826,7 +11308,7 @@
         </p:nvGrpSpPr>
         <p:grpSpPr>
           <a:xfrm>
-            <a:off x="-5474213" y="0"/>
+            <a:off x="-5514602" y="0"/>
             <a:ext cx="2994371" cy="6858000"/>
             <a:chOff x="1969195" y="0"/>
             <a:chExt cx="2994371" cy="6858000"/>
@@ -8837,7 +11319,7 @@
             <p:cNvPr id="4" name="Rechthoek 3">
               <a:extLst>
                 <a:ext uri="{FF2B5EF4-FFF2-40B4-BE49-F238E27FC236}">
-                  <a16:creationId xmlns:a16="http://schemas.microsoft.com/office/drawing/2014/main" id="{EB1A5D7F-7F7D-6BF0-00E4-FC11BCC00D75}"/>
+                  <a16:creationId xmlns:a16="http://schemas.microsoft.com/office/drawing/2014/main" id="{060677CA-E7F9-711F-0912-2E2159C10610}"/>
                 </a:ext>
               </a:extLst>
             </p:cNvPr>
@@ -8891,7 +11373,7 @@
             <p:cNvPr id="5" name="Rechthoek 4">
               <a:extLst>
                 <a:ext uri="{FF2B5EF4-FFF2-40B4-BE49-F238E27FC236}">
-                  <a16:creationId xmlns:a16="http://schemas.microsoft.com/office/drawing/2014/main" id="{4455AA90-C992-31DB-A387-D3BEC4B5DC47}"/>
+                  <a16:creationId xmlns:a16="http://schemas.microsoft.com/office/drawing/2014/main" id="{50ED7B1F-82E2-D09B-E3B3-C0F305B98491}"/>
                 </a:ext>
               </a:extLst>
             </p:cNvPr>
@@ -8939,7 +11421,7 @@
             <p:cNvPr id="6" name="Tekstvak 5">
               <a:extLst>
                 <a:ext uri="{FF2B5EF4-FFF2-40B4-BE49-F238E27FC236}">
-                  <a16:creationId xmlns:a16="http://schemas.microsoft.com/office/drawing/2014/main" id="{542DC3F1-8C02-31E1-4B4E-70BD6945AA07}"/>
+                  <a16:creationId xmlns:a16="http://schemas.microsoft.com/office/drawing/2014/main" id="{BA98E5E2-3BBE-01E6-B3D5-339B02319A15}"/>
                 </a:ext>
               </a:extLst>
             </p:cNvPr>
@@ -8979,7 +11461,7 @@
             <p:cNvPr id="7" name="Tekstvak 6">
               <a:extLst>
                 <a:ext uri="{FF2B5EF4-FFF2-40B4-BE49-F238E27FC236}">
-                  <a16:creationId xmlns:a16="http://schemas.microsoft.com/office/drawing/2014/main" id="{853AE838-CF23-0C3B-09C6-334496969972}"/>
+                  <a16:creationId xmlns:a16="http://schemas.microsoft.com/office/drawing/2014/main" id="{83498C73-D23D-5EE6-9F45-CD8C35E8FDCE}"/>
                 </a:ext>
               </a:extLst>
             </p:cNvPr>
@@ -9019,7 +11501,7 @@
             <p:cNvPr id="8" name="Tekstvak 7">
               <a:extLst>
                 <a:ext uri="{FF2B5EF4-FFF2-40B4-BE49-F238E27FC236}">
-                  <a16:creationId xmlns:a16="http://schemas.microsoft.com/office/drawing/2014/main" id="{9E705BAE-A5B7-0312-8F20-E29CB40F1F1A}"/>
+                  <a16:creationId xmlns:a16="http://schemas.microsoft.com/office/drawing/2014/main" id="{CE3BF0E6-70DA-C641-5FDA-E4BD07EB17A6}"/>
                 </a:ext>
               </a:extLst>
             </p:cNvPr>
@@ -9059,7 +11541,7 @@
             <p:cNvPr id="9" name="Tekstvak 8">
               <a:extLst>
                 <a:ext uri="{FF2B5EF4-FFF2-40B4-BE49-F238E27FC236}">
-                  <a16:creationId xmlns:a16="http://schemas.microsoft.com/office/drawing/2014/main" id="{5788B01D-98EA-ECC6-3806-B6A80CF661C3}"/>
+                  <a16:creationId xmlns:a16="http://schemas.microsoft.com/office/drawing/2014/main" id="{519D5B52-3D8D-7CA1-28F1-6504DFF59FFE}"/>
                 </a:ext>
               </a:extLst>
             </p:cNvPr>
@@ -9100,7 +11582,7 @@
           <p:cNvPr id="10" name="Groep 9">
             <a:extLst>
               <a:ext uri="{FF2B5EF4-FFF2-40B4-BE49-F238E27FC236}">
-                <a16:creationId xmlns:a16="http://schemas.microsoft.com/office/drawing/2014/main" id="{48D9D188-7A51-429A-3B28-AF4E6B6C17AA}"/>
+                <a16:creationId xmlns:a16="http://schemas.microsoft.com/office/drawing/2014/main" id="{B0692E95-9A84-A4B8-753D-DF9A5F25CDBA}"/>
               </a:ext>
             </a:extLst>
           </p:cNvPr>
@@ -9109,7 +11591,7 @@
         </p:nvGrpSpPr>
         <p:grpSpPr>
           <a:xfrm>
-            <a:off x="-2927046" y="0"/>
+            <a:off x="-2967435" y="0"/>
             <a:ext cx="2994371" cy="6858000"/>
             <a:chOff x="4516362" y="0"/>
             <a:chExt cx="2994371" cy="6858000"/>
@@ -9120,7 +11602,7 @@
             <p:cNvPr id="11" name="Rechthoek 10">
               <a:extLst>
                 <a:ext uri="{FF2B5EF4-FFF2-40B4-BE49-F238E27FC236}">
-                  <a16:creationId xmlns:a16="http://schemas.microsoft.com/office/drawing/2014/main" id="{B34100DD-D527-B95A-4BFF-77A714F1B292}"/>
+                  <a16:creationId xmlns:a16="http://schemas.microsoft.com/office/drawing/2014/main" id="{91A13410-74AC-3054-013F-D4024004E02E}"/>
                 </a:ext>
               </a:extLst>
             </p:cNvPr>
@@ -9174,7 +11656,7 @@
             <p:cNvPr id="12" name="Rechthoek 11">
               <a:extLst>
                 <a:ext uri="{FF2B5EF4-FFF2-40B4-BE49-F238E27FC236}">
-                  <a16:creationId xmlns:a16="http://schemas.microsoft.com/office/drawing/2014/main" id="{F9029A8B-314C-104D-1F40-0ED5B2626EAA}"/>
+                  <a16:creationId xmlns:a16="http://schemas.microsoft.com/office/drawing/2014/main" id="{506FDC5A-94D5-2AD4-4A98-E9C1E90416BE}"/>
                 </a:ext>
               </a:extLst>
             </p:cNvPr>
@@ -9222,7 +11704,7 @@
             <p:cNvPr id="13" name="Tekstvak 12">
               <a:extLst>
                 <a:ext uri="{FF2B5EF4-FFF2-40B4-BE49-F238E27FC236}">
-                  <a16:creationId xmlns:a16="http://schemas.microsoft.com/office/drawing/2014/main" id="{4662116B-E186-5CCE-6BEC-A689C3CACADD}"/>
+                  <a16:creationId xmlns:a16="http://schemas.microsoft.com/office/drawing/2014/main" id="{D1FEC182-9EB2-C77C-FBD7-F58B63EC3423}"/>
                 </a:ext>
               </a:extLst>
             </p:cNvPr>
@@ -9262,7 +11744,7 @@
             <p:cNvPr id="14" name="Tekstvak 13">
               <a:extLst>
                 <a:ext uri="{FF2B5EF4-FFF2-40B4-BE49-F238E27FC236}">
-                  <a16:creationId xmlns:a16="http://schemas.microsoft.com/office/drawing/2014/main" id="{7D32A491-13D6-0099-0E95-43ECC6C2E106}"/>
+                  <a16:creationId xmlns:a16="http://schemas.microsoft.com/office/drawing/2014/main" id="{C90DD2DC-A917-FE42-E8AD-33E7F3D1CAA5}"/>
                 </a:ext>
               </a:extLst>
             </p:cNvPr>
@@ -9302,7 +11784,7 @@
             <p:cNvPr id="15" name="Tekstvak 14">
               <a:extLst>
                 <a:ext uri="{FF2B5EF4-FFF2-40B4-BE49-F238E27FC236}">
-                  <a16:creationId xmlns:a16="http://schemas.microsoft.com/office/drawing/2014/main" id="{7D0D0874-D56B-F0F3-5655-E38732AC283E}"/>
+                  <a16:creationId xmlns:a16="http://schemas.microsoft.com/office/drawing/2014/main" id="{62CDB854-550A-CBDB-7617-1F26C1066895}"/>
                 </a:ext>
               </a:extLst>
             </p:cNvPr>
@@ -9342,7 +11824,7 @@
             <p:cNvPr id="16" name="Tekstvak 15">
               <a:extLst>
                 <a:ext uri="{FF2B5EF4-FFF2-40B4-BE49-F238E27FC236}">
-                  <a16:creationId xmlns:a16="http://schemas.microsoft.com/office/drawing/2014/main" id="{DD67E537-A83C-3EA1-221D-A703572C137C}"/>
+                  <a16:creationId xmlns:a16="http://schemas.microsoft.com/office/drawing/2014/main" id="{E78C94F5-CB90-E562-B9CC-EEF8C4941067}"/>
                 </a:ext>
               </a:extLst>
             </p:cNvPr>
@@ -9383,7 +11865,7 @@
           <p:cNvPr id="17" name="Groep 16">
             <a:extLst>
               <a:ext uri="{FF2B5EF4-FFF2-40B4-BE49-F238E27FC236}">
-                <a16:creationId xmlns:a16="http://schemas.microsoft.com/office/drawing/2014/main" id="{27166424-FF47-A1B2-83DA-498E66FF341F}"/>
+                <a16:creationId xmlns:a16="http://schemas.microsoft.com/office/drawing/2014/main" id="{61A23C67-AB51-12F6-8DDB-59B6B92C00B6}"/>
               </a:ext>
             </a:extLst>
           </p:cNvPr>
@@ -9392,7 +11874,7 @@
         </p:nvGrpSpPr>
         <p:grpSpPr>
           <a:xfrm>
-            <a:off x="-542278" y="0"/>
+            <a:off x="-582667" y="0"/>
             <a:ext cx="2994371" cy="6858000"/>
             <a:chOff x="6912131" y="0"/>
             <a:chExt cx="2994371" cy="6858000"/>
@@ -9403,7 +11885,7 @@
             <p:cNvPr id="18" name="Rechthoek 17">
               <a:extLst>
                 <a:ext uri="{FF2B5EF4-FFF2-40B4-BE49-F238E27FC236}">
-                  <a16:creationId xmlns:a16="http://schemas.microsoft.com/office/drawing/2014/main" id="{10B7F03E-A319-D830-D143-CB9CE45C6683}"/>
+                  <a16:creationId xmlns:a16="http://schemas.microsoft.com/office/drawing/2014/main" id="{4DBB4075-7EE1-1CFE-171B-93681F81BBA3}"/>
                 </a:ext>
               </a:extLst>
             </p:cNvPr>
@@ -9457,7 +11939,7 @@
             <p:cNvPr id="19" name="Rechthoek 18">
               <a:extLst>
                 <a:ext uri="{FF2B5EF4-FFF2-40B4-BE49-F238E27FC236}">
-                  <a16:creationId xmlns:a16="http://schemas.microsoft.com/office/drawing/2014/main" id="{3381A379-92E8-08C3-34DE-2E5E920B32E3}"/>
+                  <a16:creationId xmlns:a16="http://schemas.microsoft.com/office/drawing/2014/main" id="{DF5AD3F6-D486-12C3-9959-AA7F928633C6}"/>
                 </a:ext>
               </a:extLst>
             </p:cNvPr>
@@ -9505,7 +11987,7 @@
             <p:cNvPr id="20" name="Tekstvak 19">
               <a:extLst>
                 <a:ext uri="{FF2B5EF4-FFF2-40B4-BE49-F238E27FC236}">
-                  <a16:creationId xmlns:a16="http://schemas.microsoft.com/office/drawing/2014/main" id="{781CFE7D-8BEA-F7A2-8D26-F207483550E5}"/>
+                  <a16:creationId xmlns:a16="http://schemas.microsoft.com/office/drawing/2014/main" id="{8FB1FF03-D850-30C2-BFBE-F44D39C8B0BE}"/>
                 </a:ext>
               </a:extLst>
             </p:cNvPr>
@@ -9545,7 +12027,7 @@
             <p:cNvPr id="21" name="Tekstvak 20">
               <a:extLst>
                 <a:ext uri="{FF2B5EF4-FFF2-40B4-BE49-F238E27FC236}">
-                  <a16:creationId xmlns:a16="http://schemas.microsoft.com/office/drawing/2014/main" id="{9ECA3683-AF41-BA57-06BC-E2298E27D505}"/>
+                  <a16:creationId xmlns:a16="http://schemas.microsoft.com/office/drawing/2014/main" id="{3A6A2BE7-3353-05D4-BAE8-DF7952918D31}"/>
                 </a:ext>
               </a:extLst>
             </p:cNvPr>
@@ -9585,7 +12067,7 @@
             <p:cNvPr id="22" name="Tekstvak 21">
               <a:extLst>
                 <a:ext uri="{FF2B5EF4-FFF2-40B4-BE49-F238E27FC236}">
-                  <a16:creationId xmlns:a16="http://schemas.microsoft.com/office/drawing/2014/main" id="{D17F8B14-DFD3-63DB-3F0F-3E038980E9BA}"/>
+                  <a16:creationId xmlns:a16="http://schemas.microsoft.com/office/drawing/2014/main" id="{9E006BF3-D5B5-83C8-464A-B50D839E83E0}"/>
                 </a:ext>
               </a:extLst>
             </p:cNvPr>
@@ -9625,7 +12107,7 @@
             <p:cNvPr id="23" name="Tekstvak 22">
               <a:extLst>
                 <a:ext uri="{FF2B5EF4-FFF2-40B4-BE49-F238E27FC236}">
-                  <a16:creationId xmlns:a16="http://schemas.microsoft.com/office/drawing/2014/main" id="{C3363C3E-CBCA-E691-8732-9960D9228DCB}"/>
+                  <a16:creationId xmlns:a16="http://schemas.microsoft.com/office/drawing/2014/main" id="{C297A042-AAC1-F4EE-9D3B-ED19A5D61B81}"/>
                 </a:ext>
               </a:extLst>
             </p:cNvPr>
@@ -9666,7 +12148,7 @@
           <p:cNvPr id="24" name="Groep 23">
             <a:extLst>
               <a:ext uri="{FF2B5EF4-FFF2-40B4-BE49-F238E27FC236}">
-                <a16:creationId xmlns:a16="http://schemas.microsoft.com/office/drawing/2014/main" id="{41CF7A4A-A1B6-5A5E-5390-D0A2E2E9D261}"/>
+                <a16:creationId xmlns:a16="http://schemas.microsoft.com/office/drawing/2014/main" id="{32DA68FF-7C63-2170-3680-6178F82692A8}"/>
               </a:ext>
             </a:extLst>
           </p:cNvPr>
@@ -9675,7 +12157,7 @@
         </p:nvGrpSpPr>
         <p:grpSpPr>
           <a:xfrm>
-            <a:off x="1950757" y="0"/>
+            <a:off x="1910368" y="0"/>
             <a:ext cx="2994371" cy="6858000"/>
             <a:chOff x="9394164" y="0"/>
             <a:chExt cx="2994371" cy="6858000"/>
@@ -9686,7 +12168,7 @@
             <p:cNvPr id="25" name="Rechthoek 24">
               <a:extLst>
                 <a:ext uri="{FF2B5EF4-FFF2-40B4-BE49-F238E27FC236}">
-                  <a16:creationId xmlns:a16="http://schemas.microsoft.com/office/drawing/2014/main" id="{05049383-B9B7-ACBC-3F1A-05C0525A2F3A}"/>
+                  <a16:creationId xmlns:a16="http://schemas.microsoft.com/office/drawing/2014/main" id="{D7801139-47FB-74C0-A5A5-0563C2F627E7}"/>
                 </a:ext>
               </a:extLst>
             </p:cNvPr>
@@ -9740,7 +12222,7 @@
             <p:cNvPr id="26" name="Rechthoek 25">
               <a:extLst>
                 <a:ext uri="{FF2B5EF4-FFF2-40B4-BE49-F238E27FC236}">
-                  <a16:creationId xmlns:a16="http://schemas.microsoft.com/office/drawing/2014/main" id="{95AEBEDA-78F9-3909-6559-C23D967666F7}"/>
+                  <a16:creationId xmlns:a16="http://schemas.microsoft.com/office/drawing/2014/main" id="{5CB19CB5-D49E-1FE4-CED7-5DA4AF5C362C}"/>
                 </a:ext>
               </a:extLst>
             </p:cNvPr>
@@ -9788,7 +12270,7 @@
             <p:cNvPr id="27" name="Tekstvak 26">
               <a:extLst>
                 <a:ext uri="{FF2B5EF4-FFF2-40B4-BE49-F238E27FC236}">
-                  <a16:creationId xmlns:a16="http://schemas.microsoft.com/office/drawing/2014/main" id="{D8613E1B-3129-75DB-1C4D-305A48AF696A}"/>
+                  <a16:creationId xmlns:a16="http://schemas.microsoft.com/office/drawing/2014/main" id="{53DB5E77-BBE7-51C9-3306-9E9C68B47172}"/>
                 </a:ext>
               </a:extLst>
             </p:cNvPr>
@@ -9828,7 +12310,7 @@
             <p:cNvPr id="28" name="Tekstvak 27">
               <a:extLst>
                 <a:ext uri="{FF2B5EF4-FFF2-40B4-BE49-F238E27FC236}">
-                  <a16:creationId xmlns:a16="http://schemas.microsoft.com/office/drawing/2014/main" id="{C6AE3DF6-CF3B-7B8F-A63D-A4ACCA5653C7}"/>
+                  <a16:creationId xmlns:a16="http://schemas.microsoft.com/office/drawing/2014/main" id="{0F68082C-FC7F-99BC-8E55-C9A85DF16636}"/>
                 </a:ext>
               </a:extLst>
             </p:cNvPr>
@@ -9868,7 +12350,7 @@
             <p:cNvPr id="29" name="Tekstvak 28">
               <a:extLst>
                 <a:ext uri="{FF2B5EF4-FFF2-40B4-BE49-F238E27FC236}">
-                  <a16:creationId xmlns:a16="http://schemas.microsoft.com/office/drawing/2014/main" id="{DAB80C8B-1559-51D9-F3E0-8B0BAA4DFB7D}"/>
+                  <a16:creationId xmlns:a16="http://schemas.microsoft.com/office/drawing/2014/main" id="{C489A7C4-8CDC-94E6-CE02-44F327A056F0}"/>
                 </a:ext>
               </a:extLst>
             </p:cNvPr>
@@ -9908,7 +12390,7 @@
             <p:cNvPr id="30" name="Tekstvak 29">
               <a:extLst>
                 <a:ext uri="{FF2B5EF4-FFF2-40B4-BE49-F238E27FC236}">
-                  <a16:creationId xmlns:a16="http://schemas.microsoft.com/office/drawing/2014/main" id="{0A3D01EA-8336-2C07-9905-C2E3C9C75C29}"/>
+                  <a16:creationId xmlns:a16="http://schemas.microsoft.com/office/drawing/2014/main" id="{D96B4B92-36FD-8B30-1C4C-170F41C336E1}"/>
                 </a:ext>
               </a:extLst>
             </p:cNvPr>
@@ -9949,1342 +12431,7 @@
           <p:cNvPr id="31" name="Rechthoek 30">
             <a:extLst>
               <a:ext uri="{FF2B5EF4-FFF2-40B4-BE49-F238E27FC236}">
-                <a16:creationId xmlns:a16="http://schemas.microsoft.com/office/drawing/2014/main" id="{81D90B96-B6EA-B13D-80DB-1837297457F4}"/>
-              </a:ext>
-            </a:extLst>
-          </p:cNvPr>
-          <p:cNvSpPr/>
-          <p:nvPr/>
-        </p:nvSpPr>
-        <p:spPr>
-          <a:xfrm>
-            <a:off x="0" y="0"/>
-            <a:ext cx="2233556" cy="6858000"/>
-          </a:xfrm>
-          <a:prstGeom prst="rect">
-            <a:avLst/>
-          </a:prstGeom>
-          <a:solidFill>
-            <a:schemeClr val="bg2">
-              <a:lumMod val="90000"/>
-            </a:schemeClr>
-          </a:solidFill>
-          <a:ln w="28575">
-            <a:solidFill>
-              <a:schemeClr val="tx1"/>
-            </a:solidFill>
-          </a:ln>
-        </p:spPr>
-        <p:style>
-          <a:lnRef idx="2">
-            <a:schemeClr val="accent1">
-              <a:shade val="50000"/>
-            </a:schemeClr>
-          </a:lnRef>
-          <a:fillRef idx="1">
-            <a:schemeClr val="accent1"/>
-          </a:fillRef>
-          <a:effectRef idx="0">
-            <a:schemeClr val="accent1"/>
-          </a:effectRef>
-          <a:fontRef idx="minor">
-            <a:schemeClr val="lt1"/>
-          </a:fontRef>
-        </p:style>
-        <p:txBody>
-          <a:bodyPr rtlCol="0" anchor="ctr"/>
-          <a:lstStyle/>
-          <a:p>
-            <a:pPr algn="ctr"/>
-            <a:endParaRPr lang="en-BE"/>
-          </a:p>
-        </p:txBody>
-      </p:sp>
-      <p:sp>
-        <p:nvSpPr>
-          <p:cNvPr id="32" name="Rechthoek 31">
-            <a:extLst>
-              <a:ext uri="{FF2B5EF4-FFF2-40B4-BE49-F238E27FC236}">
-                <a16:creationId xmlns:a16="http://schemas.microsoft.com/office/drawing/2014/main" id="{4DE7C2C6-E23B-51B8-6027-C996F0C7DB57}"/>
-              </a:ext>
-            </a:extLst>
-          </p:cNvPr>
-          <p:cNvSpPr/>
-          <p:nvPr/>
-        </p:nvSpPr>
-        <p:spPr>
-          <a:xfrm>
-            <a:off x="4755778" y="0"/>
-            <a:ext cx="7436221" cy="6858000"/>
-          </a:xfrm>
-          <a:prstGeom prst="rect">
-            <a:avLst/>
-          </a:prstGeom>
-          <a:solidFill>
-            <a:schemeClr val="bg2">
-              <a:lumMod val="90000"/>
-            </a:schemeClr>
-          </a:solidFill>
-          <a:ln w="28575">
-            <a:solidFill>
-              <a:schemeClr val="tx1"/>
-            </a:solidFill>
-          </a:ln>
-        </p:spPr>
-        <p:style>
-          <a:lnRef idx="2">
-            <a:schemeClr val="accent1">
-              <a:shade val="50000"/>
-            </a:schemeClr>
-          </a:lnRef>
-          <a:fillRef idx="1">
-            <a:schemeClr val="accent1"/>
-          </a:fillRef>
-          <a:effectRef idx="0">
-            <a:schemeClr val="accent1"/>
-          </a:effectRef>
-          <a:fontRef idx="minor">
-            <a:schemeClr val="lt1"/>
-          </a:fontRef>
-        </p:style>
-        <p:txBody>
-          <a:bodyPr rtlCol="0" anchor="ctr"/>
-          <a:lstStyle/>
-          <a:p>
-            <a:pPr algn="ctr"/>
-            <a:endParaRPr lang="en-BE"/>
-          </a:p>
-        </p:txBody>
-      </p:sp>
-    </p:spTree>
-    <p:extLst>
-      <p:ext uri="{BB962C8B-B14F-4D97-AF65-F5344CB8AC3E}">
-        <p14:creationId xmlns:p14="http://schemas.microsoft.com/office/powerpoint/2010/main" val="2855610468"/>
-      </p:ext>
-    </p:extLst>
-  </p:cSld>
-  <p:clrMapOvr>
-    <a:masterClrMapping/>
-  </p:clrMapOvr>
-  <mc:AlternateContent xmlns:mc="http://schemas.openxmlformats.org/markup-compatibility/2006">
-    <mc:Choice xmlns:p159="http://schemas.microsoft.com/office/powerpoint/2015/09/main" Requires="p159">
-      <p:transition xmlns:p14="http://schemas.microsoft.com/office/powerpoint/2010/main" spd="slow" p14:dur="2000">
-        <p159:morph option="byObject"/>
-      </p:transition>
-    </mc:Choice>
-    <mc:Fallback>
-      <p:transition spd="slow">
-        <p:fade/>
-      </p:transition>
-    </mc:Fallback>
-  </mc:AlternateContent>
-</p:sld>
-</file>
-
-<file path=ppt/slides/slide6.xml><?xml version="1.0" encoding="utf-8"?>
-<p:sld xmlns:a="http://schemas.openxmlformats.org/drawingml/2006/main" xmlns:r="http://schemas.openxmlformats.org/officeDocument/2006/relationships" xmlns:p="http://schemas.openxmlformats.org/presentationml/2006/main">
-  <p:cSld>
-    <p:spTree>
-      <p:nvGrpSpPr>
-        <p:cNvPr id="1" name=""/>
-        <p:cNvGrpSpPr/>
-        <p:nvPr/>
-      </p:nvGrpSpPr>
-      <p:grpSpPr>
-        <a:xfrm>
-          <a:off x="0" y="0"/>
-          <a:ext cx="0" cy="0"/>
-          <a:chOff x="0" y="0"/>
-          <a:chExt cx="0" cy="0"/>
-        </a:xfrm>
-      </p:grpSpPr>
-      <p:sp>
-        <p:nvSpPr>
-          <p:cNvPr id="2" name="Rechthoek 1">
-            <a:extLst>
-              <a:ext uri="{FF2B5EF4-FFF2-40B4-BE49-F238E27FC236}">
-                <a16:creationId xmlns:a16="http://schemas.microsoft.com/office/drawing/2014/main" id="{BEA6B713-0AC7-3D3D-2DF1-7B97EAB0708D}"/>
-              </a:ext>
-            </a:extLst>
-          </p:cNvPr>
-          <p:cNvSpPr/>
-          <p:nvPr/>
-        </p:nvSpPr>
-        <p:spPr>
-          <a:xfrm>
-            <a:off x="-60385" y="0"/>
-            <a:ext cx="12252385" cy="6858000"/>
-          </a:xfrm>
-          <a:prstGeom prst="rect">
-            <a:avLst/>
-          </a:prstGeom>
-          <a:solidFill>
-            <a:schemeClr val="tx1"/>
-          </a:solidFill>
-        </p:spPr>
-        <p:style>
-          <a:lnRef idx="2">
-            <a:schemeClr val="accent1">
-              <a:shade val="50000"/>
-            </a:schemeClr>
-          </a:lnRef>
-          <a:fillRef idx="1">
-            <a:schemeClr val="accent1"/>
-          </a:fillRef>
-          <a:effectRef idx="0">
-            <a:schemeClr val="accent1"/>
-          </a:effectRef>
-          <a:fontRef idx="minor">
-            <a:schemeClr val="lt1"/>
-          </a:fontRef>
-        </p:style>
-        <p:txBody>
-          <a:bodyPr rtlCol="0" anchor="ctr"/>
-          <a:lstStyle/>
-          <a:p>
-            <a:pPr algn="ctr"/>
-            <a:endParaRPr lang="en-BE"/>
-          </a:p>
-        </p:txBody>
-      </p:sp>
-      <p:grpSp>
-        <p:nvGrpSpPr>
-          <p:cNvPr id="3" name="Groep 2">
-            <a:extLst>
-              <a:ext uri="{FF2B5EF4-FFF2-40B4-BE49-F238E27FC236}">
-                <a16:creationId xmlns:a16="http://schemas.microsoft.com/office/drawing/2014/main" id="{37AFD401-445E-843B-67D9-C74ADCB48EF8}"/>
-              </a:ext>
-            </a:extLst>
-          </p:cNvPr>
-          <p:cNvGrpSpPr/>
-          <p:nvPr/>
-        </p:nvGrpSpPr>
-        <p:grpSpPr>
-          <a:xfrm>
-            <a:off x="-2994371" y="0"/>
-            <a:ext cx="2994371" cy="6858000"/>
-            <a:chOff x="1969195" y="0"/>
-            <a:chExt cx="2994371" cy="6858000"/>
-          </a:xfrm>
-        </p:grpSpPr>
-        <p:sp>
-          <p:nvSpPr>
-            <p:cNvPr id="4" name="Rechthoek 3">
-              <a:extLst>
-                <a:ext uri="{FF2B5EF4-FFF2-40B4-BE49-F238E27FC236}">
-                  <a16:creationId xmlns:a16="http://schemas.microsoft.com/office/drawing/2014/main" id="{A6E8E43A-3885-0786-861D-B2882740F0E3}"/>
-                </a:ext>
-              </a:extLst>
-            </p:cNvPr>
-            <p:cNvSpPr/>
-            <p:nvPr/>
-          </p:nvSpPr>
-          <p:spPr>
-            <a:xfrm>
-              <a:off x="2219864" y="0"/>
-              <a:ext cx="2493034" cy="6858000"/>
-            </a:xfrm>
-            <a:prstGeom prst="rect">
-              <a:avLst/>
-            </a:prstGeom>
-            <a:solidFill>
-              <a:srgbClr val="FFFF00"/>
-            </a:solidFill>
-            <a:ln>
-              <a:solidFill>
-                <a:schemeClr val="tx1"/>
-              </a:solidFill>
-            </a:ln>
-          </p:spPr>
-          <p:style>
-            <a:lnRef idx="2">
-              <a:schemeClr val="accent1">
-                <a:shade val="50000"/>
-              </a:schemeClr>
-            </a:lnRef>
-            <a:fillRef idx="1">
-              <a:schemeClr val="accent1"/>
-            </a:fillRef>
-            <a:effectRef idx="0">
-              <a:schemeClr val="accent1"/>
-            </a:effectRef>
-            <a:fontRef idx="minor">
-              <a:schemeClr val="lt1"/>
-            </a:fontRef>
-          </p:style>
-          <p:txBody>
-            <a:bodyPr rtlCol="0" anchor="ctr"/>
-            <a:lstStyle/>
-            <a:p>
-              <a:pPr algn="ctr"/>
-              <a:endParaRPr lang="en-BE"/>
-            </a:p>
-          </p:txBody>
-        </p:sp>
-        <p:sp>
-          <p:nvSpPr>
-            <p:cNvPr id="5" name="Rechthoek 4">
-              <a:extLst>
-                <a:ext uri="{FF2B5EF4-FFF2-40B4-BE49-F238E27FC236}">
-                  <a16:creationId xmlns:a16="http://schemas.microsoft.com/office/drawing/2014/main" id="{0B278554-DC02-11E1-4F24-C694C7DC2D35}"/>
-                </a:ext>
-              </a:extLst>
-            </p:cNvPr>
-            <p:cNvSpPr/>
-            <p:nvPr/>
-          </p:nvSpPr>
-          <p:spPr>
-            <a:xfrm>
-              <a:off x="1969195" y="474452"/>
-              <a:ext cx="2994371" cy="707886"/>
-            </a:xfrm>
-            <a:prstGeom prst="rect">
-              <a:avLst/>
-            </a:prstGeom>
-            <a:noFill/>
-          </p:spPr>
-          <p:txBody>
-            <a:bodyPr wrap="square" lIns="91440" tIns="45720" rIns="91440" bIns="45720">
-              <a:spAutoFit/>
-            </a:bodyPr>
-            <a:lstStyle/>
-            <a:p>
-              <a:pPr algn="ctr"/>
-              <a:r>
-                <a:rPr lang="nl-NL" sz="4000" b="0" cap="none" spc="0" dirty="0">
-                  <a:ln w="0"/>
-                  <a:solidFill>
-                    <a:schemeClr val="accent1"/>
-                  </a:solidFill>
-                  <a:effectLst>
-                    <a:outerShdw blurRad="38100" dist="25400" dir="5400000" algn="ctr" rotWithShape="0">
-                      <a:srgbClr val="6E747A">
-                        <a:alpha val="43000"/>
-                      </a:srgbClr>
-                    </a:outerShdw>
-                  </a:effectLst>
-                </a:rPr>
-                <a:t>Taxi a</a:t>
-              </a:r>
-            </a:p>
-          </p:txBody>
-        </p:sp>
-        <p:sp>
-          <p:nvSpPr>
-            <p:cNvPr id="6" name="Tekstvak 5">
-              <a:extLst>
-                <a:ext uri="{FF2B5EF4-FFF2-40B4-BE49-F238E27FC236}">
-                  <a16:creationId xmlns:a16="http://schemas.microsoft.com/office/drawing/2014/main" id="{5F259B5C-DE06-F0A3-C048-18160C9F68BC}"/>
-                </a:ext>
-              </a:extLst>
-            </p:cNvPr>
-            <p:cNvSpPr txBox="1"/>
-            <p:nvPr/>
-          </p:nvSpPr>
-          <p:spPr>
-            <a:xfrm>
-              <a:off x="2493034" y="1182338"/>
-              <a:ext cx="1969196" cy="646331"/>
-            </a:xfrm>
-            <a:prstGeom prst="rect">
-              <a:avLst/>
-            </a:prstGeom>
-            <a:noFill/>
-          </p:spPr>
-          <p:txBody>
-            <a:bodyPr wrap="square" rtlCol="0">
-              <a:spAutoFit/>
-            </a:bodyPr>
-            <a:lstStyle/>
-            <a:p>
-              <a:r>
-                <a:rPr lang="nl-BE" dirty="0"/>
-                <a:t>De taxi is aan het </a:t>
-              </a:r>
-              <a:r>
-                <a:rPr lang="nl-BE" dirty="0" err="1"/>
-                <a:t>taxien</a:t>
-              </a:r>
-              <a:endParaRPr lang="en-BE" dirty="0"/>
-            </a:p>
-          </p:txBody>
-        </p:sp>
-        <p:sp>
-          <p:nvSpPr>
-            <p:cNvPr id="7" name="Tekstvak 6">
-              <a:extLst>
-                <a:ext uri="{FF2B5EF4-FFF2-40B4-BE49-F238E27FC236}">
-                  <a16:creationId xmlns:a16="http://schemas.microsoft.com/office/drawing/2014/main" id="{02AE06A5-66B2-E81E-2877-25B6F23F93D5}"/>
-                </a:ext>
-              </a:extLst>
-            </p:cNvPr>
-            <p:cNvSpPr txBox="1"/>
-            <p:nvPr/>
-          </p:nvSpPr>
-          <p:spPr>
-            <a:xfrm>
-              <a:off x="2547166" y="1981069"/>
-              <a:ext cx="1969196" cy="646331"/>
-            </a:xfrm>
-            <a:prstGeom prst="rect">
-              <a:avLst/>
-            </a:prstGeom>
-            <a:noFill/>
-          </p:spPr>
-          <p:txBody>
-            <a:bodyPr wrap="square" rtlCol="0">
-              <a:spAutoFit/>
-            </a:bodyPr>
-            <a:lstStyle/>
-            <a:p>
-              <a:r>
-                <a:rPr lang="nl-BE" dirty="0"/>
-                <a:t>De taxi is aan het </a:t>
-              </a:r>
-              <a:r>
-                <a:rPr lang="nl-BE" dirty="0" err="1"/>
-                <a:t>taxien</a:t>
-              </a:r>
-              <a:endParaRPr lang="en-BE" dirty="0"/>
-            </a:p>
-          </p:txBody>
-        </p:sp>
-        <p:sp>
-          <p:nvSpPr>
-            <p:cNvPr id="8" name="Tekstvak 7">
-              <a:extLst>
-                <a:ext uri="{FF2B5EF4-FFF2-40B4-BE49-F238E27FC236}">
-                  <a16:creationId xmlns:a16="http://schemas.microsoft.com/office/drawing/2014/main" id="{23633A4E-97EC-B501-3F4E-437614637230}"/>
-                </a:ext>
-              </a:extLst>
-            </p:cNvPr>
-            <p:cNvSpPr txBox="1"/>
-            <p:nvPr/>
-          </p:nvSpPr>
-          <p:spPr>
-            <a:xfrm>
-              <a:off x="2547166" y="2785420"/>
-              <a:ext cx="1969196" cy="646331"/>
-            </a:xfrm>
-            <a:prstGeom prst="rect">
-              <a:avLst/>
-            </a:prstGeom>
-            <a:noFill/>
-          </p:spPr>
-          <p:txBody>
-            <a:bodyPr wrap="square" rtlCol="0">
-              <a:spAutoFit/>
-            </a:bodyPr>
-            <a:lstStyle/>
-            <a:p>
-              <a:r>
-                <a:rPr lang="nl-BE" dirty="0"/>
-                <a:t>De taxi is aan het </a:t>
-              </a:r>
-              <a:r>
-                <a:rPr lang="nl-BE" dirty="0" err="1"/>
-                <a:t>taxien</a:t>
-              </a:r>
-              <a:endParaRPr lang="en-BE" dirty="0"/>
-            </a:p>
-          </p:txBody>
-        </p:sp>
-        <p:sp>
-          <p:nvSpPr>
-            <p:cNvPr id="9" name="Tekstvak 8">
-              <a:extLst>
-                <a:ext uri="{FF2B5EF4-FFF2-40B4-BE49-F238E27FC236}">
-                  <a16:creationId xmlns:a16="http://schemas.microsoft.com/office/drawing/2014/main" id="{38A11FA2-2662-BCAB-4ECD-324FD75A5F65}"/>
-                </a:ext>
-              </a:extLst>
-            </p:cNvPr>
-            <p:cNvSpPr txBox="1"/>
-            <p:nvPr/>
-          </p:nvSpPr>
-          <p:spPr>
-            <a:xfrm>
-              <a:off x="2547166" y="3595391"/>
-              <a:ext cx="1969196" cy="646331"/>
-            </a:xfrm>
-            <a:prstGeom prst="rect">
-              <a:avLst/>
-            </a:prstGeom>
-            <a:noFill/>
-          </p:spPr>
-          <p:txBody>
-            <a:bodyPr wrap="square" rtlCol="0">
-              <a:spAutoFit/>
-            </a:bodyPr>
-            <a:lstStyle/>
-            <a:p>
-              <a:r>
-                <a:rPr lang="nl-BE" dirty="0"/>
-                <a:t>De taxi is aan het </a:t>
-              </a:r>
-              <a:r>
-                <a:rPr lang="nl-BE" dirty="0" err="1"/>
-                <a:t>taxien</a:t>
-              </a:r>
-              <a:endParaRPr lang="en-BE" dirty="0"/>
-            </a:p>
-          </p:txBody>
-        </p:sp>
-      </p:grpSp>
-      <p:grpSp>
-        <p:nvGrpSpPr>
-          <p:cNvPr id="10" name="Groep 9">
-            <a:extLst>
-              <a:ext uri="{FF2B5EF4-FFF2-40B4-BE49-F238E27FC236}">
-                <a16:creationId xmlns:a16="http://schemas.microsoft.com/office/drawing/2014/main" id="{B78039D8-206C-5802-BC97-BC9C7D6115C2}"/>
-              </a:ext>
-            </a:extLst>
-          </p:cNvPr>
-          <p:cNvGrpSpPr/>
-          <p:nvPr/>
-        </p:nvGrpSpPr>
-        <p:grpSpPr>
-          <a:xfrm>
-            <a:off x="-447204" y="0"/>
-            <a:ext cx="2994371" cy="6858000"/>
-            <a:chOff x="4516362" y="0"/>
-            <a:chExt cx="2994371" cy="6858000"/>
-          </a:xfrm>
-        </p:grpSpPr>
-        <p:sp>
-          <p:nvSpPr>
-            <p:cNvPr id="11" name="Rechthoek 10">
-              <a:extLst>
-                <a:ext uri="{FF2B5EF4-FFF2-40B4-BE49-F238E27FC236}">
-                  <a16:creationId xmlns:a16="http://schemas.microsoft.com/office/drawing/2014/main" id="{B77EC9E8-9A0B-D86E-0E80-97A1D9FA1611}"/>
-                </a:ext>
-              </a:extLst>
-            </p:cNvPr>
-            <p:cNvSpPr/>
-            <p:nvPr/>
-          </p:nvSpPr>
-          <p:spPr>
-            <a:xfrm>
-              <a:off x="4712898" y="0"/>
-              <a:ext cx="2493034" cy="6858000"/>
-            </a:xfrm>
-            <a:prstGeom prst="rect">
-              <a:avLst/>
-            </a:prstGeom>
-            <a:solidFill>
-              <a:srgbClr val="FFC000"/>
-            </a:solidFill>
-            <a:ln>
-              <a:solidFill>
-                <a:schemeClr val="tx1"/>
-              </a:solidFill>
-            </a:ln>
-          </p:spPr>
-          <p:style>
-            <a:lnRef idx="2">
-              <a:schemeClr val="accent1">
-                <a:shade val="50000"/>
-              </a:schemeClr>
-            </a:lnRef>
-            <a:fillRef idx="1">
-              <a:schemeClr val="accent1"/>
-            </a:fillRef>
-            <a:effectRef idx="0">
-              <a:schemeClr val="accent1"/>
-            </a:effectRef>
-            <a:fontRef idx="minor">
-              <a:schemeClr val="lt1"/>
-            </a:fontRef>
-          </p:style>
-          <p:txBody>
-            <a:bodyPr rtlCol="0" anchor="ctr"/>
-            <a:lstStyle/>
-            <a:p>
-              <a:pPr algn="ctr"/>
-              <a:endParaRPr lang="en-BE"/>
-            </a:p>
-          </p:txBody>
-        </p:sp>
-        <p:sp>
-          <p:nvSpPr>
-            <p:cNvPr id="12" name="Rechthoek 11">
-              <a:extLst>
-                <a:ext uri="{FF2B5EF4-FFF2-40B4-BE49-F238E27FC236}">
-                  <a16:creationId xmlns:a16="http://schemas.microsoft.com/office/drawing/2014/main" id="{63C06C5A-7457-DE31-4800-DA1BF33F341D}"/>
-                </a:ext>
-              </a:extLst>
-            </p:cNvPr>
-            <p:cNvSpPr/>
-            <p:nvPr/>
-          </p:nvSpPr>
-          <p:spPr>
-            <a:xfrm>
-              <a:off x="4516362" y="505230"/>
-              <a:ext cx="2994371" cy="707886"/>
-            </a:xfrm>
-            <a:prstGeom prst="rect">
-              <a:avLst/>
-            </a:prstGeom>
-            <a:noFill/>
-          </p:spPr>
-          <p:txBody>
-            <a:bodyPr wrap="square" lIns="91440" tIns="45720" rIns="91440" bIns="45720">
-              <a:spAutoFit/>
-            </a:bodyPr>
-            <a:lstStyle/>
-            <a:p>
-              <a:pPr algn="ctr"/>
-              <a:r>
-                <a:rPr lang="nl-NL" sz="4000" b="0" cap="none" spc="0" dirty="0">
-                  <a:ln w="0"/>
-                  <a:solidFill>
-                    <a:schemeClr val="accent1"/>
-                  </a:solidFill>
-                  <a:effectLst>
-                    <a:outerShdw blurRad="38100" dist="25400" dir="5400000" algn="ctr" rotWithShape="0">
-                      <a:srgbClr val="6E747A">
-                        <a:alpha val="43000"/>
-                      </a:srgbClr>
-                    </a:outerShdw>
-                  </a:effectLst>
-                </a:rPr>
-                <a:t>Taxi a</a:t>
-              </a:r>
-            </a:p>
-          </p:txBody>
-        </p:sp>
-        <p:sp>
-          <p:nvSpPr>
-            <p:cNvPr id="13" name="Tekstvak 12">
-              <a:extLst>
-                <a:ext uri="{FF2B5EF4-FFF2-40B4-BE49-F238E27FC236}">
-                  <a16:creationId xmlns:a16="http://schemas.microsoft.com/office/drawing/2014/main" id="{543F3821-7C55-D061-8CE5-C7A72C4C9123}"/>
-                </a:ext>
-              </a:extLst>
-            </p:cNvPr>
-            <p:cNvSpPr txBox="1"/>
-            <p:nvPr/>
-          </p:nvSpPr>
-          <p:spPr>
-            <a:xfrm>
-              <a:off x="5040201" y="1213116"/>
-              <a:ext cx="1969196" cy="646331"/>
-            </a:xfrm>
-            <a:prstGeom prst="rect">
-              <a:avLst/>
-            </a:prstGeom>
-            <a:noFill/>
-          </p:spPr>
-          <p:txBody>
-            <a:bodyPr wrap="square" rtlCol="0">
-              <a:spAutoFit/>
-            </a:bodyPr>
-            <a:lstStyle/>
-            <a:p>
-              <a:r>
-                <a:rPr lang="nl-BE" dirty="0"/>
-                <a:t>De taxi is aan het </a:t>
-              </a:r>
-              <a:r>
-                <a:rPr lang="nl-BE" dirty="0" err="1"/>
-                <a:t>taxien</a:t>
-              </a:r>
-              <a:endParaRPr lang="en-BE" dirty="0"/>
-            </a:p>
-          </p:txBody>
-        </p:sp>
-        <p:sp>
-          <p:nvSpPr>
-            <p:cNvPr id="14" name="Tekstvak 13">
-              <a:extLst>
-                <a:ext uri="{FF2B5EF4-FFF2-40B4-BE49-F238E27FC236}">
-                  <a16:creationId xmlns:a16="http://schemas.microsoft.com/office/drawing/2014/main" id="{72B26156-00BB-CC95-A4E9-C02FDBE97C5B}"/>
-                </a:ext>
-              </a:extLst>
-            </p:cNvPr>
-            <p:cNvSpPr txBox="1"/>
-            <p:nvPr/>
-          </p:nvSpPr>
-          <p:spPr>
-            <a:xfrm>
-              <a:off x="5094333" y="2011847"/>
-              <a:ext cx="1969196" cy="646331"/>
-            </a:xfrm>
-            <a:prstGeom prst="rect">
-              <a:avLst/>
-            </a:prstGeom>
-            <a:noFill/>
-          </p:spPr>
-          <p:txBody>
-            <a:bodyPr wrap="square" rtlCol="0">
-              <a:spAutoFit/>
-            </a:bodyPr>
-            <a:lstStyle/>
-            <a:p>
-              <a:r>
-                <a:rPr lang="nl-BE" dirty="0"/>
-                <a:t>De taxi is aan het </a:t>
-              </a:r>
-              <a:r>
-                <a:rPr lang="nl-BE" dirty="0" err="1"/>
-                <a:t>taxien</a:t>
-              </a:r>
-              <a:endParaRPr lang="en-BE" dirty="0"/>
-            </a:p>
-          </p:txBody>
-        </p:sp>
-        <p:sp>
-          <p:nvSpPr>
-            <p:cNvPr id="15" name="Tekstvak 14">
-              <a:extLst>
-                <a:ext uri="{FF2B5EF4-FFF2-40B4-BE49-F238E27FC236}">
-                  <a16:creationId xmlns:a16="http://schemas.microsoft.com/office/drawing/2014/main" id="{89D8152D-234E-D080-71A9-C6C43A3232AD}"/>
-                </a:ext>
-              </a:extLst>
-            </p:cNvPr>
-            <p:cNvSpPr txBox="1"/>
-            <p:nvPr/>
-          </p:nvSpPr>
-          <p:spPr>
-            <a:xfrm>
-              <a:off x="5094333" y="2816198"/>
-              <a:ext cx="1969196" cy="646331"/>
-            </a:xfrm>
-            <a:prstGeom prst="rect">
-              <a:avLst/>
-            </a:prstGeom>
-            <a:noFill/>
-          </p:spPr>
-          <p:txBody>
-            <a:bodyPr wrap="square" rtlCol="0">
-              <a:spAutoFit/>
-            </a:bodyPr>
-            <a:lstStyle/>
-            <a:p>
-              <a:r>
-                <a:rPr lang="nl-BE" dirty="0"/>
-                <a:t>De taxi is aan het </a:t>
-              </a:r>
-              <a:r>
-                <a:rPr lang="nl-BE" dirty="0" err="1"/>
-                <a:t>taxien</a:t>
-              </a:r>
-              <a:endParaRPr lang="en-BE" dirty="0"/>
-            </a:p>
-          </p:txBody>
-        </p:sp>
-        <p:sp>
-          <p:nvSpPr>
-            <p:cNvPr id="16" name="Tekstvak 15">
-              <a:extLst>
-                <a:ext uri="{FF2B5EF4-FFF2-40B4-BE49-F238E27FC236}">
-                  <a16:creationId xmlns:a16="http://schemas.microsoft.com/office/drawing/2014/main" id="{459E08FF-CC76-1A6E-AC23-0DC4564E0795}"/>
-                </a:ext>
-              </a:extLst>
-            </p:cNvPr>
-            <p:cNvSpPr txBox="1"/>
-            <p:nvPr/>
-          </p:nvSpPr>
-          <p:spPr>
-            <a:xfrm>
-              <a:off x="5094333" y="3626169"/>
-              <a:ext cx="1969196" cy="646331"/>
-            </a:xfrm>
-            <a:prstGeom prst="rect">
-              <a:avLst/>
-            </a:prstGeom>
-            <a:noFill/>
-          </p:spPr>
-          <p:txBody>
-            <a:bodyPr wrap="square" rtlCol="0">
-              <a:spAutoFit/>
-            </a:bodyPr>
-            <a:lstStyle/>
-            <a:p>
-              <a:r>
-                <a:rPr lang="nl-BE" dirty="0"/>
-                <a:t>De taxi is aan het </a:t>
-              </a:r>
-              <a:r>
-                <a:rPr lang="nl-BE" dirty="0" err="1"/>
-                <a:t>taxien</a:t>
-              </a:r>
-              <a:endParaRPr lang="en-BE" dirty="0"/>
-            </a:p>
-          </p:txBody>
-        </p:sp>
-      </p:grpSp>
-      <p:grpSp>
-        <p:nvGrpSpPr>
-          <p:cNvPr id="17" name="Groep 16">
-            <a:extLst>
-              <a:ext uri="{FF2B5EF4-FFF2-40B4-BE49-F238E27FC236}">
-                <a16:creationId xmlns:a16="http://schemas.microsoft.com/office/drawing/2014/main" id="{97CA1468-3111-AA1B-68F0-3A4476677187}"/>
-              </a:ext>
-            </a:extLst>
-          </p:cNvPr>
-          <p:cNvGrpSpPr/>
-          <p:nvPr/>
-        </p:nvGrpSpPr>
-        <p:grpSpPr>
-          <a:xfrm>
-            <a:off x="1937564" y="0"/>
-            <a:ext cx="2994371" cy="6858000"/>
-            <a:chOff x="6912131" y="0"/>
-            <a:chExt cx="2994371" cy="6858000"/>
-          </a:xfrm>
-        </p:grpSpPr>
-        <p:sp>
-          <p:nvSpPr>
-            <p:cNvPr id="18" name="Rechthoek 17">
-              <a:extLst>
-                <a:ext uri="{FF2B5EF4-FFF2-40B4-BE49-F238E27FC236}">
-                  <a16:creationId xmlns:a16="http://schemas.microsoft.com/office/drawing/2014/main" id="{A8531053-FC81-BED4-1674-F01CD95E0215}"/>
-                </a:ext>
-              </a:extLst>
-            </p:cNvPr>
-            <p:cNvSpPr/>
-            <p:nvPr/>
-          </p:nvSpPr>
-          <p:spPr>
-            <a:xfrm>
-              <a:off x="7205932" y="0"/>
-              <a:ext cx="2493034" cy="6858000"/>
-            </a:xfrm>
-            <a:prstGeom prst="rect">
-              <a:avLst/>
-            </a:prstGeom>
-            <a:solidFill>
-              <a:srgbClr val="FF0000"/>
-            </a:solidFill>
-            <a:ln>
-              <a:solidFill>
-                <a:schemeClr val="tx1"/>
-              </a:solidFill>
-            </a:ln>
-          </p:spPr>
-          <p:style>
-            <a:lnRef idx="2">
-              <a:schemeClr val="accent1">
-                <a:shade val="50000"/>
-              </a:schemeClr>
-            </a:lnRef>
-            <a:fillRef idx="1">
-              <a:schemeClr val="accent1"/>
-            </a:fillRef>
-            <a:effectRef idx="0">
-              <a:schemeClr val="accent1"/>
-            </a:effectRef>
-            <a:fontRef idx="minor">
-              <a:schemeClr val="lt1"/>
-            </a:fontRef>
-          </p:style>
-          <p:txBody>
-            <a:bodyPr rtlCol="0" anchor="ctr"/>
-            <a:lstStyle/>
-            <a:p>
-              <a:pPr algn="ctr"/>
-              <a:endParaRPr lang="en-BE"/>
-            </a:p>
-          </p:txBody>
-        </p:sp>
-        <p:sp>
-          <p:nvSpPr>
-            <p:cNvPr id="19" name="Rechthoek 18">
-              <a:extLst>
-                <a:ext uri="{FF2B5EF4-FFF2-40B4-BE49-F238E27FC236}">
-                  <a16:creationId xmlns:a16="http://schemas.microsoft.com/office/drawing/2014/main" id="{00604EB6-1325-DC32-32D3-D2987C770234}"/>
-                </a:ext>
-              </a:extLst>
-            </p:cNvPr>
-            <p:cNvSpPr/>
-            <p:nvPr/>
-          </p:nvSpPr>
-          <p:spPr>
-            <a:xfrm>
-              <a:off x="6912131" y="536008"/>
-              <a:ext cx="2994371" cy="707886"/>
-            </a:xfrm>
-            <a:prstGeom prst="rect">
-              <a:avLst/>
-            </a:prstGeom>
-            <a:noFill/>
-          </p:spPr>
-          <p:txBody>
-            <a:bodyPr wrap="square" lIns="91440" tIns="45720" rIns="91440" bIns="45720">
-              <a:spAutoFit/>
-            </a:bodyPr>
-            <a:lstStyle/>
-            <a:p>
-              <a:pPr algn="ctr"/>
-              <a:r>
-                <a:rPr lang="nl-NL" sz="4000" b="0" cap="none" spc="0" dirty="0">
-                  <a:ln w="0"/>
-                  <a:solidFill>
-                    <a:schemeClr val="accent1"/>
-                  </a:solidFill>
-                  <a:effectLst>
-                    <a:outerShdw blurRad="38100" dist="25400" dir="5400000" algn="ctr" rotWithShape="0">
-                      <a:srgbClr val="6E747A">
-                        <a:alpha val="43000"/>
-                      </a:srgbClr>
-                    </a:outerShdw>
-                  </a:effectLst>
-                </a:rPr>
-                <a:t>Taxi a</a:t>
-              </a:r>
-            </a:p>
-          </p:txBody>
-        </p:sp>
-        <p:sp>
-          <p:nvSpPr>
-            <p:cNvPr id="20" name="Tekstvak 19">
-              <a:extLst>
-                <a:ext uri="{FF2B5EF4-FFF2-40B4-BE49-F238E27FC236}">
-                  <a16:creationId xmlns:a16="http://schemas.microsoft.com/office/drawing/2014/main" id="{35516BF2-7FAE-94A8-E95E-468C64827B9D}"/>
-                </a:ext>
-              </a:extLst>
-            </p:cNvPr>
-            <p:cNvSpPr txBox="1"/>
-            <p:nvPr/>
-          </p:nvSpPr>
-          <p:spPr>
-            <a:xfrm>
-              <a:off x="7435970" y="1243894"/>
-              <a:ext cx="1969196" cy="646331"/>
-            </a:xfrm>
-            <a:prstGeom prst="rect">
-              <a:avLst/>
-            </a:prstGeom>
-            <a:noFill/>
-          </p:spPr>
-          <p:txBody>
-            <a:bodyPr wrap="square" rtlCol="0">
-              <a:spAutoFit/>
-            </a:bodyPr>
-            <a:lstStyle/>
-            <a:p>
-              <a:r>
-                <a:rPr lang="nl-BE" dirty="0"/>
-                <a:t>De taxi is aan het </a:t>
-              </a:r>
-              <a:r>
-                <a:rPr lang="nl-BE" dirty="0" err="1"/>
-                <a:t>taxien</a:t>
-              </a:r>
-              <a:endParaRPr lang="en-BE" dirty="0"/>
-            </a:p>
-          </p:txBody>
-        </p:sp>
-        <p:sp>
-          <p:nvSpPr>
-            <p:cNvPr id="21" name="Tekstvak 20">
-              <a:extLst>
-                <a:ext uri="{FF2B5EF4-FFF2-40B4-BE49-F238E27FC236}">
-                  <a16:creationId xmlns:a16="http://schemas.microsoft.com/office/drawing/2014/main" id="{70309B34-CC1C-717B-EFF7-4446E008E465}"/>
-                </a:ext>
-              </a:extLst>
-            </p:cNvPr>
-            <p:cNvSpPr txBox="1"/>
-            <p:nvPr/>
-          </p:nvSpPr>
-          <p:spPr>
-            <a:xfrm>
-              <a:off x="7490102" y="2042625"/>
-              <a:ext cx="1969196" cy="646331"/>
-            </a:xfrm>
-            <a:prstGeom prst="rect">
-              <a:avLst/>
-            </a:prstGeom>
-            <a:noFill/>
-          </p:spPr>
-          <p:txBody>
-            <a:bodyPr wrap="square" rtlCol="0">
-              <a:spAutoFit/>
-            </a:bodyPr>
-            <a:lstStyle/>
-            <a:p>
-              <a:r>
-                <a:rPr lang="nl-BE" dirty="0"/>
-                <a:t>De taxi is aan het </a:t>
-              </a:r>
-              <a:r>
-                <a:rPr lang="nl-BE" dirty="0" err="1"/>
-                <a:t>taxien</a:t>
-              </a:r>
-              <a:endParaRPr lang="en-BE" dirty="0"/>
-            </a:p>
-          </p:txBody>
-        </p:sp>
-        <p:sp>
-          <p:nvSpPr>
-            <p:cNvPr id="22" name="Tekstvak 21">
-              <a:extLst>
-                <a:ext uri="{FF2B5EF4-FFF2-40B4-BE49-F238E27FC236}">
-                  <a16:creationId xmlns:a16="http://schemas.microsoft.com/office/drawing/2014/main" id="{007A530D-2A77-F95B-A7D8-AFE76484C403}"/>
-                </a:ext>
-              </a:extLst>
-            </p:cNvPr>
-            <p:cNvSpPr txBox="1"/>
-            <p:nvPr/>
-          </p:nvSpPr>
-          <p:spPr>
-            <a:xfrm>
-              <a:off x="7490102" y="2846976"/>
-              <a:ext cx="1969196" cy="646331"/>
-            </a:xfrm>
-            <a:prstGeom prst="rect">
-              <a:avLst/>
-            </a:prstGeom>
-            <a:noFill/>
-          </p:spPr>
-          <p:txBody>
-            <a:bodyPr wrap="square" rtlCol="0">
-              <a:spAutoFit/>
-            </a:bodyPr>
-            <a:lstStyle/>
-            <a:p>
-              <a:r>
-                <a:rPr lang="nl-BE" dirty="0"/>
-                <a:t>De taxi is aan het </a:t>
-              </a:r>
-              <a:r>
-                <a:rPr lang="nl-BE" dirty="0" err="1"/>
-                <a:t>taxien</a:t>
-              </a:r>
-              <a:endParaRPr lang="en-BE" dirty="0"/>
-            </a:p>
-          </p:txBody>
-        </p:sp>
-        <p:sp>
-          <p:nvSpPr>
-            <p:cNvPr id="23" name="Tekstvak 22">
-              <a:extLst>
-                <a:ext uri="{FF2B5EF4-FFF2-40B4-BE49-F238E27FC236}">
-                  <a16:creationId xmlns:a16="http://schemas.microsoft.com/office/drawing/2014/main" id="{C1387C87-5273-BAB2-F0A3-C65F9A98678B}"/>
-                </a:ext>
-              </a:extLst>
-            </p:cNvPr>
-            <p:cNvSpPr txBox="1"/>
-            <p:nvPr/>
-          </p:nvSpPr>
-          <p:spPr>
-            <a:xfrm>
-              <a:off x="7490102" y="3656947"/>
-              <a:ext cx="1969196" cy="646331"/>
-            </a:xfrm>
-            <a:prstGeom prst="rect">
-              <a:avLst/>
-            </a:prstGeom>
-            <a:noFill/>
-          </p:spPr>
-          <p:txBody>
-            <a:bodyPr wrap="square" rtlCol="0">
-              <a:spAutoFit/>
-            </a:bodyPr>
-            <a:lstStyle/>
-            <a:p>
-              <a:r>
-                <a:rPr lang="nl-BE" dirty="0"/>
-                <a:t>De taxi is aan het </a:t>
-              </a:r>
-              <a:r>
-                <a:rPr lang="nl-BE" dirty="0" err="1"/>
-                <a:t>taxien</a:t>
-              </a:r>
-              <a:endParaRPr lang="en-BE" dirty="0"/>
-            </a:p>
-          </p:txBody>
-        </p:sp>
-      </p:grpSp>
-      <p:grpSp>
-        <p:nvGrpSpPr>
-          <p:cNvPr id="24" name="Groep 23">
-            <a:extLst>
-              <a:ext uri="{FF2B5EF4-FFF2-40B4-BE49-F238E27FC236}">
-                <a16:creationId xmlns:a16="http://schemas.microsoft.com/office/drawing/2014/main" id="{BC7EA513-1E24-8467-B84C-46432F7C50A2}"/>
-              </a:ext>
-            </a:extLst>
-          </p:cNvPr>
-          <p:cNvGrpSpPr/>
-          <p:nvPr/>
-        </p:nvGrpSpPr>
-        <p:grpSpPr>
-          <a:xfrm>
-            <a:off x="4430599" y="0"/>
-            <a:ext cx="2994371" cy="6858000"/>
-            <a:chOff x="9394164" y="0"/>
-            <a:chExt cx="2994371" cy="6858000"/>
-          </a:xfrm>
-        </p:grpSpPr>
-        <p:sp>
-          <p:nvSpPr>
-            <p:cNvPr id="25" name="Rechthoek 24">
-              <a:extLst>
-                <a:ext uri="{FF2B5EF4-FFF2-40B4-BE49-F238E27FC236}">
-                  <a16:creationId xmlns:a16="http://schemas.microsoft.com/office/drawing/2014/main" id="{A2104D5C-013F-DD7A-FB12-6ADA585365E6}"/>
-                </a:ext>
-              </a:extLst>
-            </p:cNvPr>
-            <p:cNvSpPr/>
-            <p:nvPr/>
-          </p:nvSpPr>
-          <p:spPr>
-            <a:xfrm>
-              <a:off x="9689336" y="0"/>
-              <a:ext cx="2493034" cy="6858000"/>
-            </a:xfrm>
-            <a:prstGeom prst="rect">
-              <a:avLst/>
-            </a:prstGeom>
-            <a:solidFill>
-              <a:srgbClr val="C00000"/>
-            </a:solidFill>
-            <a:ln>
-              <a:solidFill>
-                <a:schemeClr val="tx1"/>
-              </a:solidFill>
-            </a:ln>
-          </p:spPr>
-          <p:style>
-            <a:lnRef idx="2">
-              <a:schemeClr val="accent1">
-                <a:shade val="50000"/>
-              </a:schemeClr>
-            </a:lnRef>
-            <a:fillRef idx="1">
-              <a:schemeClr val="accent1"/>
-            </a:fillRef>
-            <a:effectRef idx="0">
-              <a:schemeClr val="accent1"/>
-            </a:effectRef>
-            <a:fontRef idx="minor">
-              <a:schemeClr val="lt1"/>
-            </a:fontRef>
-          </p:style>
-          <p:txBody>
-            <a:bodyPr rtlCol="0" anchor="ctr"/>
-            <a:lstStyle/>
-            <a:p>
-              <a:pPr algn="ctr"/>
-              <a:endParaRPr lang="en-BE"/>
-            </a:p>
-          </p:txBody>
-        </p:sp>
-        <p:sp>
-          <p:nvSpPr>
-            <p:cNvPr id="26" name="Rechthoek 25">
-              <a:extLst>
-                <a:ext uri="{FF2B5EF4-FFF2-40B4-BE49-F238E27FC236}">
-                  <a16:creationId xmlns:a16="http://schemas.microsoft.com/office/drawing/2014/main" id="{D459A8E7-7F95-F018-6FC1-3EA6FB2C68AB}"/>
-                </a:ext>
-              </a:extLst>
-            </p:cNvPr>
-            <p:cNvSpPr/>
-            <p:nvPr/>
-          </p:nvSpPr>
-          <p:spPr>
-            <a:xfrm>
-              <a:off x="9394164" y="536008"/>
-              <a:ext cx="2994371" cy="707886"/>
-            </a:xfrm>
-            <a:prstGeom prst="rect">
-              <a:avLst/>
-            </a:prstGeom>
-            <a:noFill/>
-          </p:spPr>
-          <p:txBody>
-            <a:bodyPr wrap="square" lIns="91440" tIns="45720" rIns="91440" bIns="45720">
-              <a:spAutoFit/>
-            </a:bodyPr>
-            <a:lstStyle/>
-            <a:p>
-              <a:pPr algn="ctr"/>
-              <a:r>
-                <a:rPr lang="nl-NL" sz="4000" b="0" cap="none" spc="0" dirty="0">
-                  <a:ln w="0"/>
-                  <a:solidFill>
-                    <a:schemeClr val="accent1"/>
-                  </a:solidFill>
-                  <a:effectLst>
-                    <a:outerShdw blurRad="38100" dist="25400" dir="5400000" algn="ctr" rotWithShape="0">
-                      <a:srgbClr val="6E747A">
-                        <a:alpha val="43000"/>
-                      </a:srgbClr>
-                    </a:outerShdw>
-                  </a:effectLst>
-                </a:rPr>
-                <a:t>Taxi a</a:t>
-              </a:r>
-            </a:p>
-          </p:txBody>
-        </p:sp>
-        <p:sp>
-          <p:nvSpPr>
-            <p:cNvPr id="27" name="Tekstvak 26">
-              <a:extLst>
-                <a:ext uri="{FF2B5EF4-FFF2-40B4-BE49-F238E27FC236}">
-                  <a16:creationId xmlns:a16="http://schemas.microsoft.com/office/drawing/2014/main" id="{5986CCB7-EDC3-1128-7456-E8A3CC905109}"/>
-                </a:ext>
-              </a:extLst>
-            </p:cNvPr>
-            <p:cNvSpPr txBox="1"/>
-            <p:nvPr/>
-          </p:nvSpPr>
-          <p:spPr>
-            <a:xfrm>
-              <a:off x="9918003" y="1243894"/>
-              <a:ext cx="1969196" cy="646331"/>
-            </a:xfrm>
-            <a:prstGeom prst="rect">
-              <a:avLst/>
-            </a:prstGeom>
-            <a:noFill/>
-          </p:spPr>
-          <p:txBody>
-            <a:bodyPr wrap="square" rtlCol="0">
-              <a:spAutoFit/>
-            </a:bodyPr>
-            <a:lstStyle/>
-            <a:p>
-              <a:r>
-                <a:rPr lang="nl-BE" dirty="0"/>
-                <a:t>De taxi is aan het </a:t>
-              </a:r>
-              <a:r>
-                <a:rPr lang="nl-BE" dirty="0" err="1"/>
-                <a:t>taxien</a:t>
-              </a:r>
-              <a:endParaRPr lang="en-BE" dirty="0"/>
-            </a:p>
-          </p:txBody>
-        </p:sp>
-        <p:sp>
-          <p:nvSpPr>
-            <p:cNvPr id="28" name="Tekstvak 27">
-              <a:extLst>
-                <a:ext uri="{FF2B5EF4-FFF2-40B4-BE49-F238E27FC236}">
-                  <a16:creationId xmlns:a16="http://schemas.microsoft.com/office/drawing/2014/main" id="{A6E0E954-83CD-F974-E331-2B0C8254A69F}"/>
-                </a:ext>
-              </a:extLst>
-            </p:cNvPr>
-            <p:cNvSpPr txBox="1"/>
-            <p:nvPr/>
-          </p:nvSpPr>
-          <p:spPr>
-            <a:xfrm>
-              <a:off x="9972135" y="2042625"/>
-              <a:ext cx="1969196" cy="646331"/>
-            </a:xfrm>
-            <a:prstGeom prst="rect">
-              <a:avLst/>
-            </a:prstGeom>
-            <a:noFill/>
-          </p:spPr>
-          <p:txBody>
-            <a:bodyPr wrap="square" rtlCol="0">
-              <a:spAutoFit/>
-            </a:bodyPr>
-            <a:lstStyle/>
-            <a:p>
-              <a:r>
-                <a:rPr lang="nl-BE" dirty="0"/>
-                <a:t>De taxi is aan het </a:t>
-              </a:r>
-              <a:r>
-                <a:rPr lang="nl-BE" dirty="0" err="1"/>
-                <a:t>taxien</a:t>
-              </a:r>
-              <a:endParaRPr lang="en-BE" dirty="0"/>
-            </a:p>
-          </p:txBody>
-        </p:sp>
-        <p:sp>
-          <p:nvSpPr>
-            <p:cNvPr id="29" name="Tekstvak 28">
-              <a:extLst>
-                <a:ext uri="{FF2B5EF4-FFF2-40B4-BE49-F238E27FC236}">
-                  <a16:creationId xmlns:a16="http://schemas.microsoft.com/office/drawing/2014/main" id="{FBE51238-8727-0D71-27DB-6F129656A0A2}"/>
-                </a:ext>
-              </a:extLst>
-            </p:cNvPr>
-            <p:cNvSpPr txBox="1"/>
-            <p:nvPr/>
-          </p:nvSpPr>
-          <p:spPr>
-            <a:xfrm>
-              <a:off x="9972135" y="2846976"/>
-              <a:ext cx="1969196" cy="646331"/>
-            </a:xfrm>
-            <a:prstGeom prst="rect">
-              <a:avLst/>
-            </a:prstGeom>
-            <a:noFill/>
-          </p:spPr>
-          <p:txBody>
-            <a:bodyPr wrap="square" rtlCol="0">
-              <a:spAutoFit/>
-            </a:bodyPr>
-            <a:lstStyle/>
-            <a:p>
-              <a:r>
-                <a:rPr lang="nl-BE" dirty="0"/>
-                <a:t>De taxi is aan het </a:t>
-              </a:r>
-              <a:r>
-                <a:rPr lang="nl-BE" dirty="0" err="1"/>
-                <a:t>taxien</a:t>
-              </a:r>
-              <a:endParaRPr lang="en-BE" dirty="0"/>
-            </a:p>
-          </p:txBody>
-        </p:sp>
-        <p:sp>
-          <p:nvSpPr>
-            <p:cNvPr id="30" name="Tekstvak 29">
-              <a:extLst>
-                <a:ext uri="{FF2B5EF4-FFF2-40B4-BE49-F238E27FC236}">
-                  <a16:creationId xmlns:a16="http://schemas.microsoft.com/office/drawing/2014/main" id="{29982D82-6877-5B3C-C273-5C983460DF5B}"/>
-                </a:ext>
-              </a:extLst>
-            </p:cNvPr>
-            <p:cNvSpPr txBox="1"/>
-            <p:nvPr/>
-          </p:nvSpPr>
-          <p:spPr>
-            <a:xfrm>
-              <a:off x="9972135" y="3656947"/>
-              <a:ext cx="1969196" cy="646331"/>
-            </a:xfrm>
-            <a:prstGeom prst="rect">
-              <a:avLst/>
-            </a:prstGeom>
-            <a:noFill/>
-          </p:spPr>
-          <p:txBody>
-            <a:bodyPr wrap="square" rtlCol="0">
-              <a:spAutoFit/>
-            </a:bodyPr>
-            <a:lstStyle/>
-            <a:p>
-              <a:r>
-                <a:rPr lang="nl-BE" dirty="0"/>
-                <a:t>De taxi is aan het </a:t>
-              </a:r>
-              <a:r>
-                <a:rPr lang="nl-BE" dirty="0" err="1"/>
-                <a:t>taxien</a:t>
-              </a:r>
-              <a:endParaRPr lang="en-BE" dirty="0"/>
-            </a:p>
-          </p:txBody>
-        </p:sp>
-      </p:grpSp>
-      <p:sp>
-        <p:nvSpPr>
-          <p:cNvPr id="31" name="Rechthoek 30">
-            <a:extLst>
-              <a:ext uri="{FF2B5EF4-FFF2-40B4-BE49-F238E27FC236}">
-                <a16:creationId xmlns:a16="http://schemas.microsoft.com/office/drawing/2014/main" id="{D91EAFFD-71EB-38F3-F398-C8501FB1FEF3}"/>
+                <a16:creationId xmlns:a16="http://schemas.microsoft.com/office/drawing/2014/main" id="{B72071BB-0F13-6CB7-7661-70DE6D2E04E2}"/>
               </a:ext>
             </a:extLst>
           </p:cNvPr>
@@ -11337,10 +12484,10 @@
       </p:sp>
       <p:sp>
         <p:nvSpPr>
-          <p:cNvPr id="32" name="Rechthoek 31">
+          <p:cNvPr id="33" name="Rechthoek 32">
             <a:extLst>
               <a:ext uri="{FF2B5EF4-FFF2-40B4-BE49-F238E27FC236}">
-                <a16:creationId xmlns:a16="http://schemas.microsoft.com/office/drawing/2014/main" id="{B01DDD38-6942-A494-9220-877ACBDA587A}"/>
+                <a16:creationId xmlns:a16="http://schemas.microsoft.com/office/drawing/2014/main" id="{6CFE3287-6BBA-720E-EAAF-E5B3CF25A66A}"/>
               </a:ext>
             </a:extLst>
           </p:cNvPr>
@@ -11349,65 +12496,497 @@
         </p:nvSpPr>
         <p:spPr>
           <a:xfrm>
-            <a:off x="4731336" y="0"/>
-            <a:ext cx="7460663" cy="6858000"/>
+            <a:off x="-10049" y="2616144"/>
+            <a:ext cx="2244525" cy="1754326"/>
           </a:xfrm>
           <a:prstGeom prst="rect">
             <a:avLst/>
           </a:prstGeom>
-          <a:solidFill>
-            <a:schemeClr val="bg2">
-              <a:lumMod val="90000"/>
-            </a:schemeClr>
-          </a:solidFill>
-          <a:ln w="28575">
-            <a:solidFill>
-              <a:schemeClr val="tx1"/>
-            </a:solidFill>
-          </a:ln>
+          <a:noFill/>
         </p:spPr>
-        <p:style>
-          <a:lnRef idx="2">
-            <a:schemeClr val="accent1">
-              <a:shade val="50000"/>
-            </a:schemeClr>
-          </a:lnRef>
-          <a:fillRef idx="1">
-            <a:schemeClr val="accent1"/>
-          </a:fillRef>
-          <a:effectRef idx="0">
-            <a:schemeClr val="accent1"/>
-          </a:effectRef>
-          <a:fontRef idx="minor">
-            <a:schemeClr val="lt1"/>
-          </a:fontRef>
-        </p:style>
         <p:txBody>
-          <a:bodyPr rtlCol="0" anchor="ctr"/>
+          <a:bodyPr wrap="none" lIns="91440" tIns="45720" rIns="91440" bIns="45720">
+            <a:spAutoFit/>
+          </a:bodyPr>
           <a:lstStyle/>
           <a:p>
             <a:pPr algn="ctr"/>
-            <a:endParaRPr lang="en-BE"/>
+            <a:r>
+              <a:rPr lang="nl-NL" sz="3600" b="0" cap="none" spc="0" dirty="0">
+                <a:ln w="0"/>
+                <a:effectLst>
+                  <a:outerShdw blurRad="38100" dist="25400" dir="5400000" algn="ctr" rotWithShape="0">
+                    <a:srgbClr val="6E747A">
+                      <a:alpha val="43000"/>
+                    </a:srgbClr>
+                  </a:outerShdw>
+                </a:effectLst>
+              </a:rPr>
+              <a:t>Project </a:t>
+            </a:r>
+          </a:p>
+          <a:p>
+            <a:pPr algn="ctr"/>
+            <a:r>
+              <a:rPr lang="nl-NL" sz="3600" dirty="0" err="1">
+                <a:ln w="0"/>
+                <a:effectLst>
+                  <a:outerShdw blurRad="38100" dist="25400" dir="5400000" algn="ctr" rotWithShape="0">
+                    <a:srgbClr val="6E747A">
+                      <a:alpha val="43000"/>
+                    </a:srgbClr>
+                  </a:outerShdw>
+                </a:effectLst>
+              </a:rPr>
+              <a:t>Experience</a:t>
+            </a:r>
+            <a:endParaRPr lang="nl-NL" sz="3600" dirty="0">
+              <a:ln w="0"/>
+              <a:effectLst>
+                <a:outerShdw blurRad="38100" dist="25400" dir="5400000" algn="ctr" rotWithShape="0">
+                  <a:srgbClr val="6E747A">
+                    <a:alpha val="43000"/>
+                  </a:srgbClr>
+                </a:outerShdw>
+              </a:effectLst>
+            </a:endParaRPr>
+          </a:p>
+          <a:p>
+            <a:pPr algn="ctr"/>
+            <a:r>
+              <a:rPr lang="nl-NL" sz="3600" dirty="0">
+                <a:ln w="0"/>
+                <a:effectLst>
+                  <a:outerShdw blurRad="38100" dist="25400" dir="5400000" algn="ctr" rotWithShape="0">
+                    <a:srgbClr val="6E747A">
+                      <a:alpha val="43000"/>
+                    </a:srgbClr>
+                  </a:outerShdw>
+                </a:effectLst>
+              </a:rPr>
+              <a:t>I.0</a:t>
+            </a:r>
+            <a:endParaRPr lang="nl-NL" sz="3600" b="0" cap="none" spc="0" dirty="0">
+              <a:ln w="0"/>
+              <a:effectLst>
+                <a:outerShdw blurRad="38100" dist="25400" dir="5400000" algn="ctr" rotWithShape="0">
+                  <a:srgbClr val="6E747A">
+                    <a:alpha val="43000"/>
+                  </a:srgbClr>
+                </a:outerShdw>
+              </a:effectLst>
+            </a:endParaRPr>
           </a:p>
         </p:txBody>
       </p:sp>
+      <p:grpSp>
+        <p:nvGrpSpPr>
+          <p:cNvPr id="42" name="Groep 41">
+            <a:extLst>
+              <a:ext uri="{FF2B5EF4-FFF2-40B4-BE49-F238E27FC236}">
+                <a16:creationId xmlns:a16="http://schemas.microsoft.com/office/drawing/2014/main" id="{758D1AA6-62DB-E04C-D68C-7DE3935C1A30}"/>
+              </a:ext>
+            </a:extLst>
+          </p:cNvPr>
+          <p:cNvGrpSpPr/>
+          <p:nvPr/>
+        </p:nvGrpSpPr>
+        <p:grpSpPr>
+          <a:xfrm>
+            <a:off x="12763176" y="11597"/>
+            <a:ext cx="7452035" cy="6858000"/>
+            <a:chOff x="12763176" y="11597"/>
+            <a:chExt cx="7452035" cy="6858000"/>
+          </a:xfrm>
+        </p:grpSpPr>
+        <p:sp>
+          <p:nvSpPr>
+            <p:cNvPr id="36" name="Rechthoek 35">
+              <a:extLst>
+                <a:ext uri="{FF2B5EF4-FFF2-40B4-BE49-F238E27FC236}">
+                  <a16:creationId xmlns:a16="http://schemas.microsoft.com/office/drawing/2014/main" id="{67E2407B-9E34-8860-71F4-ED9DF699C9EC}"/>
+                </a:ext>
+              </a:extLst>
+            </p:cNvPr>
+            <p:cNvSpPr/>
+            <p:nvPr/>
+          </p:nvSpPr>
+          <p:spPr>
+            <a:xfrm>
+              <a:off x="12763176" y="11597"/>
+              <a:ext cx="7452035" cy="6858000"/>
+            </a:xfrm>
+            <a:prstGeom prst="rect">
+              <a:avLst/>
+            </a:prstGeom>
+            <a:solidFill>
+              <a:schemeClr val="accent4">
+                <a:lumMod val="60000"/>
+                <a:lumOff val="40000"/>
+              </a:schemeClr>
+            </a:solidFill>
+            <a:ln w="28575">
+              <a:solidFill>
+                <a:schemeClr val="tx1"/>
+              </a:solidFill>
+            </a:ln>
+          </p:spPr>
+          <p:style>
+            <a:lnRef idx="2">
+              <a:schemeClr val="accent1">
+                <a:shade val="50000"/>
+              </a:schemeClr>
+            </a:lnRef>
+            <a:fillRef idx="1">
+              <a:schemeClr val="accent1"/>
+            </a:fillRef>
+            <a:effectRef idx="0">
+              <a:schemeClr val="accent1"/>
+            </a:effectRef>
+            <a:fontRef idx="minor">
+              <a:schemeClr val="lt1"/>
+            </a:fontRef>
+          </p:style>
+          <p:txBody>
+            <a:bodyPr rtlCol="0" anchor="ctr"/>
+            <a:lstStyle/>
+            <a:p>
+              <a:pPr algn="ctr"/>
+              <a:endParaRPr lang="en-BE" dirty="0"/>
+            </a:p>
+          </p:txBody>
+        </p:sp>
+        <p:sp>
+          <p:nvSpPr>
+            <p:cNvPr id="37" name="Rechthoek 36">
+              <a:extLst>
+                <a:ext uri="{FF2B5EF4-FFF2-40B4-BE49-F238E27FC236}">
+                  <a16:creationId xmlns:a16="http://schemas.microsoft.com/office/drawing/2014/main" id="{758094BE-4E8B-C847-BDBF-DC4F4BFCEA82}"/>
+                </a:ext>
+              </a:extLst>
+            </p:cNvPr>
+            <p:cNvSpPr/>
+            <p:nvPr/>
+          </p:nvSpPr>
+          <p:spPr>
+            <a:xfrm>
+              <a:off x="16426019" y="2785420"/>
+              <a:ext cx="522900" cy="923330"/>
+            </a:xfrm>
+            <a:prstGeom prst="rect">
+              <a:avLst/>
+            </a:prstGeom>
+            <a:noFill/>
+          </p:spPr>
+          <p:txBody>
+            <a:bodyPr wrap="none" lIns="91440" tIns="45720" rIns="91440" bIns="45720">
+              <a:spAutoFit/>
+            </a:bodyPr>
+            <a:lstStyle/>
+            <a:p>
+              <a:pPr algn="ctr"/>
+              <a:r>
+                <a:rPr lang="nl-NL" sz="5400" dirty="0">
+                  <a:ln w="0"/>
+                  <a:solidFill>
+                    <a:schemeClr val="accent1"/>
+                  </a:solidFill>
+                  <a:effectLst>
+                    <a:outerShdw blurRad="38100" dist="25400" dir="5400000" algn="ctr" rotWithShape="0">
+                      <a:srgbClr val="6E747A">
+                        <a:alpha val="43000"/>
+                      </a:srgbClr>
+                    </a:outerShdw>
+                  </a:effectLst>
+                </a:rPr>
+                <a:t>E</a:t>
+              </a:r>
+              <a:endParaRPr lang="nl-NL" sz="5400" b="0" cap="none" spc="0" dirty="0">
+                <a:ln w="0"/>
+                <a:solidFill>
+                  <a:schemeClr val="accent1"/>
+                </a:solidFill>
+                <a:effectLst>
+                  <a:outerShdw blurRad="38100" dist="25400" dir="5400000" algn="ctr" rotWithShape="0">
+                    <a:srgbClr val="6E747A">
+                      <a:alpha val="43000"/>
+                    </a:srgbClr>
+                  </a:outerShdw>
+                </a:effectLst>
+              </a:endParaRPr>
+            </a:p>
+          </p:txBody>
+        </p:sp>
+      </p:grpSp>
+      <p:grpSp>
+        <p:nvGrpSpPr>
+          <p:cNvPr id="32" name="Groep 31">
+            <a:extLst>
+              <a:ext uri="{FF2B5EF4-FFF2-40B4-BE49-F238E27FC236}">
+                <a16:creationId xmlns:a16="http://schemas.microsoft.com/office/drawing/2014/main" id="{6F2E4CAA-7DCA-E511-F8BF-FE6293A730DE}"/>
+              </a:ext>
+            </a:extLst>
+          </p:cNvPr>
+          <p:cNvGrpSpPr/>
+          <p:nvPr/>
+        </p:nvGrpSpPr>
+        <p:grpSpPr>
+          <a:xfrm>
+            <a:off x="4724307" y="33529"/>
+            <a:ext cx="7452035" cy="6858000"/>
+            <a:chOff x="13274365" y="0"/>
+            <a:chExt cx="7452035" cy="6858000"/>
+          </a:xfrm>
+        </p:grpSpPr>
+        <p:sp>
+          <p:nvSpPr>
+            <p:cNvPr id="34" name="Rechthoek 33">
+              <a:extLst>
+                <a:ext uri="{FF2B5EF4-FFF2-40B4-BE49-F238E27FC236}">
+                  <a16:creationId xmlns:a16="http://schemas.microsoft.com/office/drawing/2014/main" id="{E0D2F79A-3A77-A615-B4AE-33DD6FC8D1A1}"/>
+                </a:ext>
+              </a:extLst>
+            </p:cNvPr>
+            <p:cNvSpPr/>
+            <p:nvPr/>
+          </p:nvSpPr>
+          <p:spPr>
+            <a:xfrm>
+              <a:off x="13274365" y="0"/>
+              <a:ext cx="7452035" cy="6858000"/>
+            </a:xfrm>
+            <a:prstGeom prst="rect">
+              <a:avLst/>
+            </a:prstGeom>
+            <a:solidFill>
+              <a:schemeClr val="accent4">
+                <a:lumMod val="60000"/>
+                <a:lumOff val="40000"/>
+              </a:schemeClr>
+            </a:solidFill>
+            <a:ln w="28575">
+              <a:solidFill>
+                <a:schemeClr val="tx1"/>
+              </a:solidFill>
+            </a:ln>
+          </p:spPr>
+          <p:style>
+            <a:lnRef idx="2">
+              <a:schemeClr val="accent1">
+                <a:shade val="50000"/>
+              </a:schemeClr>
+            </a:lnRef>
+            <a:fillRef idx="1">
+              <a:schemeClr val="accent1"/>
+            </a:fillRef>
+            <a:effectRef idx="0">
+              <a:schemeClr val="accent1"/>
+            </a:effectRef>
+            <a:fontRef idx="minor">
+              <a:schemeClr val="lt1"/>
+            </a:fontRef>
+          </p:style>
+          <p:txBody>
+            <a:bodyPr rtlCol="0" anchor="ctr"/>
+            <a:lstStyle/>
+            <a:p>
+              <a:pPr algn="ctr"/>
+              <a:endParaRPr lang="en-BE"/>
+            </a:p>
+          </p:txBody>
+        </p:sp>
+        <p:sp>
+          <p:nvSpPr>
+            <p:cNvPr id="38" name="Rechthoek 37">
+              <a:extLst>
+                <a:ext uri="{FF2B5EF4-FFF2-40B4-BE49-F238E27FC236}">
+                  <a16:creationId xmlns:a16="http://schemas.microsoft.com/office/drawing/2014/main" id="{E0160613-B283-0FBB-707A-D8A8511B6424}"/>
+                </a:ext>
+              </a:extLst>
+            </p:cNvPr>
+            <p:cNvSpPr/>
+            <p:nvPr/>
+          </p:nvSpPr>
+          <p:spPr>
+            <a:xfrm>
+              <a:off x="16864692" y="2967335"/>
+              <a:ext cx="553357" cy="923330"/>
+            </a:xfrm>
+            <a:prstGeom prst="rect">
+              <a:avLst/>
+            </a:prstGeom>
+            <a:noFill/>
+          </p:spPr>
+          <p:txBody>
+            <a:bodyPr wrap="none" lIns="91440" tIns="45720" rIns="91440" bIns="45720">
+              <a:spAutoFit/>
+            </a:bodyPr>
+            <a:lstStyle/>
+            <a:p>
+              <a:pPr algn="ctr"/>
+              <a:r>
+                <a:rPr lang="nl-NL" sz="5400" b="0" cap="none" spc="0" dirty="0">
+                  <a:ln w="0"/>
+                  <a:solidFill>
+                    <a:schemeClr val="accent1"/>
+                  </a:solidFill>
+                  <a:effectLst>
+                    <a:outerShdw blurRad="38100" dist="25400" dir="5400000" algn="ctr" rotWithShape="0">
+                      <a:srgbClr val="6E747A">
+                        <a:alpha val="43000"/>
+                      </a:srgbClr>
+                    </a:outerShdw>
+                  </a:effectLst>
+                </a:rPr>
+                <a:t>C</a:t>
+              </a:r>
+            </a:p>
+          </p:txBody>
+        </p:sp>
+      </p:grpSp>
+      <p:grpSp>
+        <p:nvGrpSpPr>
+          <p:cNvPr id="39" name="Groep 38">
+            <a:extLst>
+              <a:ext uri="{FF2B5EF4-FFF2-40B4-BE49-F238E27FC236}">
+                <a16:creationId xmlns:a16="http://schemas.microsoft.com/office/drawing/2014/main" id="{EEFF54A1-C6B6-57C6-BA8C-7199814D152F}"/>
+              </a:ext>
+            </a:extLst>
+          </p:cNvPr>
+          <p:cNvGrpSpPr/>
+          <p:nvPr/>
+        </p:nvGrpSpPr>
+        <p:grpSpPr>
+          <a:xfrm>
+            <a:off x="4712192" y="0"/>
+            <a:ext cx="7452035" cy="6858000"/>
+            <a:chOff x="13274365" y="0"/>
+            <a:chExt cx="7452035" cy="6858000"/>
+          </a:xfrm>
+        </p:grpSpPr>
+        <p:sp>
+          <p:nvSpPr>
+            <p:cNvPr id="40" name="Rechthoek 39">
+              <a:extLst>
+                <a:ext uri="{FF2B5EF4-FFF2-40B4-BE49-F238E27FC236}">
+                  <a16:creationId xmlns:a16="http://schemas.microsoft.com/office/drawing/2014/main" id="{44474058-EC4C-54B5-78EF-FD958F98A0EF}"/>
+                </a:ext>
+              </a:extLst>
+            </p:cNvPr>
+            <p:cNvSpPr/>
+            <p:nvPr/>
+          </p:nvSpPr>
+          <p:spPr>
+            <a:xfrm>
+              <a:off x="13274365" y="0"/>
+              <a:ext cx="7452035" cy="6858000"/>
+            </a:xfrm>
+            <a:prstGeom prst="rect">
+              <a:avLst/>
+            </a:prstGeom>
+            <a:solidFill>
+              <a:schemeClr val="accent4">
+                <a:lumMod val="60000"/>
+                <a:lumOff val="40000"/>
+              </a:schemeClr>
+            </a:solidFill>
+            <a:ln w="28575">
+              <a:solidFill>
+                <a:schemeClr val="tx1"/>
+              </a:solidFill>
+            </a:ln>
+          </p:spPr>
+          <p:style>
+            <a:lnRef idx="2">
+              <a:schemeClr val="accent1">
+                <a:shade val="50000"/>
+              </a:schemeClr>
+            </a:lnRef>
+            <a:fillRef idx="1">
+              <a:schemeClr val="accent1"/>
+            </a:fillRef>
+            <a:effectRef idx="0">
+              <a:schemeClr val="accent1"/>
+            </a:effectRef>
+            <a:fontRef idx="minor">
+              <a:schemeClr val="lt1"/>
+            </a:fontRef>
+          </p:style>
+          <p:txBody>
+            <a:bodyPr rtlCol="0" anchor="ctr"/>
+            <a:lstStyle/>
+            <a:p>
+              <a:pPr algn="ctr"/>
+              <a:endParaRPr lang="en-BE"/>
+            </a:p>
+          </p:txBody>
+        </p:sp>
+        <p:sp>
+          <p:nvSpPr>
+            <p:cNvPr id="41" name="Rechthoek 40">
+              <a:extLst>
+                <a:ext uri="{FF2B5EF4-FFF2-40B4-BE49-F238E27FC236}">
+                  <a16:creationId xmlns:a16="http://schemas.microsoft.com/office/drawing/2014/main" id="{4CC17311-24A7-AC2F-912A-C0DE25625B75}"/>
+                </a:ext>
+              </a:extLst>
+            </p:cNvPr>
+            <p:cNvSpPr/>
+            <p:nvPr/>
+          </p:nvSpPr>
+          <p:spPr>
+            <a:xfrm>
+              <a:off x="17000382" y="2891355"/>
+              <a:ext cx="611065" cy="923330"/>
+            </a:xfrm>
+            <a:prstGeom prst="rect">
+              <a:avLst/>
+            </a:prstGeom>
+            <a:noFill/>
+          </p:spPr>
+          <p:txBody>
+            <a:bodyPr wrap="none" lIns="91440" tIns="45720" rIns="91440" bIns="45720">
+              <a:spAutoFit/>
+            </a:bodyPr>
+            <a:lstStyle/>
+            <a:p>
+              <a:pPr algn="ctr"/>
+              <a:r>
+                <a:rPr lang="nl-NL" sz="5400" b="0" cap="none" spc="0" dirty="0">
+                  <a:ln w="0"/>
+                  <a:solidFill>
+                    <a:schemeClr val="accent1"/>
+                  </a:solidFill>
+                  <a:effectLst>
+                    <a:outerShdw blurRad="38100" dist="25400" dir="5400000" algn="ctr" rotWithShape="0">
+                      <a:srgbClr val="6E747A">
+                        <a:alpha val="43000"/>
+                      </a:srgbClr>
+                    </a:outerShdw>
+                  </a:effectLst>
+                </a:rPr>
+                <a:t>D</a:t>
+              </a:r>
+            </a:p>
+          </p:txBody>
+        </p:sp>
+      </p:grpSp>
     </p:spTree>
     <p:extLst>
       <p:ext uri="{BB962C8B-B14F-4D97-AF65-F5344CB8AC3E}">
-        <p14:creationId xmlns:p14="http://schemas.microsoft.com/office/powerpoint/2010/main" val="2858135002"/>
+        <p14:creationId xmlns:p14="http://schemas.microsoft.com/office/powerpoint/2010/main" val="356976094"/>
       </p:ext>
     </p:extLst>
   </p:cSld>
   <p:clrMapOvr>
     <a:masterClrMapping/>
   </p:clrMapOvr>
-  <mc:AlternateContent xmlns:mc="http://schemas.openxmlformats.org/markup-compatibility/2006">
-    <mc:Choice xmlns:p159="http://schemas.microsoft.com/office/powerpoint/2015/09/main" Requires="p159">
+  <mc:AlternateContent xmlns:mc="http://schemas.openxmlformats.org/markup-compatibility/2006" xmlns:p159="http://schemas.microsoft.com/office/powerpoint/2015/09/main">
+    <mc:Choice Requires="p159">
       <p:transition xmlns:p14="http://schemas.microsoft.com/office/powerpoint/2010/main" spd="slow" p14:dur="2000">
         <p159:morph option="byObject"/>
       </p:transition>
     </mc:Choice>
-    <mc:Fallback>
+    <mc:Fallback xmlns="">
       <p:transition spd="slow">
         <p:fade/>
       </p:transition>
@@ -11416,7 +12995,7 @@
 </p:sld>
 </file>
 
-<file path=ppt/slides/slide7.xml><?xml version="1.0" encoding="utf-8"?>
+<file path=ppt/slides/slide6.xml><?xml version="1.0" encoding="utf-8"?>
 <p:sld xmlns:a="http://schemas.openxmlformats.org/drawingml/2006/main" xmlns:r="http://schemas.openxmlformats.org/officeDocument/2006/relationships" xmlns:p="http://schemas.openxmlformats.org/presentationml/2006/main">
   <p:cSld>
     <p:spTree>
@@ -11438,7 +13017,7 @@
           <p:cNvPr id="2" name="Rechthoek 1">
             <a:extLst>
               <a:ext uri="{FF2B5EF4-FFF2-40B4-BE49-F238E27FC236}">
-                <a16:creationId xmlns:a16="http://schemas.microsoft.com/office/drawing/2014/main" id="{CEACAA84-6711-4846-ECC7-9369E7EF23D2}"/>
+                <a16:creationId xmlns:a16="http://schemas.microsoft.com/office/drawing/2014/main" id="{1FE127AC-279D-545B-8C12-073E000963E9}"/>
               </a:ext>
             </a:extLst>
           </p:cNvPr>
@@ -11487,7 +13066,7 @@
           <p:cNvPr id="3" name="Groep 2">
             <a:extLst>
               <a:ext uri="{FF2B5EF4-FFF2-40B4-BE49-F238E27FC236}">
-                <a16:creationId xmlns:a16="http://schemas.microsoft.com/office/drawing/2014/main" id="{5C8868FA-9F19-F38D-F54C-E13DA1ED36CF}"/>
+                <a16:creationId xmlns:a16="http://schemas.microsoft.com/office/drawing/2014/main" id="{5A4D2AC5-4893-B5F4-A11B-EAE22AB4EA0B}"/>
               </a:ext>
             </a:extLst>
           </p:cNvPr>
@@ -11496,7 +13075,7 @@
         </p:nvGrpSpPr>
         <p:grpSpPr>
           <a:xfrm>
-            <a:off x="-514025" y="0"/>
+            <a:off x="-2994371" y="0"/>
             <a:ext cx="2994371" cy="6858000"/>
             <a:chOff x="1969195" y="0"/>
             <a:chExt cx="2994371" cy="6858000"/>
@@ -11507,7 +13086,7 @@
             <p:cNvPr id="4" name="Rechthoek 3">
               <a:extLst>
                 <a:ext uri="{FF2B5EF4-FFF2-40B4-BE49-F238E27FC236}">
-                  <a16:creationId xmlns:a16="http://schemas.microsoft.com/office/drawing/2014/main" id="{F0D9BC4E-8369-3BA3-C6AF-E37B8D6A210D}"/>
+                  <a16:creationId xmlns:a16="http://schemas.microsoft.com/office/drawing/2014/main" id="{060677CA-E7F9-711F-0912-2E2159C10610}"/>
                 </a:ext>
               </a:extLst>
             </p:cNvPr>
@@ -11561,7 +13140,7 @@
             <p:cNvPr id="5" name="Rechthoek 4">
               <a:extLst>
                 <a:ext uri="{FF2B5EF4-FFF2-40B4-BE49-F238E27FC236}">
-                  <a16:creationId xmlns:a16="http://schemas.microsoft.com/office/drawing/2014/main" id="{2CF9684F-CF9F-ED0B-EC4B-DB614EE753A7}"/>
+                  <a16:creationId xmlns:a16="http://schemas.microsoft.com/office/drawing/2014/main" id="{50ED7B1F-82E2-D09B-E3B3-C0F305B98491}"/>
                 </a:ext>
               </a:extLst>
             </p:cNvPr>
@@ -11609,7 +13188,7 @@
             <p:cNvPr id="6" name="Tekstvak 5">
               <a:extLst>
                 <a:ext uri="{FF2B5EF4-FFF2-40B4-BE49-F238E27FC236}">
-                  <a16:creationId xmlns:a16="http://schemas.microsoft.com/office/drawing/2014/main" id="{7A055842-84E8-F308-BE10-1769DC040766}"/>
+                  <a16:creationId xmlns:a16="http://schemas.microsoft.com/office/drawing/2014/main" id="{BA98E5E2-3BBE-01E6-B3D5-339B02319A15}"/>
                 </a:ext>
               </a:extLst>
             </p:cNvPr>
@@ -11649,7 +13228,7 @@
             <p:cNvPr id="7" name="Tekstvak 6">
               <a:extLst>
                 <a:ext uri="{FF2B5EF4-FFF2-40B4-BE49-F238E27FC236}">
-                  <a16:creationId xmlns:a16="http://schemas.microsoft.com/office/drawing/2014/main" id="{E7C0286E-35B9-6B31-90B0-5E3583DD4103}"/>
+                  <a16:creationId xmlns:a16="http://schemas.microsoft.com/office/drawing/2014/main" id="{83498C73-D23D-5EE6-9F45-CD8C35E8FDCE}"/>
                 </a:ext>
               </a:extLst>
             </p:cNvPr>
@@ -11689,7 +13268,7 @@
             <p:cNvPr id="8" name="Tekstvak 7">
               <a:extLst>
                 <a:ext uri="{FF2B5EF4-FFF2-40B4-BE49-F238E27FC236}">
-                  <a16:creationId xmlns:a16="http://schemas.microsoft.com/office/drawing/2014/main" id="{25044FB4-5527-EC09-7E12-6EA30D3C0DF6}"/>
+                  <a16:creationId xmlns:a16="http://schemas.microsoft.com/office/drawing/2014/main" id="{CE3BF0E6-70DA-C641-5FDA-E4BD07EB17A6}"/>
                 </a:ext>
               </a:extLst>
             </p:cNvPr>
@@ -11729,7 +13308,7 @@
             <p:cNvPr id="9" name="Tekstvak 8">
               <a:extLst>
                 <a:ext uri="{FF2B5EF4-FFF2-40B4-BE49-F238E27FC236}">
-                  <a16:creationId xmlns:a16="http://schemas.microsoft.com/office/drawing/2014/main" id="{FD5C85CE-49B5-B8DA-B3C3-A8BFBA84A98B}"/>
+                  <a16:creationId xmlns:a16="http://schemas.microsoft.com/office/drawing/2014/main" id="{519D5B52-3D8D-7CA1-28F1-6504DFF59FFE}"/>
                 </a:ext>
               </a:extLst>
             </p:cNvPr>
@@ -11770,7 +13349,7 @@
           <p:cNvPr id="10" name="Groep 9">
             <a:extLst>
               <a:ext uri="{FF2B5EF4-FFF2-40B4-BE49-F238E27FC236}">
-                <a16:creationId xmlns:a16="http://schemas.microsoft.com/office/drawing/2014/main" id="{302BDD4D-A09C-62C6-3971-B85935DD468A}"/>
+                <a16:creationId xmlns:a16="http://schemas.microsoft.com/office/drawing/2014/main" id="{B0692E95-9A84-A4B8-753D-DF9A5F25CDBA}"/>
               </a:ext>
             </a:extLst>
           </p:cNvPr>
@@ -11779,7 +13358,7 @@
         </p:nvGrpSpPr>
         <p:grpSpPr>
           <a:xfrm>
-            <a:off x="2033142" y="0"/>
+            <a:off x="-447204" y="0"/>
             <a:ext cx="2994371" cy="6858000"/>
             <a:chOff x="4516362" y="0"/>
             <a:chExt cx="2994371" cy="6858000"/>
@@ -11790,7 +13369,7 @@
             <p:cNvPr id="11" name="Rechthoek 10">
               <a:extLst>
                 <a:ext uri="{FF2B5EF4-FFF2-40B4-BE49-F238E27FC236}">
-                  <a16:creationId xmlns:a16="http://schemas.microsoft.com/office/drawing/2014/main" id="{F59D3AA3-21C6-FCAF-154B-98A1FE388D78}"/>
+                  <a16:creationId xmlns:a16="http://schemas.microsoft.com/office/drawing/2014/main" id="{91A13410-74AC-3054-013F-D4024004E02E}"/>
                 </a:ext>
               </a:extLst>
             </p:cNvPr>
@@ -11844,7 +13423,7 @@
             <p:cNvPr id="12" name="Rechthoek 11">
               <a:extLst>
                 <a:ext uri="{FF2B5EF4-FFF2-40B4-BE49-F238E27FC236}">
-                  <a16:creationId xmlns:a16="http://schemas.microsoft.com/office/drawing/2014/main" id="{2B6459F7-FCF6-5DF9-9814-4B24D03E307B}"/>
+                  <a16:creationId xmlns:a16="http://schemas.microsoft.com/office/drawing/2014/main" id="{506FDC5A-94D5-2AD4-4A98-E9C1E90416BE}"/>
                 </a:ext>
               </a:extLst>
             </p:cNvPr>
@@ -11892,7 +13471,7 @@
             <p:cNvPr id="13" name="Tekstvak 12">
               <a:extLst>
                 <a:ext uri="{FF2B5EF4-FFF2-40B4-BE49-F238E27FC236}">
-                  <a16:creationId xmlns:a16="http://schemas.microsoft.com/office/drawing/2014/main" id="{B5467DAA-972C-5411-345E-DB80F5E83C80}"/>
+                  <a16:creationId xmlns:a16="http://schemas.microsoft.com/office/drawing/2014/main" id="{D1FEC182-9EB2-C77C-FBD7-F58B63EC3423}"/>
                 </a:ext>
               </a:extLst>
             </p:cNvPr>
@@ -11932,7 +13511,7 @@
             <p:cNvPr id="14" name="Tekstvak 13">
               <a:extLst>
                 <a:ext uri="{FF2B5EF4-FFF2-40B4-BE49-F238E27FC236}">
-                  <a16:creationId xmlns:a16="http://schemas.microsoft.com/office/drawing/2014/main" id="{11689D0C-A9D0-409A-08D5-64648BFEE62D}"/>
+                  <a16:creationId xmlns:a16="http://schemas.microsoft.com/office/drawing/2014/main" id="{C90DD2DC-A917-FE42-E8AD-33E7F3D1CAA5}"/>
                 </a:ext>
               </a:extLst>
             </p:cNvPr>
@@ -11972,7 +13551,7 @@
             <p:cNvPr id="15" name="Tekstvak 14">
               <a:extLst>
                 <a:ext uri="{FF2B5EF4-FFF2-40B4-BE49-F238E27FC236}">
-                  <a16:creationId xmlns:a16="http://schemas.microsoft.com/office/drawing/2014/main" id="{CAB2116F-3C90-16B0-2CEF-60491D2C6E03}"/>
+                  <a16:creationId xmlns:a16="http://schemas.microsoft.com/office/drawing/2014/main" id="{62CDB854-550A-CBDB-7617-1F26C1066895}"/>
                 </a:ext>
               </a:extLst>
             </p:cNvPr>
@@ -12012,7 +13591,7 @@
             <p:cNvPr id="16" name="Tekstvak 15">
               <a:extLst>
                 <a:ext uri="{FF2B5EF4-FFF2-40B4-BE49-F238E27FC236}">
-                  <a16:creationId xmlns:a16="http://schemas.microsoft.com/office/drawing/2014/main" id="{D0734CC0-322F-5728-63F2-BD2F3E471517}"/>
+                  <a16:creationId xmlns:a16="http://schemas.microsoft.com/office/drawing/2014/main" id="{E78C94F5-CB90-E562-B9CC-EEF8C4941067}"/>
                 </a:ext>
               </a:extLst>
             </p:cNvPr>
@@ -12053,7 +13632,7 @@
           <p:cNvPr id="17" name="Groep 16">
             <a:extLst>
               <a:ext uri="{FF2B5EF4-FFF2-40B4-BE49-F238E27FC236}">
-                <a16:creationId xmlns:a16="http://schemas.microsoft.com/office/drawing/2014/main" id="{5C3E30AB-A994-5069-8024-995F57E6B1AD}"/>
+                <a16:creationId xmlns:a16="http://schemas.microsoft.com/office/drawing/2014/main" id="{61A23C67-AB51-12F6-8DDB-59B6B92C00B6}"/>
               </a:ext>
             </a:extLst>
           </p:cNvPr>
@@ -12062,7 +13641,7 @@
         </p:nvGrpSpPr>
         <p:grpSpPr>
           <a:xfrm>
-            <a:off x="4417910" y="0"/>
+            <a:off x="1937564" y="0"/>
             <a:ext cx="2994371" cy="6858000"/>
             <a:chOff x="6912131" y="0"/>
             <a:chExt cx="2994371" cy="6858000"/>
@@ -12073,7 +13652,7 @@
             <p:cNvPr id="18" name="Rechthoek 17">
               <a:extLst>
                 <a:ext uri="{FF2B5EF4-FFF2-40B4-BE49-F238E27FC236}">
-                  <a16:creationId xmlns:a16="http://schemas.microsoft.com/office/drawing/2014/main" id="{EFCEFAC2-70EF-AC56-59CC-52A34FFE4351}"/>
+                  <a16:creationId xmlns:a16="http://schemas.microsoft.com/office/drawing/2014/main" id="{4DBB4075-7EE1-1CFE-171B-93681F81BBA3}"/>
                 </a:ext>
               </a:extLst>
             </p:cNvPr>
@@ -12127,7 +13706,7 @@
             <p:cNvPr id="19" name="Rechthoek 18">
               <a:extLst>
                 <a:ext uri="{FF2B5EF4-FFF2-40B4-BE49-F238E27FC236}">
-                  <a16:creationId xmlns:a16="http://schemas.microsoft.com/office/drawing/2014/main" id="{EF6C889A-DE8F-272F-B1B9-6A7E19A10580}"/>
+                  <a16:creationId xmlns:a16="http://schemas.microsoft.com/office/drawing/2014/main" id="{DF5AD3F6-D486-12C3-9959-AA7F928633C6}"/>
                 </a:ext>
               </a:extLst>
             </p:cNvPr>
@@ -12175,7 +13754,7 @@
             <p:cNvPr id="20" name="Tekstvak 19">
               <a:extLst>
                 <a:ext uri="{FF2B5EF4-FFF2-40B4-BE49-F238E27FC236}">
-                  <a16:creationId xmlns:a16="http://schemas.microsoft.com/office/drawing/2014/main" id="{D7B5B0CE-E267-044D-6832-CA20F0A66A9E}"/>
+                  <a16:creationId xmlns:a16="http://schemas.microsoft.com/office/drawing/2014/main" id="{8FB1FF03-D850-30C2-BFBE-F44D39C8B0BE}"/>
                 </a:ext>
               </a:extLst>
             </p:cNvPr>
@@ -12215,7 +13794,7 @@
             <p:cNvPr id="21" name="Tekstvak 20">
               <a:extLst>
                 <a:ext uri="{FF2B5EF4-FFF2-40B4-BE49-F238E27FC236}">
-                  <a16:creationId xmlns:a16="http://schemas.microsoft.com/office/drawing/2014/main" id="{00E6C829-8D4C-CB2A-B560-114AAC3822CC}"/>
+                  <a16:creationId xmlns:a16="http://schemas.microsoft.com/office/drawing/2014/main" id="{3A6A2BE7-3353-05D4-BAE8-DF7952918D31}"/>
                 </a:ext>
               </a:extLst>
             </p:cNvPr>
@@ -12255,7 +13834,7 @@
             <p:cNvPr id="22" name="Tekstvak 21">
               <a:extLst>
                 <a:ext uri="{FF2B5EF4-FFF2-40B4-BE49-F238E27FC236}">
-                  <a16:creationId xmlns:a16="http://schemas.microsoft.com/office/drawing/2014/main" id="{69D0D963-BD61-911F-3E72-11A7A4DA6C1F}"/>
+                  <a16:creationId xmlns:a16="http://schemas.microsoft.com/office/drawing/2014/main" id="{9E006BF3-D5B5-83C8-464A-B50D839E83E0}"/>
                 </a:ext>
               </a:extLst>
             </p:cNvPr>
@@ -12295,7 +13874,7 @@
             <p:cNvPr id="23" name="Tekstvak 22">
               <a:extLst>
                 <a:ext uri="{FF2B5EF4-FFF2-40B4-BE49-F238E27FC236}">
-                  <a16:creationId xmlns:a16="http://schemas.microsoft.com/office/drawing/2014/main" id="{C6184C54-8F74-4E08-DCB8-580219CFB6F1}"/>
+                  <a16:creationId xmlns:a16="http://schemas.microsoft.com/office/drawing/2014/main" id="{C297A042-AAC1-F4EE-9D3B-ED19A5D61B81}"/>
                 </a:ext>
               </a:extLst>
             </p:cNvPr>
@@ -12336,7 +13915,7 @@
           <p:cNvPr id="24" name="Groep 23">
             <a:extLst>
               <a:ext uri="{FF2B5EF4-FFF2-40B4-BE49-F238E27FC236}">
-                <a16:creationId xmlns:a16="http://schemas.microsoft.com/office/drawing/2014/main" id="{D2AB2B87-B82D-D367-BB72-0F5B6C2FD5F2}"/>
+                <a16:creationId xmlns:a16="http://schemas.microsoft.com/office/drawing/2014/main" id="{32DA68FF-7C63-2170-3680-6178F82692A8}"/>
               </a:ext>
             </a:extLst>
           </p:cNvPr>
@@ -12345,7 +13924,7 @@
         </p:nvGrpSpPr>
         <p:grpSpPr>
           <a:xfrm>
-            <a:off x="6910945" y="0"/>
+            <a:off x="4430599" y="0"/>
             <a:ext cx="2994371" cy="6858000"/>
             <a:chOff x="9394164" y="0"/>
             <a:chExt cx="2994371" cy="6858000"/>
@@ -12356,7 +13935,7 @@
             <p:cNvPr id="25" name="Rechthoek 24">
               <a:extLst>
                 <a:ext uri="{FF2B5EF4-FFF2-40B4-BE49-F238E27FC236}">
-                  <a16:creationId xmlns:a16="http://schemas.microsoft.com/office/drawing/2014/main" id="{AD5896C9-8FB4-682D-51D0-5175794C8825}"/>
+                  <a16:creationId xmlns:a16="http://schemas.microsoft.com/office/drawing/2014/main" id="{D7801139-47FB-74C0-A5A5-0563C2F627E7}"/>
                 </a:ext>
               </a:extLst>
             </p:cNvPr>
@@ -12410,7 +13989,7 @@
             <p:cNvPr id="26" name="Rechthoek 25">
               <a:extLst>
                 <a:ext uri="{FF2B5EF4-FFF2-40B4-BE49-F238E27FC236}">
-                  <a16:creationId xmlns:a16="http://schemas.microsoft.com/office/drawing/2014/main" id="{3C2C31C1-A8CC-A410-B652-E523083E6FDD}"/>
+                  <a16:creationId xmlns:a16="http://schemas.microsoft.com/office/drawing/2014/main" id="{5CB19CB5-D49E-1FE4-CED7-5DA4AF5C362C}"/>
                 </a:ext>
               </a:extLst>
             </p:cNvPr>
@@ -12458,7 +14037,7 @@
             <p:cNvPr id="27" name="Tekstvak 26">
               <a:extLst>
                 <a:ext uri="{FF2B5EF4-FFF2-40B4-BE49-F238E27FC236}">
-                  <a16:creationId xmlns:a16="http://schemas.microsoft.com/office/drawing/2014/main" id="{CF31E1BD-3CA7-3C97-DAF3-A882F6EE0765}"/>
+                  <a16:creationId xmlns:a16="http://schemas.microsoft.com/office/drawing/2014/main" id="{53DB5E77-BBE7-51C9-3306-9E9C68B47172}"/>
                 </a:ext>
               </a:extLst>
             </p:cNvPr>
@@ -12498,7 +14077,7 @@
             <p:cNvPr id="28" name="Tekstvak 27">
               <a:extLst>
                 <a:ext uri="{FF2B5EF4-FFF2-40B4-BE49-F238E27FC236}">
-                  <a16:creationId xmlns:a16="http://schemas.microsoft.com/office/drawing/2014/main" id="{A6F39CAE-CDE9-9C57-BC7A-57FFDA47B57D}"/>
+                  <a16:creationId xmlns:a16="http://schemas.microsoft.com/office/drawing/2014/main" id="{0F68082C-FC7F-99BC-8E55-C9A85DF16636}"/>
                 </a:ext>
               </a:extLst>
             </p:cNvPr>
@@ -12538,7 +14117,7 @@
             <p:cNvPr id="29" name="Tekstvak 28">
               <a:extLst>
                 <a:ext uri="{FF2B5EF4-FFF2-40B4-BE49-F238E27FC236}">
-                  <a16:creationId xmlns:a16="http://schemas.microsoft.com/office/drawing/2014/main" id="{E7B7E8E2-D68D-A0BE-42F9-FC84A8D3FDA8}"/>
+                  <a16:creationId xmlns:a16="http://schemas.microsoft.com/office/drawing/2014/main" id="{C489A7C4-8CDC-94E6-CE02-44F327A056F0}"/>
                 </a:ext>
               </a:extLst>
             </p:cNvPr>
@@ -12578,7 +14157,7 @@
             <p:cNvPr id="30" name="Tekstvak 29">
               <a:extLst>
                 <a:ext uri="{FF2B5EF4-FFF2-40B4-BE49-F238E27FC236}">
-                  <a16:creationId xmlns:a16="http://schemas.microsoft.com/office/drawing/2014/main" id="{4CD5BC44-6349-7F79-FD98-00D066479268}"/>
+                  <a16:creationId xmlns:a16="http://schemas.microsoft.com/office/drawing/2014/main" id="{D96B4B92-36FD-8B30-1C4C-170F41C336E1}"/>
                 </a:ext>
               </a:extLst>
             </p:cNvPr>
@@ -12619,7 +14198,7 @@
           <p:cNvPr id="31" name="Rechthoek 30">
             <a:extLst>
               <a:ext uri="{FF2B5EF4-FFF2-40B4-BE49-F238E27FC236}">
-                <a16:creationId xmlns:a16="http://schemas.microsoft.com/office/drawing/2014/main" id="{B2C25AB7-4435-C8CD-A970-C5CA3E7191F0}"/>
+                <a16:creationId xmlns:a16="http://schemas.microsoft.com/office/drawing/2014/main" id="{B72071BB-0F13-6CB7-7661-70DE6D2E04E2}"/>
               </a:ext>
             </a:extLst>
           </p:cNvPr>
@@ -12672,10 +14251,10 @@
       </p:sp>
       <p:sp>
         <p:nvSpPr>
-          <p:cNvPr id="32" name="Rechthoek 31">
+          <p:cNvPr id="33" name="Rechthoek 32">
             <a:extLst>
               <a:ext uri="{FF2B5EF4-FFF2-40B4-BE49-F238E27FC236}">
-                <a16:creationId xmlns:a16="http://schemas.microsoft.com/office/drawing/2014/main" id="{6DC395C5-5B35-A584-F375-550D06B0549E}"/>
+                <a16:creationId xmlns:a16="http://schemas.microsoft.com/office/drawing/2014/main" id="{6CFE3287-6BBA-720E-EAAF-E5B3CF25A66A}"/>
               </a:ext>
             </a:extLst>
           </p:cNvPr>
@@ -12684,65 +14263,510 @@
         </p:nvSpPr>
         <p:spPr>
           <a:xfrm>
-            <a:off x="4722713" y="0"/>
-            <a:ext cx="7469288" cy="6858000"/>
+            <a:off x="-10049" y="2616144"/>
+            <a:ext cx="2244525" cy="1754326"/>
           </a:xfrm>
           <a:prstGeom prst="rect">
             <a:avLst/>
           </a:prstGeom>
-          <a:solidFill>
-            <a:schemeClr val="bg2">
-              <a:lumMod val="90000"/>
-            </a:schemeClr>
-          </a:solidFill>
-          <a:ln w="28575">
-            <a:solidFill>
-              <a:schemeClr val="tx1"/>
-            </a:solidFill>
-          </a:ln>
+          <a:noFill/>
         </p:spPr>
-        <p:style>
-          <a:lnRef idx="2">
-            <a:schemeClr val="accent1">
-              <a:shade val="50000"/>
-            </a:schemeClr>
-          </a:lnRef>
-          <a:fillRef idx="1">
-            <a:schemeClr val="accent1"/>
-          </a:fillRef>
-          <a:effectRef idx="0">
-            <a:schemeClr val="accent1"/>
-          </a:effectRef>
-          <a:fontRef idx="minor">
-            <a:schemeClr val="lt1"/>
-          </a:fontRef>
-        </p:style>
         <p:txBody>
-          <a:bodyPr rtlCol="0" anchor="ctr"/>
+          <a:bodyPr wrap="none" lIns="91440" tIns="45720" rIns="91440" bIns="45720">
+            <a:spAutoFit/>
+          </a:bodyPr>
           <a:lstStyle/>
           <a:p>
             <a:pPr algn="ctr"/>
-            <a:endParaRPr lang="en-BE"/>
+            <a:r>
+              <a:rPr lang="nl-NL" sz="3600" b="0" cap="none" spc="0" dirty="0">
+                <a:ln w="0"/>
+                <a:effectLst>
+                  <a:outerShdw blurRad="38100" dist="25400" dir="5400000" algn="ctr" rotWithShape="0">
+                    <a:srgbClr val="6E747A">
+                      <a:alpha val="43000"/>
+                    </a:srgbClr>
+                  </a:outerShdw>
+                </a:effectLst>
+              </a:rPr>
+              <a:t>Project </a:t>
+            </a:r>
+          </a:p>
+          <a:p>
+            <a:pPr algn="ctr"/>
+            <a:r>
+              <a:rPr lang="nl-NL" sz="3600" dirty="0" err="1">
+                <a:ln w="0"/>
+                <a:effectLst>
+                  <a:outerShdw blurRad="38100" dist="25400" dir="5400000" algn="ctr" rotWithShape="0">
+                    <a:srgbClr val="6E747A">
+                      <a:alpha val="43000"/>
+                    </a:srgbClr>
+                  </a:outerShdw>
+                </a:effectLst>
+              </a:rPr>
+              <a:t>Experience</a:t>
+            </a:r>
+            <a:endParaRPr lang="nl-NL" sz="3600" dirty="0">
+              <a:ln w="0"/>
+              <a:effectLst>
+                <a:outerShdw blurRad="38100" dist="25400" dir="5400000" algn="ctr" rotWithShape="0">
+                  <a:srgbClr val="6E747A">
+                    <a:alpha val="43000"/>
+                  </a:srgbClr>
+                </a:outerShdw>
+              </a:effectLst>
+            </a:endParaRPr>
+          </a:p>
+          <a:p>
+            <a:pPr algn="ctr"/>
+            <a:r>
+              <a:rPr lang="nl-NL" sz="3600" dirty="0">
+                <a:ln w="0"/>
+                <a:effectLst>
+                  <a:outerShdw blurRad="38100" dist="25400" dir="5400000" algn="ctr" rotWithShape="0">
+                    <a:srgbClr val="6E747A">
+                      <a:alpha val="43000"/>
+                    </a:srgbClr>
+                  </a:outerShdw>
+                </a:effectLst>
+              </a:rPr>
+              <a:t>I.0</a:t>
+            </a:r>
+            <a:endParaRPr lang="nl-NL" sz="3600" b="0" cap="none" spc="0" dirty="0">
+              <a:ln w="0"/>
+              <a:effectLst>
+                <a:outerShdw blurRad="38100" dist="25400" dir="5400000" algn="ctr" rotWithShape="0">
+                  <a:srgbClr val="6E747A">
+                    <a:alpha val="43000"/>
+                  </a:srgbClr>
+                </a:outerShdw>
+              </a:effectLst>
+            </a:endParaRPr>
           </a:p>
         </p:txBody>
       </p:sp>
+      <p:grpSp>
+        <p:nvGrpSpPr>
+          <p:cNvPr id="35" name="Groep 34">
+            <a:extLst>
+              <a:ext uri="{FF2B5EF4-FFF2-40B4-BE49-F238E27FC236}">
+                <a16:creationId xmlns:a16="http://schemas.microsoft.com/office/drawing/2014/main" id="{55F53B9C-BAB3-F061-9D28-08FF902D95AC}"/>
+              </a:ext>
+            </a:extLst>
+          </p:cNvPr>
+          <p:cNvGrpSpPr/>
+          <p:nvPr/>
+        </p:nvGrpSpPr>
+        <p:grpSpPr>
+          <a:xfrm>
+            <a:off x="12668217" y="0"/>
+            <a:ext cx="7452035" cy="6858000"/>
+            <a:chOff x="4739965" y="0"/>
+            <a:chExt cx="7452035" cy="6858000"/>
+          </a:xfrm>
+        </p:grpSpPr>
+        <p:sp>
+          <p:nvSpPr>
+            <p:cNvPr id="36" name="Rechthoek 35">
+              <a:extLst>
+                <a:ext uri="{FF2B5EF4-FFF2-40B4-BE49-F238E27FC236}">
+                  <a16:creationId xmlns:a16="http://schemas.microsoft.com/office/drawing/2014/main" id="{67E2407B-9E34-8860-71F4-ED9DF699C9EC}"/>
+                </a:ext>
+              </a:extLst>
+            </p:cNvPr>
+            <p:cNvSpPr/>
+            <p:nvPr/>
+          </p:nvSpPr>
+          <p:spPr>
+            <a:xfrm>
+              <a:off x="4739965" y="0"/>
+              <a:ext cx="7452035" cy="6858000"/>
+            </a:xfrm>
+            <a:prstGeom prst="rect">
+              <a:avLst/>
+            </a:prstGeom>
+            <a:solidFill>
+              <a:schemeClr val="accent4">
+                <a:lumMod val="60000"/>
+                <a:lumOff val="40000"/>
+              </a:schemeClr>
+            </a:solidFill>
+            <a:ln w="28575">
+              <a:solidFill>
+                <a:schemeClr val="tx1"/>
+              </a:solidFill>
+            </a:ln>
+          </p:spPr>
+          <p:style>
+            <a:lnRef idx="2">
+              <a:schemeClr val="accent1">
+                <a:shade val="50000"/>
+              </a:schemeClr>
+            </a:lnRef>
+            <a:fillRef idx="1">
+              <a:schemeClr val="accent1"/>
+            </a:fillRef>
+            <a:effectRef idx="0">
+              <a:schemeClr val="accent1"/>
+            </a:effectRef>
+            <a:fontRef idx="minor">
+              <a:schemeClr val="lt1"/>
+            </a:fontRef>
+          </p:style>
+          <p:txBody>
+            <a:bodyPr rtlCol="0" anchor="ctr"/>
+            <a:lstStyle/>
+            <a:p>
+              <a:pPr algn="ctr"/>
+              <a:endParaRPr lang="en-BE"/>
+            </a:p>
+          </p:txBody>
+        </p:sp>
+        <p:sp>
+          <p:nvSpPr>
+            <p:cNvPr id="37" name="Rechthoek 36">
+              <a:extLst>
+                <a:ext uri="{FF2B5EF4-FFF2-40B4-BE49-F238E27FC236}">
+                  <a16:creationId xmlns:a16="http://schemas.microsoft.com/office/drawing/2014/main" id="{758094BE-4E8B-C847-BDBF-DC4F4BFCEA82}"/>
+                </a:ext>
+              </a:extLst>
+            </p:cNvPr>
+            <p:cNvSpPr/>
+            <p:nvPr/>
+          </p:nvSpPr>
+          <p:spPr>
+            <a:xfrm>
+              <a:off x="8295970" y="2816198"/>
+              <a:ext cx="502061" cy="923330"/>
+            </a:xfrm>
+            <a:prstGeom prst="rect">
+              <a:avLst/>
+            </a:prstGeom>
+            <a:noFill/>
+          </p:spPr>
+          <p:txBody>
+            <a:bodyPr wrap="none" lIns="91440" tIns="45720" rIns="91440" bIns="45720">
+              <a:spAutoFit/>
+            </a:bodyPr>
+            <a:lstStyle/>
+            <a:p>
+              <a:pPr algn="ctr"/>
+              <a:r>
+                <a:rPr lang="nl-NL" sz="5400" dirty="0">
+                  <a:ln w="0"/>
+                  <a:solidFill>
+                    <a:schemeClr val="accent1"/>
+                  </a:solidFill>
+                  <a:effectLst>
+                    <a:outerShdw blurRad="38100" dist="25400" dir="5400000" algn="ctr" rotWithShape="0">
+                      <a:srgbClr val="6E747A">
+                        <a:alpha val="43000"/>
+                      </a:srgbClr>
+                    </a:outerShdw>
+                  </a:effectLst>
+                </a:rPr>
+                <a:t>F</a:t>
+              </a:r>
+              <a:endParaRPr lang="nl-NL" sz="5400" b="0" cap="none" spc="0" dirty="0">
+                <a:ln w="0"/>
+                <a:solidFill>
+                  <a:schemeClr val="accent1"/>
+                </a:solidFill>
+                <a:effectLst>
+                  <a:outerShdw blurRad="38100" dist="25400" dir="5400000" algn="ctr" rotWithShape="0">
+                    <a:srgbClr val="6E747A">
+                      <a:alpha val="43000"/>
+                    </a:srgbClr>
+                  </a:outerShdw>
+                </a:effectLst>
+              </a:endParaRPr>
+            </a:p>
+          </p:txBody>
+        </p:sp>
+      </p:grpSp>
+      <p:grpSp>
+        <p:nvGrpSpPr>
+          <p:cNvPr id="32" name="Groep 31">
+            <a:extLst>
+              <a:ext uri="{FF2B5EF4-FFF2-40B4-BE49-F238E27FC236}">
+                <a16:creationId xmlns:a16="http://schemas.microsoft.com/office/drawing/2014/main" id="{C7DD4A0C-DF7C-97D4-5604-0074C8B024FC}"/>
+              </a:ext>
+            </a:extLst>
+          </p:cNvPr>
+          <p:cNvGrpSpPr/>
+          <p:nvPr/>
+        </p:nvGrpSpPr>
+        <p:grpSpPr>
+          <a:xfrm>
+            <a:off x="4750014" y="0"/>
+            <a:ext cx="7452035" cy="6858000"/>
+            <a:chOff x="13274365" y="0"/>
+            <a:chExt cx="7452035" cy="6858000"/>
+          </a:xfrm>
+        </p:grpSpPr>
+        <p:sp>
+          <p:nvSpPr>
+            <p:cNvPr id="34" name="Rechthoek 33">
+              <a:extLst>
+                <a:ext uri="{FF2B5EF4-FFF2-40B4-BE49-F238E27FC236}">
+                  <a16:creationId xmlns:a16="http://schemas.microsoft.com/office/drawing/2014/main" id="{B366CB3D-F789-5B6D-B889-6B041B81CCF9}"/>
+                </a:ext>
+              </a:extLst>
+            </p:cNvPr>
+            <p:cNvSpPr/>
+            <p:nvPr/>
+          </p:nvSpPr>
+          <p:spPr>
+            <a:xfrm>
+              <a:off x="13274365" y="0"/>
+              <a:ext cx="7452035" cy="6858000"/>
+            </a:xfrm>
+            <a:prstGeom prst="rect">
+              <a:avLst/>
+            </a:prstGeom>
+            <a:solidFill>
+              <a:schemeClr val="accent4">
+                <a:lumMod val="60000"/>
+                <a:lumOff val="40000"/>
+              </a:schemeClr>
+            </a:solidFill>
+            <a:ln w="28575">
+              <a:solidFill>
+                <a:schemeClr val="tx1"/>
+              </a:solidFill>
+            </a:ln>
+          </p:spPr>
+          <p:style>
+            <a:lnRef idx="2">
+              <a:schemeClr val="accent1">
+                <a:shade val="50000"/>
+              </a:schemeClr>
+            </a:lnRef>
+            <a:fillRef idx="1">
+              <a:schemeClr val="accent1"/>
+            </a:fillRef>
+            <a:effectRef idx="0">
+              <a:schemeClr val="accent1"/>
+            </a:effectRef>
+            <a:fontRef idx="minor">
+              <a:schemeClr val="lt1"/>
+            </a:fontRef>
+          </p:style>
+          <p:txBody>
+            <a:bodyPr rtlCol="0" anchor="ctr"/>
+            <a:lstStyle/>
+            <a:p>
+              <a:pPr algn="ctr"/>
+              <a:endParaRPr lang="en-BE"/>
+            </a:p>
+          </p:txBody>
+        </p:sp>
+        <p:sp>
+          <p:nvSpPr>
+            <p:cNvPr id="38" name="Rechthoek 37">
+              <a:extLst>
+                <a:ext uri="{FF2B5EF4-FFF2-40B4-BE49-F238E27FC236}">
+                  <a16:creationId xmlns:a16="http://schemas.microsoft.com/office/drawing/2014/main" id="{8942150B-6F63-2DAC-6107-2045FFBB832F}"/>
+                </a:ext>
+              </a:extLst>
+            </p:cNvPr>
+            <p:cNvSpPr/>
+            <p:nvPr/>
+          </p:nvSpPr>
+          <p:spPr>
+            <a:xfrm>
+              <a:off x="17000382" y="2891355"/>
+              <a:ext cx="611065" cy="923330"/>
+            </a:xfrm>
+            <a:prstGeom prst="rect">
+              <a:avLst/>
+            </a:prstGeom>
+            <a:noFill/>
+          </p:spPr>
+          <p:txBody>
+            <a:bodyPr wrap="none" lIns="91440" tIns="45720" rIns="91440" bIns="45720">
+              <a:spAutoFit/>
+            </a:bodyPr>
+            <a:lstStyle/>
+            <a:p>
+              <a:pPr algn="ctr"/>
+              <a:r>
+                <a:rPr lang="nl-NL" sz="5400" b="0" cap="none" spc="0" dirty="0">
+                  <a:ln w="0"/>
+                  <a:solidFill>
+                    <a:schemeClr val="accent1"/>
+                  </a:solidFill>
+                  <a:effectLst>
+                    <a:outerShdw blurRad="38100" dist="25400" dir="5400000" algn="ctr" rotWithShape="0">
+                      <a:srgbClr val="6E747A">
+                        <a:alpha val="43000"/>
+                      </a:srgbClr>
+                    </a:outerShdw>
+                  </a:effectLst>
+                </a:rPr>
+                <a:t>D</a:t>
+              </a:r>
+            </a:p>
+          </p:txBody>
+        </p:sp>
+      </p:grpSp>
+      <p:grpSp>
+        <p:nvGrpSpPr>
+          <p:cNvPr id="42" name="Groep 41">
+            <a:extLst>
+              <a:ext uri="{FF2B5EF4-FFF2-40B4-BE49-F238E27FC236}">
+                <a16:creationId xmlns:a16="http://schemas.microsoft.com/office/drawing/2014/main" id="{CD0D8603-BA00-70B9-6143-29F2360C0161}"/>
+              </a:ext>
+            </a:extLst>
+          </p:cNvPr>
+          <p:cNvGrpSpPr/>
+          <p:nvPr/>
+        </p:nvGrpSpPr>
+        <p:grpSpPr>
+          <a:xfrm>
+            <a:off x="4740651" y="0"/>
+            <a:ext cx="7452035" cy="6858000"/>
+            <a:chOff x="12763176" y="11597"/>
+            <a:chExt cx="7452035" cy="6858000"/>
+          </a:xfrm>
+        </p:grpSpPr>
+        <p:sp>
+          <p:nvSpPr>
+            <p:cNvPr id="43" name="Rechthoek 42">
+              <a:extLst>
+                <a:ext uri="{FF2B5EF4-FFF2-40B4-BE49-F238E27FC236}">
+                  <a16:creationId xmlns:a16="http://schemas.microsoft.com/office/drawing/2014/main" id="{CF518515-6823-3510-0E20-C4F36155403A}"/>
+                </a:ext>
+              </a:extLst>
+            </p:cNvPr>
+            <p:cNvSpPr/>
+            <p:nvPr/>
+          </p:nvSpPr>
+          <p:spPr>
+            <a:xfrm>
+              <a:off x="12763176" y="11597"/>
+              <a:ext cx="7452035" cy="6858000"/>
+            </a:xfrm>
+            <a:prstGeom prst="rect">
+              <a:avLst/>
+            </a:prstGeom>
+            <a:solidFill>
+              <a:schemeClr val="accent4">
+                <a:lumMod val="60000"/>
+                <a:lumOff val="40000"/>
+              </a:schemeClr>
+            </a:solidFill>
+            <a:ln w="28575">
+              <a:solidFill>
+                <a:schemeClr val="tx1"/>
+              </a:solidFill>
+            </a:ln>
+          </p:spPr>
+          <p:style>
+            <a:lnRef idx="2">
+              <a:schemeClr val="accent1">
+                <a:shade val="50000"/>
+              </a:schemeClr>
+            </a:lnRef>
+            <a:fillRef idx="1">
+              <a:schemeClr val="accent1"/>
+            </a:fillRef>
+            <a:effectRef idx="0">
+              <a:schemeClr val="accent1"/>
+            </a:effectRef>
+            <a:fontRef idx="minor">
+              <a:schemeClr val="lt1"/>
+            </a:fontRef>
+          </p:style>
+          <p:txBody>
+            <a:bodyPr rtlCol="0" anchor="ctr"/>
+            <a:lstStyle/>
+            <a:p>
+              <a:pPr algn="ctr"/>
+              <a:endParaRPr lang="en-BE" dirty="0"/>
+            </a:p>
+          </p:txBody>
+        </p:sp>
+        <p:sp>
+          <p:nvSpPr>
+            <p:cNvPr id="44" name="Rechthoek 43">
+              <a:extLst>
+                <a:ext uri="{FF2B5EF4-FFF2-40B4-BE49-F238E27FC236}">
+                  <a16:creationId xmlns:a16="http://schemas.microsoft.com/office/drawing/2014/main" id="{4972CBA9-5C35-2CDD-047B-9D0C36217A8C}"/>
+                </a:ext>
+              </a:extLst>
+            </p:cNvPr>
+            <p:cNvSpPr/>
+            <p:nvPr/>
+          </p:nvSpPr>
+          <p:spPr>
+            <a:xfrm>
+              <a:off x="16426019" y="2785420"/>
+              <a:ext cx="522900" cy="923330"/>
+            </a:xfrm>
+            <a:prstGeom prst="rect">
+              <a:avLst/>
+            </a:prstGeom>
+            <a:noFill/>
+          </p:spPr>
+          <p:txBody>
+            <a:bodyPr wrap="none" lIns="91440" tIns="45720" rIns="91440" bIns="45720">
+              <a:spAutoFit/>
+            </a:bodyPr>
+            <a:lstStyle/>
+            <a:p>
+              <a:pPr algn="ctr"/>
+              <a:r>
+                <a:rPr lang="nl-NL" sz="5400" dirty="0">
+                  <a:ln w="0"/>
+                  <a:solidFill>
+                    <a:schemeClr val="accent1"/>
+                  </a:solidFill>
+                  <a:effectLst>
+                    <a:outerShdw blurRad="38100" dist="25400" dir="5400000" algn="ctr" rotWithShape="0">
+                      <a:srgbClr val="6E747A">
+                        <a:alpha val="43000"/>
+                      </a:srgbClr>
+                    </a:outerShdw>
+                  </a:effectLst>
+                </a:rPr>
+                <a:t>E</a:t>
+              </a:r>
+              <a:endParaRPr lang="nl-NL" sz="5400" b="0" cap="none" spc="0" dirty="0">
+                <a:ln w="0"/>
+                <a:solidFill>
+                  <a:schemeClr val="accent1"/>
+                </a:solidFill>
+                <a:effectLst>
+                  <a:outerShdw blurRad="38100" dist="25400" dir="5400000" algn="ctr" rotWithShape="0">
+                    <a:srgbClr val="6E747A">
+                      <a:alpha val="43000"/>
+                    </a:srgbClr>
+                  </a:outerShdw>
+                </a:effectLst>
+              </a:endParaRPr>
+            </a:p>
+          </p:txBody>
+        </p:sp>
+      </p:grpSp>
     </p:spTree>
     <p:extLst>
       <p:ext uri="{BB962C8B-B14F-4D97-AF65-F5344CB8AC3E}">
-        <p14:creationId xmlns:p14="http://schemas.microsoft.com/office/powerpoint/2010/main" val="814189858"/>
+        <p14:creationId xmlns:p14="http://schemas.microsoft.com/office/powerpoint/2010/main" val="815094184"/>
       </p:ext>
     </p:extLst>
   </p:cSld>
   <p:clrMapOvr>
     <a:masterClrMapping/>
   </p:clrMapOvr>
-  <mc:AlternateContent xmlns:mc="http://schemas.openxmlformats.org/markup-compatibility/2006">
-    <mc:Choice xmlns:p159="http://schemas.microsoft.com/office/powerpoint/2015/09/main" Requires="p159">
+  <mc:AlternateContent xmlns:mc="http://schemas.openxmlformats.org/markup-compatibility/2006" xmlns:p159="http://schemas.microsoft.com/office/powerpoint/2015/09/main">
+    <mc:Choice Requires="p159">
       <p:transition xmlns:p14="http://schemas.microsoft.com/office/powerpoint/2010/main" spd="slow" p14:dur="2000">
         <p159:morph option="byObject"/>
       </p:transition>
     </mc:Choice>
-    <mc:Fallback>
+    <mc:Fallback xmlns="">
       <p:transition spd="slow">
         <p:fade/>
       </p:transition>
@@ -12751,7 +14775,7 @@
 </p:sld>
 </file>
 
-<file path=ppt/slides/slide8.xml><?xml version="1.0" encoding="utf-8"?>
+<file path=ppt/slides/slide7.xml><?xml version="1.0" encoding="utf-8"?>
 <p:sld xmlns:a="http://schemas.openxmlformats.org/drawingml/2006/main" xmlns:r="http://schemas.openxmlformats.org/officeDocument/2006/relationships" xmlns:p="http://schemas.openxmlformats.org/presentationml/2006/main">
   <p:cSld>
     <p:spTree>
@@ -12770,10 +14794,10 @@
       </p:grpSpPr>
       <p:sp>
         <p:nvSpPr>
-          <p:cNvPr id="5" name="Rechthoek 4">
+          <p:cNvPr id="2" name="Rechthoek 1">
             <a:extLst>
               <a:ext uri="{FF2B5EF4-FFF2-40B4-BE49-F238E27FC236}">
-                <a16:creationId xmlns:a16="http://schemas.microsoft.com/office/drawing/2014/main" id="{3F15E4DA-C87A-B55F-FD89-53AA960C42D0}"/>
+                <a16:creationId xmlns:a16="http://schemas.microsoft.com/office/drawing/2014/main" id="{1FE127AC-279D-545B-8C12-073E000963E9}"/>
               </a:ext>
             </a:extLst>
           </p:cNvPr>
@@ -12819,10 +14843,10 @@
       </p:sp>
       <p:grpSp>
         <p:nvGrpSpPr>
-          <p:cNvPr id="6" name="Groep 5">
+          <p:cNvPr id="3" name="Groep 2">
             <a:extLst>
               <a:ext uri="{FF2B5EF4-FFF2-40B4-BE49-F238E27FC236}">
-                <a16:creationId xmlns:a16="http://schemas.microsoft.com/office/drawing/2014/main" id="{F3F3139F-EF2D-76C5-2130-F113EA5714C8}"/>
+                <a16:creationId xmlns:a16="http://schemas.microsoft.com/office/drawing/2014/main" id="{5A4D2AC5-4893-B5F4-A11B-EAE22AB4EA0B}"/>
               </a:ext>
             </a:extLst>
           </p:cNvPr>
@@ -12831,7 +14855,7 @@
         </p:nvGrpSpPr>
         <p:grpSpPr>
           <a:xfrm>
-            <a:off x="1996262" y="0"/>
+            <a:off x="-518338" y="0"/>
             <a:ext cx="2994371" cy="6858000"/>
             <a:chOff x="1969195" y="0"/>
             <a:chExt cx="2994371" cy="6858000"/>
@@ -12839,10 +14863,10 @@
         </p:grpSpPr>
         <p:sp>
           <p:nvSpPr>
-            <p:cNvPr id="7" name="Rechthoek 6">
-              <a:extLst>
-                <a:ext uri="{FF2B5EF4-FFF2-40B4-BE49-F238E27FC236}">
-                  <a16:creationId xmlns:a16="http://schemas.microsoft.com/office/drawing/2014/main" id="{F85F4917-D411-795B-4675-1C0742773E4B}"/>
+            <p:cNvPr id="4" name="Rechthoek 3">
+              <a:extLst>
+                <a:ext uri="{FF2B5EF4-FFF2-40B4-BE49-F238E27FC236}">
+                  <a16:creationId xmlns:a16="http://schemas.microsoft.com/office/drawing/2014/main" id="{060677CA-E7F9-711F-0912-2E2159C10610}"/>
                 </a:ext>
               </a:extLst>
             </p:cNvPr>
@@ -12893,10 +14917,10 @@
         </p:sp>
         <p:sp>
           <p:nvSpPr>
-            <p:cNvPr id="8" name="Rechthoek 7">
-              <a:extLst>
-                <a:ext uri="{FF2B5EF4-FFF2-40B4-BE49-F238E27FC236}">
-                  <a16:creationId xmlns:a16="http://schemas.microsoft.com/office/drawing/2014/main" id="{730EB27E-B59C-B8C1-3A98-6FBFC7496C57}"/>
+            <p:cNvPr id="5" name="Rechthoek 4">
+              <a:extLst>
+                <a:ext uri="{FF2B5EF4-FFF2-40B4-BE49-F238E27FC236}">
+                  <a16:creationId xmlns:a16="http://schemas.microsoft.com/office/drawing/2014/main" id="{50ED7B1F-82E2-D09B-E3B3-C0F305B98491}"/>
                 </a:ext>
               </a:extLst>
             </p:cNvPr>
@@ -12941,10 +14965,10 @@
         </p:sp>
         <p:sp>
           <p:nvSpPr>
-            <p:cNvPr id="9" name="Tekstvak 8">
-              <a:extLst>
-                <a:ext uri="{FF2B5EF4-FFF2-40B4-BE49-F238E27FC236}">
-                  <a16:creationId xmlns:a16="http://schemas.microsoft.com/office/drawing/2014/main" id="{8E559C3F-DFFF-F2DD-75B3-38839D265378}"/>
+            <p:cNvPr id="6" name="Tekstvak 5">
+              <a:extLst>
+                <a:ext uri="{FF2B5EF4-FFF2-40B4-BE49-F238E27FC236}">
+                  <a16:creationId xmlns:a16="http://schemas.microsoft.com/office/drawing/2014/main" id="{BA98E5E2-3BBE-01E6-B3D5-339B02319A15}"/>
                 </a:ext>
               </a:extLst>
             </p:cNvPr>
@@ -12981,10 +15005,10 @@
         </p:sp>
         <p:sp>
           <p:nvSpPr>
-            <p:cNvPr id="10" name="Tekstvak 9">
-              <a:extLst>
-                <a:ext uri="{FF2B5EF4-FFF2-40B4-BE49-F238E27FC236}">
-                  <a16:creationId xmlns:a16="http://schemas.microsoft.com/office/drawing/2014/main" id="{D5048B21-6D7B-C95E-ED5B-3E7C5C8C609F}"/>
+            <p:cNvPr id="7" name="Tekstvak 6">
+              <a:extLst>
+                <a:ext uri="{FF2B5EF4-FFF2-40B4-BE49-F238E27FC236}">
+                  <a16:creationId xmlns:a16="http://schemas.microsoft.com/office/drawing/2014/main" id="{83498C73-D23D-5EE6-9F45-CD8C35E8FDCE}"/>
                 </a:ext>
               </a:extLst>
             </p:cNvPr>
@@ -13021,10 +15045,10 @@
         </p:sp>
         <p:sp>
           <p:nvSpPr>
-            <p:cNvPr id="11" name="Tekstvak 10">
-              <a:extLst>
-                <a:ext uri="{FF2B5EF4-FFF2-40B4-BE49-F238E27FC236}">
-                  <a16:creationId xmlns:a16="http://schemas.microsoft.com/office/drawing/2014/main" id="{AE6B863C-8E34-C33A-6A04-3B1BD09390D2}"/>
+            <p:cNvPr id="8" name="Tekstvak 7">
+              <a:extLst>
+                <a:ext uri="{FF2B5EF4-FFF2-40B4-BE49-F238E27FC236}">
+                  <a16:creationId xmlns:a16="http://schemas.microsoft.com/office/drawing/2014/main" id="{CE3BF0E6-70DA-C641-5FDA-E4BD07EB17A6}"/>
                 </a:ext>
               </a:extLst>
             </p:cNvPr>
@@ -13061,10 +15085,10 @@
         </p:sp>
         <p:sp>
           <p:nvSpPr>
-            <p:cNvPr id="12" name="Tekstvak 11">
-              <a:extLst>
-                <a:ext uri="{FF2B5EF4-FFF2-40B4-BE49-F238E27FC236}">
-                  <a16:creationId xmlns:a16="http://schemas.microsoft.com/office/drawing/2014/main" id="{BE2CFB30-21F6-3209-912F-160FAADAAB41}"/>
+            <p:cNvPr id="9" name="Tekstvak 8">
+              <a:extLst>
+                <a:ext uri="{FF2B5EF4-FFF2-40B4-BE49-F238E27FC236}">
+                  <a16:creationId xmlns:a16="http://schemas.microsoft.com/office/drawing/2014/main" id="{519D5B52-3D8D-7CA1-28F1-6504DFF59FFE}"/>
                 </a:ext>
               </a:extLst>
             </p:cNvPr>
@@ -13102,10 +15126,10 @@
       </p:grpSp>
       <p:grpSp>
         <p:nvGrpSpPr>
-          <p:cNvPr id="13" name="Groep 12">
+          <p:cNvPr id="10" name="Groep 9">
             <a:extLst>
               <a:ext uri="{FF2B5EF4-FFF2-40B4-BE49-F238E27FC236}">
-                <a16:creationId xmlns:a16="http://schemas.microsoft.com/office/drawing/2014/main" id="{EB5F117C-F403-3507-FAF2-E16D7A8FDAFB}"/>
+                <a16:creationId xmlns:a16="http://schemas.microsoft.com/office/drawing/2014/main" id="{B0692E95-9A84-A4B8-753D-DF9A5F25CDBA}"/>
               </a:ext>
             </a:extLst>
           </p:cNvPr>
@@ -13114,7 +15138,7 @@
         </p:nvGrpSpPr>
         <p:grpSpPr>
           <a:xfrm>
-            <a:off x="4543429" y="0"/>
+            <a:off x="2028829" y="0"/>
             <a:ext cx="2994371" cy="6858000"/>
             <a:chOff x="4516362" y="0"/>
             <a:chExt cx="2994371" cy="6858000"/>
@@ -13122,10 +15146,10 @@
         </p:grpSpPr>
         <p:sp>
           <p:nvSpPr>
-            <p:cNvPr id="14" name="Rechthoek 13">
-              <a:extLst>
-                <a:ext uri="{FF2B5EF4-FFF2-40B4-BE49-F238E27FC236}">
-                  <a16:creationId xmlns:a16="http://schemas.microsoft.com/office/drawing/2014/main" id="{2400EFA5-3199-2A86-0408-2189F578CC79}"/>
+            <p:cNvPr id="11" name="Rechthoek 10">
+              <a:extLst>
+                <a:ext uri="{FF2B5EF4-FFF2-40B4-BE49-F238E27FC236}">
+                  <a16:creationId xmlns:a16="http://schemas.microsoft.com/office/drawing/2014/main" id="{91A13410-74AC-3054-013F-D4024004E02E}"/>
                 </a:ext>
               </a:extLst>
             </p:cNvPr>
@@ -13176,10 +15200,10 @@
         </p:sp>
         <p:sp>
           <p:nvSpPr>
-            <p:cNvPr id="15" name="Rechthoek 14">
-              <a:extLst>
-                <a:ext uri="{FF2B5EF4-FFF2-40B4-BE49-F238E27FC236}">
-                  <a16:creationId xmlns:a16="http://schemas.microsoft.com/office/drawing/2014/main" id="{416BF78D-FCFC-5502-5114-78E3D4E297C3}"/>
+            <p:cNvPr id="12" name="Rechthoek 11">
+              <a:extLst>
+                <a:ext uri="{FF2B5EF4-FFF2-40B4-BE49-F238E27FC236}">
+                  <a16:creationId xmlns:a16="http://schemas.microsoft.com/office/drawing/2014/main" id="{506FDC5A-94D5-2AD4-4A98-E9C1E90416BE}"/>
                 </a:ext>
               </a:extLst>
             </p:cNvPr>
@@ -13224,10 +15248,10 @@
         </p:sp>
         <p:sp>
           <p:nvSpPr>
-            <p:cNvPr id="16" name="Tekstvak 15">
-              <a:extLst>
-                <a:ext uri="{FF2B5EF4-FFF2-40B4-BE49-F238E27FC236}">
-                  <a16:creationId xmlns:a16="http://schemas.microsoft.com/office/drawing/2014/main" id="{EA96CEBF-E963-D249-AD7A-9E1EB1654F32}"/>
+            <p:cNvPr id="13" name="Tekstvak 12">
+              <a:extLst>
+                <a:ext uri="{FF2B5EF4-FFF2-40B4-BE49-F238E27FC236}">
+                  <a16:creationId xmlns:a16="http://schemas.microsoft.com/office/drawing/2014/main" id="{D1FEC182-9EB2-C77C-FBD7-F58B63EC3423}"/>
                 </a:ext>
               </a:extLst>
             </p:cNvPr>
@@ -13264,10 +15288,10 @@
         </p:sp>
         <p:sp>
           <p:nvSpPr>
-            <p:cNvPr id="17" name="Tekstvak 16">
-              <a:extLst>
-                <a:ext uri="{FF2B5EF4-FFF2-40B4-BE49-F238E27FC236}">
-                  <a16:creationId xmlns:a16="http://schemas.microsoft.com/office/drawing/2014/main" id="{1426A953-E7D5-FEC6-BAA8-8FE3293B5709}"/>
+            <p:cNvPr id="14" name="Tekstvak 13">
+              <a:extLst>
+                <a:ext uri="{FF2B5EF4-FFF2-40B4-BE49-F238E27FC236}">
+                  <a16:creationId xmlns:a16="http://schemas.microsoft.com/office/drawing/2014/main" id="{C90DD2DC-A917-FE42-E8AD-33E7F3D1CAA5}"/>
                 </a:ext>
               </a:extLst>
             </p:cNvPr>
@@ -13304,10 +15328,10 @@
         </p:sp>
         <p:sp>
           <p:nvSpPr>
-            <p:cNvPr id="18" name="Tekstvak 17">
-              <a:extLst>
-                <a:ext uri="{FF2B5EF4-FFF2-40B4-BE49-F238E27FC236}">
-                  <a16:creationId xmlns:a16="http://schemas.microsoft.com/office/drawing/2014/main" id="{DF41D82E-8A98-9DC4-E42B-712EB47A31D4}"/>
+            <p:cNvPr id="15" name="Tekstvak 14">
+              <a:extLst>
+                <a:ext uri="{FF2B5EF4-FFF2-40B4-BE49-F238E27FC236}">
+                  <a16:creationId xmlns:a16="http://schemas.microsoft.com/office/drawing/2014/main" id="{62CDB854-550A-CBDB-7617-1F26C1066895}"/>
                 </a:ext>
               </a:extLst>
             </p:cNvPr>
@@ -13344,10 +15368,10 @@
         </p:sp>
         <p:sp>
           <p:nvSpPr>
-            <p:cNvPr id="19" name="Tekstvak 18">
-              <a:extLst>
-                <a:ext uri="{FF2B5EF4-FFF2-40B4-BE49-F238E27FC236}">
-                  <a16:creationId xmlns:a16="http://schemas.microsoft.com/office/drawing/2014/main" id="{18176645-CEE3-8B79-5800-1079064FF350}"/>
+            <p:cNvPr id="16" name="Tekstvak 15">
+              <a:extLst>
+                <a:ext uri="{FF2B5EF4-FFF2-40B4-BE49-F238E27FC236}">
+                  <a16:creationId xmlns:a16="http://schemas.microsoft.com/office/drawing/2014/main" id="{E78C94F5-CB90-E562-B9CC-EEF8C4941067}"/>
                 </a:ext>
               </a:extLst>
             </p:cNvPr>
@@ -13385,10 +15409,10 @@
       </p:grpSp>
       <p:grpSp>
         <p:nvGrpSpPr>
-          <p:cNvPr id="20" name="Groep 19">
+          <p:cNvPr id="17" name="Groep 16">
             <a:extLst>
               <a:ext uri="{FF2B5EF4-FFF2-40B4-BE49-F238E27FC236}">
-                <a16:creationId xmlns:a16="http://schemas.microsoft.com/office/drawing/2014/main" id="{A6D0751E-F063-5063-5045-DBA0ABB127E1}"/>
+                <a16:creationId xmlns:a16="http://schemas.microsoft.com/office/drawing/2014/main" id="{61A23C67-AB51-12F6-8DDB-59B6B92C00B6}"/>
               </a:ext>
             </a:extLst>
           </p:cNvPr>
@@ -13397,7 +15421,7 @@
         </p:nvGrpSpPr>
         <p:grpSpPr>
           <a:xfrm>
-            <a:off x="6928197" y="0"/>
+            <a:off x="4413597" y="0"/>
             <a:ext cx="2994371" cy="6858000"/>
             <a:chOff x="6912131" y="0"/>
             <a:chExt cx="2994371" cy="6858000"/>
@@ -13405,10 +15429,10 @@
         </p:grpSpPr>
         <p:sp>
           <p:nvSpPr>
-            <p:cNvPr id="21" name="Rechthoek 20">
-              <a:extLst>
-                <a:ext uri="{FF2B5EF4-FFF2-40B4-BE49-F238E27FC236}">
-                  <a16:creationId xmlns:a16="http://schemas.microsoft.com/office/drawing/2014/main" id="{E9E7A52D-D380-44CF-B609-2F43AA9B3E9F}"/>
+            <p:cNvPr id="18" name="Rechthoek 17">
+              <a:extLst>
+                <a:ext uri="{FF2B5EF4-FFF2-40B4-BE49-F238E27FC236}">
+                  <a16:creationId xmlns:a16="http://schemas.microsoft.com/office/drawing/2014/main" id="{4DBB4075-7EE1-1CFE-171B-93681F81BBA3}"/>
                 </a:ext>
               </a:extLst>
             </p:cNvPr>
@@ -13459,10 +15483,10 @@
         </p:sp>
         <p:sp>
           <p:nvSpPr>
-            <p:cNvPr id="22" name="Rechthoek 21">
-              <a:extLst>
-                <a:ext uri="{FF2B5EF4-FFF2-40B4-BE49-F238E27FC236}">
-                  <a16:creationId xmlns:a16="http://schemas.microsoft.com/office/drawing/2014/main" id="{117FE578-9F9D-4808-BC02-4275A5F60DD4}"/>
+            <p:cNvPr id="19" name="Rechthoek 18">
+              <a:extLst>
+                <a:ext uri="{FF2B5EF4-FFF2-40B4-BE49-F238E27FC236}">
+                  <a16:creationId xmlns:a16="http://schemas.microsoft.com/office/drawing/2014/main" id="{DF5AD3F6-D486-12C3-9959-AA7F928633C6}"/>
                 </a:ext>
               </a:extLst>
             </p:cNvPr>
@@ -13507,10 +15531,10 @@
         </p:sp>
         <p:sp>
           <p:nvSpPr>
-            <p:cNvPr id="23" name="Tekstvak 22">
-              <a:extLst>
-                <a:ext uri="{FF2B5EF4-FFF2-40B4-BE49-F238E27FC236}">
-                  <a16:creationId xmlns:a16="http://schemas.microsoft.com/office/drawing/2014/main" id="{723B9794-A904-0478-A322-E2721FFBB89E}"/>
+            <p:cNvPr id="20" name="Tekstvak 19">
+              <a:extLst>
+                <a:ext uri="{FF2B5EF4-FFF2-40B4-BE49-F238E27FC236}">
+                  <a16:creationId xmlns:a16="http://schemas.microsoft.com/office/drawing/2014/main" id="{8FB1FF03-D850-30C2-BFBE-F44D39C8B0BE}"/>
                 </a:ext>
               </a:extLst>
             </p:cNvPr>
@@ -13547,10 +15571,10 @@
         </p:sp>
         <p:sp>
           <p:nvSpPr>
-            <p:cNvPr id="24" name="Tekstvak 23">
-              <a:extLst>
-                <a:ext uri="{FF2B5EF4-FFF2-40B4-BE49-F238E27FC236}">
-                  <a16:creationId xmlns:a16="http://schemas.microsoft.com/office/drawing/2014/main" id="{E5042684-862B-4113-BEFD-C86595AEAA52}"/>
+            <p:cNvPr id="21" name="Tekstvak 20">
+              <a:extLst>
+                <a:ext uri="{FF2B5EF4-FFF2-40B4-BE49-F238E27FC236}">
+                  <a16:creationId xmlns:a16="http://schemas.microsoft.com/office/drawing/2014/main" id="{3A6A2BE7-3353-05D4-BAE8-DF7952918D31}"/>
                 </a:ext>
               </a:extLst>
             </p:cNvPr>
@@ -13587,10 +15611,10 @@
         </p:sp>
         <p:sp>
           <p:nvSpPr>
-            <p:cNvPr id="25" name="Tekstvak 24">
-              <a:extLst>
-                <a:ext uri="{FF2B5EF4-FFF2-40B4-BE49-F238E27FC236}">
-                  <a16:creationId xmlns:a16="http://schemas.microsoft.com/office/drawing/2014/main" id="{D78E6EB2-45A5-0A11-4C1E-0CA7979BDC5F}"/>
+            <p:cNvPr id="22" name="Tekstvak 21">
+              <a:extLst>
+                <a:ext uri="{FF2B5EF4-FFF2-40B4-BE49-F238E27FC236}">
+                  <a16:creationId xmlns:a16="http://schemas.microsoft.com/office/drawing/2014/main" id="{9E006BF3-D5B5-83C8-464A-B50D839E83E0}"/>
                 </a:ext>
               </a:extLst>
             </p:cNvPr>
@@ -13627,10 +15651,10 @@
         </p:sp>
         <p:sp>
           <p:nvSpPr>
-            <p:cNvPr id="26" name="Tekstvak 25">
-              <a:extLst>
-                <a:ext uri="{FF2B5EF4-FFF2-40B4-BE49-F238E27FC236}">
-                  <a16:creationId xmlns:a16="http://schemas.microsoft.com/office/drawing/2014/main" id="{51B8F5B5-612A-680A-815D-F1D4275DF9C9}"/>
+            <p:cNvPr id="23" name="Tekstvak 22">
+              <a:extLst>
+                <a:ext uri="{FF2B5EF4-FFF2-40B4-BE49-F238E27FC236}">
+                  <a16:creationId xmlns:a16="http://schemas.microsoft.com/office/drawing/2014/main" id="{C297A042-AAC1-F4EE-9D3B-ED19A5D61B81}"/>
                 </a:ext>
               </a:extLst>
             </p:cNvPr>
@@ -13668,10 +15692,10 @@
       </p:grpSp>
       <p:grpSp>
         <p:nvGrpSpPr>
-          <p:cNvPr id="27" name="Groep 26">
+          <p:cNvPr id="24" name="Groep 23">
             <a:extLst>
               <a:ext uri="{FF2B5EF4-FFF2-40B4-BE49-F238E27FC236}">
-                <a16:creationId xmlns:a16="http://schemas.microsoft.com/office/drawing/2014/main" id="{1883BBCC-7B25-8314-D598-84739FC9542C}"/>
+                <a16:creationId xmlns:a16="http://schemas.microsoft.com/office/drawing/2014/main" id="{32DA68FF-7C63-2170-3680-6178F82692A8}"/>
               </a:ext>
             </a:extLst>
           </p:cNvPr>
@@ -13680,7 +15704,7 @@
         </p:nvGrpSpPr>
         <p:grpSpPr>
           <a:xfrm>
-            <a:off x="9421232" y="0"/>
+            <a:off x="6906632" y="0"/>
             <a:ext cx="2994371" cy="6858000"/>
             <a:chOff x="9394164" y="0"/>
             <a:chExt cx="2994371" cy="6858000"/>
@@ -13688,10 +15712,10 @@
         </p:grpSpPr>
         <p:sp>
           <p:nvSpPr>
-            <p:cNvPr id="28" name="Rechthoek 27">
-              <a:extLst>
-                <a:ext uri="{FF2B5EF4-FFF2-40B4-BE49-F238E27FC236}">
-                  <a16:creationId xmlns:a16="http://schemas.microsoft.com/office/drawing/2014/main" id="{35CD269E-3415-70BF-7D9E-A357A1B83F22}"/>
+            <p:cNvPr id="25" name="Rechthoek 24">
+              <a:extLst>
+                <a:ext uri="{FF2B5EF4-FFF2-40B4-BE49-F238E27FC236}">
+                  <a16:creationId xmlns:a16="http://schemas.microsoft.com/office/drawing/2014/main" id="{D7801139-47FB-74C0-A5A5-0563C2F627E7}"/>
                 </a:ext>
               </a:extLst>
             </p:cNvPr>
@@ -13742,10 +15766,10 @@
         </p:sp>
         <p:sp>
           <p:nvSpPr>
-            <p:cNvPr id="29" name="Rechthoek 28">
-              <a:extLst>
-                <a:ext uri="{FF2B5EF4-FFF2-40B4-BE49-F238E27FC236}">
-                  <a16:creationId xmlns:a16="http://schemas.microsoft.com/office/drawing/2014/main" id="{D13ED792-48F1-3125-CD9C-54AC45C62444}"/>
+            <p:cNvPr id="26" name="Rechthoek 25">
+              <a:extLst>
+                <a:ext uri="{FF2B5EF4-FFF2-40B4-BE49-F238E27FC236}">
+                  <a16:creationId xmlns:a16="http://schemas.microsoft.com/office/drawing/2014/main" id="{5CB19CB5-D49E-1FE4-CED7-5DA4AF5C362C}"/>
                 </a:ext>
               </a:extLst>
             </p:cNvPr>
@@ -13790,10 +15814,10 @@
         </p:sp>
         <p:sp>
           <p:nvSpPr>
-            <p:cNvPr id="30" name="Tekstvak 29">
-              <a:extLst>
-                <a:ext uri="{FF2B5EF4-FFF2-40B4-BE49-F238E27FC236}">
-                  <a16:creationId xmlns:a16="http://schemas.microsoft.com/office/drawing/2014/main" id="{EEA04EB6-E23C-5EAC-87E7-CA5D44E92060}"/>
+            <p:cNvPr id="27" name="Tekstvak 26">
+              <a:extLst>
+                <a:ext uri="{FF2B5EF4-FFF2-40B4-BE49-F238E27FC236}">
+                  <a16:creationId xmlns:a16="http://schemas.microsoft.com/office/drawing/2014/main" id="{53DB5E77-BBE7-51C9-3306-9E9C68B47172}"/>
                 </a:ext>
               </a:extLst>
             </p:cNvPr>
@@ -13830,10 +15854,10 @@
         </p:sp>
         <p:sp>
           <p:nvSpPr>
-            <p:cNvPr id="31" name="Tekstvak 30">
-              <a:extLst>
-                <a:ext uri="{FF2B5EF4-FFF2-40B4-BE49-F238E27FC236}">
-                  <a16:creationId xmlns:a16="http://schemas.microsoft.com/office/drawing/2014/main" id="{A185C605-7316-C793-FE0F-F024BA704E76}"/>
+            <p:cNvPr id="28" name="Tekstvak 27">
+              <a:extLst>
+                <a:ext uri="{FF2B5EF4-FFF2-40B4-BE49-F238E27FC236}">
+                  <a16:creationId xmlns:a16="http://schemas.microsoft.com/office/drawing/2014/main" id="{0F68082C-FC7F-99BC-8E55-C9A85DF16636}"/>
                 </a:ext>
               </a:extLst>
             </p:cNvPr>
@@ -13870,10 +15894,10 @@
         </p:sp>
         <p:sp>
           <p:nvSpPr>
-            <p:cNvPr id="32" name="Tekstvak 31">
-              <a:extLst>
-                <a:ext uri="{FF2B5EF4-FFF2-40B4-BE49-F238E27FC236}">
-                  <a16:creationId xmlns:a16="http://schemas.microsoft.com/office/drawing/2014/main" id="{F8028E8D-43F6-A259-E55A-6D1240EF8718}"/>
+            <p:cNvPr id="29" name="Tekstvak 28">
+              <a:extLst>
+                <a:ext uri="{FF2B5EF4-FFF2-40B4-BE49-F238E27FC236}">
+                  <a16:creationId xmlns:a16="http://schemas.microsoft.com/office/drawing/2014/main" id="{C489A7C4-8CDC-94E6-CE02-44F327A056F0}"/>
                 </a:ext>
               </a:extLst>
             </p:cNvPr>
@@ -13910,10 +15934,10 @@
         </p:sp>
         <p:sp>
           <p:nvSpPr>
-            <p:cNvPr id="33" name="Tekstvak 32">
-              <a:extLst>
-                <a:ext uri="{FF2B5EF4-FFF2-40B4-BE49-F238E27FC236}">
-                  <a16:creationId xmlns:a16="http://schemas.microsoft.com/office/drawing/2014/main" id="{B8FAF002-D8C8-83C6-87D7-ABC4BDF28EEF}"/>
+            <p:cNvPr id="30" name="Tekstvak 29">
+              <a:extLst>
+                <a:ext uri="{FF2B5EF4-FFF2-40B4-BE49-F238E27FC236}">
+                  <a16:creationId xmlns:a16="http://schemas.microsoft.com/office/drawing/2014/main" id="{D96B4B92-36FD-8B30-1C4C-170F41C336E1}"/>
                 </a:ext>
               </a:extLst>
             </p:cNvPr>
@@ -13951,10 +15975,10 @@
       </p:grpSp>
       <p:sp>
         <p:nvSpPr>
-          <p:cNvPr id="34" name="Rechthoek 33">
+          <p:cNvPr id="31" name="Rechthoek 30">
             <a:extLst>
               <a:ext uri="{FF2B5EF4-FFF2-40B4-BE49-F238E27FC236}">
-                <a16:creationId xmlns:a16="http://schemas.microsoft.com/office/drawing/2014/main" id="{FA1FB577-67F3-9CD6-88A6-B20D63C57BC4}"/>
+                <a16:creationId xmlns:a16="http://schemas.microsoft.com/office/drawing/2014/main" id="{B72071BB-0F13-6CB7-7661-70DE6D2E04E2}"/>
               </a:ext>
             </a:extLst>
           </p:cNvPr>
@@ -14007,10 +16031,10 @@
       </p:sp>
       <p:sp>
         <p:nvSpPr>
-          <p:cNvPr id="35" name="Rechthoek 34">
+          <p:cNvPr id="33" name="Rechthoek 32">
             <a:extLst>
               <a:ext uri="{FF2B5EF4-FFF2-40B4-BE49-F238E27FC236}">
-                <a16:creationId xmlns:a16="http://schemas.microsoft.com/office/drawing/2014/main" id="{18C83ABA-5BDA-AB17-FB63-EA2E813B0DFD}"/>
+                <a16:creationId xmlns:a16="http://schemas.microsoft.com/office/drawing/2014/main" id="{6CFE3287-6BBA-720E-EAAF-E5B3CF25A66A}"/>
               </a:ext>
             </a:extLst>
           </p:cNvPr>
@@ -14019,8 +16043,1732 @@
         </p:nvSpPr>
         <p:spPr>
           <a:xfrm>
-            <a:off x="4762467" y="0"/>
-            <a:ext cx="9604895" cy="6858000"/>
+            <a:off x="-10049" y="2616144"/>
+            <a:ext cx="2244525" cy="1754326"/>
+          </a:xfrm>
+          <a:prstGeom prst="rect">
+            <a:avLst/>
+          </a:prstGeom>
+          <a:noFill/>
+        </p:spPr>
+        <p:txBody>
+          <a:bodyPr wrap="none" lIns="91440" tIns="45720" rIns="91440" bIns="45720">
+            <a:spAutoFit/>
+          </a:bodyPr>
+          <a:lstStyle/>
+          <a:p>
+            <a:pPr algn="ctr"/>
+            <a:r>
+              <a:rPr lang="nl-NL" sz="3600" b="0" cap="none" spc="0" dirty="0">
+                <a:ln w="0"/>
+                <a:effectLst>
+                  <a:outerShdw blurRad="38100" dist="25400" dir="5400000" algn="ctr" rotWithShape="0">
+                    <a:srgbClr val="6E747A">
+                      <a:alpha val="43000"/>
+                    </a:srgbClr>
+                  </a:outerShdw>
+                </a:effectLst>
+              </a:rPr>
+              <a:t>Project </a:t>
+            </a:r>
+          </a:p>
+          <a:p>
+            <a:pPr algn="ctr"/>
+            <a:r>
+              <a:rPr lang="nl-NL" sz="3600" dirty="0" err="1">
+                <a:ln w="0"/>
+                <a:effectLst>
+                  <a:outerShdw blurRad="38100" dist="25400" dir="5400000" algn="ctr" rotWithShape="0">
+                    <a:srgbClr val="6E747A">
+                      <a:alpha val="43000"/>
+                    </a:srgbClr>
+                  </a:outerShdw>
+                </a:effectLst>
+              </a:rPr>
+              <a:t>Experience</a:t>
+            </a:r>
+            <a:endParaRPr lang="nl-NL" sz="3600" dirty="0">
+              <a:ln w="0"/>
+              <a:effectLst>
+                <a:outerShdw blurRad="38100" dist="25400" dir="5400000" algn="ctr" rotWithShape="0">
+                  <a:srgbClr val="6E747A">
+                    <a:alpha val="43000"/>
+                  </a:srgbClr>
+                </a:outerShdw>
+              </a:effectLst>
+            </a:endParaRPr>
+          </a:p>
+          <a:p>
+            <a:pPr algn="ctr"/>
+            <a:r>
+              <a:rPr lang="nl-NL" sz="3600" dirty="0">
+                <a:ln w="0"/>
+                <a:effectLst>
+                  <a:outerShdw blurRad="38100" dist="25400" dir="5400000" algn="ctr" rotWithShape="0">
+                    <a:srgbClr val="6E747A">
+                      <a:alpha val="43000"/>
+                    </a:srgbClr>
+                  </a:outerShdw>
+                </a:effectLst>
+              </a:rPr>
+              <a:t>I.0</a:t>
+            </a:r>
+            <a:endParaRPr lang="nl-NL" sz="3600" b="0" cap="none" spc="0" dirty="0">
+              <a:ln w="0"/>
+              <a:effectLst>
+                <a:outerShdw blurRad="38100" dist="25400" dir="5400000" algn="ctr" rotWithShape="0">
+                  <a:srgbClr val="6E747A">
+                    <a:alpha val="43000"/>
+                  </a:srgbClr>
+                </a:outerShdw>
+              </a:effectLst>
+            </a:endParaRPr>
+          </a:p>
+        </p:txBody>
+      </p:sp>
+      <p:grpSp>
+        <p:nvGrpSpPr>
+          <p:cNvPr id="42" name="Groep 41">
+            <a:extLst>
+              <a:ext uri="{FF2B5EF4-FFF2-40B4-BE49-F238E27FC236}">
+                <a16:creationId xmlns:a16="http://schemas.microsoft.com/office/drawing/2014/main" id="{C816231B-C4BB-9B56-4D8D-0012618F3290}"/>
+              </a:ext>
+            </a:extLst>
+          </p:cNvPr>
+          <p:cNvGrpSpPr/>
+          <p:nvPr/>
+        </p:nvGrpSpPr>
+        <p:grpSpPr>
+          <a:xfrm>
+            <a:off x="12971018" y="0"/>
+            <a:ext cx="7452035" cy="6858000"/>
+            <a:chOff x="4739965" y="0"/>
+            <a:chExt cx="7452035" cy="6858000"/>
+          </a:xfrm>
+        </p:grpSpPr>
+        <p:sp>
+          <p:nvSpPr>
+            <p:cNvPr id="43" name="Rechthoek 42">
+              <a:extLst>
+                <a:ext uri="{FF2B5EF4-FFF2-40B4-BE49-F238E27FC236}">
+                  <a16:creationId xmlns:a16="http://schemas.microsoft.com/office/drawing/2014/main" id="{72EFED72-CF7F-4C03-DA2F-86D981A3F114}"/>
+                </a:ext>
+              </a:extLst>
+            </p:cNvPr>
+            <p:cNvSpPr/>
+            <p:nvPr/>
+          </p:nvSpPr>
+          <p:spPr>
+            <a:xfrm>
+              <a:off x="4739965" y="0"/>
+              <a:ext cx="7452035" cy="6858000"/>
+            </a:xfrm>
+            <a:prstGeom prst="rect">
+              <a:avLst/>
+            </a:prstGeom>
+            <a:solidFill>
+              <a:schemeClr val="accent4">
+                <a:lumMod val="60000"/>
+                <a:lumOff val="40000"/>
+              </a:schemeClr>
+            </a:solidFill>
+            <a:ln w="28575">
+              <a:solidFill>
+                <a:schemeClr val="tx1"/>
+              </a:solidFill>
+            </a:ln>
+          </p:spPr>
+          <p:style>
+            <a:lnRef idx="2">
+              <a:schemeClr val="accent1">
+                <a:shade val="50000"/>
+              </a:schemeClr>
+            </a:lnRef>
+            <a:fillRef idx="1">
+              <a:schemeClr val="accent1"/>
+            </a:fillRef>
+            <a:effectRef idx="0">
+              <a:schemeClr val="accent1"/>
+            </a:effectRef>
+            <a:fontRef idx="minor">
+              <a:schemeClr val="lt1"/>
+            </a:fontRef>
+          </p:style>
+          <p:txBody>
+            <a:bodyPr rtlCol="0" anchor="ctr"/>
+            <a:lstStyle/>
+            <a:p>
+              <a:pPr algn="ctr"/>
+              <a:endParaRPr lang="en-BE"/>
+            </a:p>
+          </p:txBody>
+        </p:sp>
+        <p:sp>
+          <p:nvSpPr>
+            <p:cNvPr id="44" name="Rechthoek 43">
+              <a:extLst>
+                <a:ext uri="{FF2B5EF4-FFF2-40B4-BE49-F238E27FC236}">
+                  <a16:creationId xmlns:a16="http://schemas.microsoft.com/office/drawing/2014/main" id="{123A19B5-C297-2A3E-42CE-8ED9096B3DC6}"/>
+                </a:ext>
+              </a:extLst>
+            </p:cNvPr>
+            <p:cNvSpPr/>
+            <p:nvPr/>
+          </p:nvSpPr>
+          <p:spPr>
+            <a:xfrm>
+              <a:off x="8235858" y="2816198"/>
+              <a:ext cx="622286" cy="923330"/>
+            </a:xfrm>
+            <a:prstGeom prst="rect">
+              <a:avLst/>
+            </a:prstGeom>
+            <a:noFill/>
+          </p:spPr>
+          <p:txBody>
+            <a:bodyPr wrap="none" lIns="91440" tIns="45720" rIns="91440" bIns="45720">
+              <a:spAutoFit/>
+            </a:bodyPr>
+            <a:lstStyle/>
+            <a:p>
+              <a:pPr algn="ctr"/>
+              <a:r>
+                <a:rPr lang="nl-NL" sz="5400" b="0" cap="none" spc="0" dirty="0">
+                  <a:ln w="0"/>
+                  <a:solidFill>
+                    <a:schemeClr val="accent1"/>
+                  </a:solidFill>
+                  <a:effectLst>
+                    <a:outerShdw blurRad="38100" dist="25400" dir="5400000" algn="ctr" rotWithShape="0">
+                      <a:srgbClr val="6E747A">
+                        <a:alpha val="43000"/>
+                      </a:srgbClr>
+                    </a:outerShdw>
+                  </a:effectLst>
+                </a:rPr>
+                <a:t>G</a:t>
+              </a:r>
+            </a:p>
+          </p:txBody>
+        </p:sp>
+      </p:grpSp>
+      <p:grpSp>
+        <p:nvGrpSpPr>
+          <p:cNvPr id="48" name="Groep 47">
+            <a:extLst>
+              <a:ext uri="{FF2B5EF4-FFF2-40B4-BE49-F238E27FC236}">
+                <a16:creationId xmlns:a16="http://schemas.microsoft.com/office/drawing/2014/main" id="{9D8B404B-424F-A39B-0440-1B819EFE76E7}"/>
+              </a:ext>
+            </a:extLst>
+          </p:cNvPr>
+          <p:cNvGrpSpPr/>
+          <p:nvPr/>
+        </p:nvGrpSpPr>
+        <p:grpSpPr>
+          <a:xfrm>
+            <a:off x="4740651" y="0"/>
+            <a:ext cx="7452035" cy="6858000"/>
+            <a:chOff x="12763176" y="11597"/>
+            <a:chExt cx="7452035" cy="6858000"/>
+          </a:xfrm>
+        </p:grpSpPr>
+        <p:sp>
+          <p:nvSpPr>
+            <p:cNvPr id="49" name="Rechthoek 48">
+              <a:extLst>
+                <a:ext uri="{FF2B5EF4-FFF2-40B4-BE49-F238E27FC236}">
+                  <a16:creationId xmlns:a16="http://schemas.microsoft.com/office/drawing/2014/main" id="{D202021A-7A9F-95C3-846D-6BE75C8DCEED}"/>
+                </a:ext>
+              </a:extLst>
+            </p:cNvPr>
+            <p:cNvSpPr/>
+            <p:nvPr/>
+          </p:nvSpPr>
+          <p:spPr>
+            <a:xfrm>
+              <a:off x="12763176" y="11597"/>
+              <a:ext cx="7452035" cy="6858000"/>
+            </a:xfrm>
+            <a:prstGeom prst="rect">
+              <a:avLst/>
+            </a:prstGeom>
+            <a:solidFill>
+              <a:schemeClr val="accent4">
+                <a:lumMod val="60000"/>
+                <a:lumOff val="40000"/>
+              </a:schemeClr>
+            </a:solidFill>
+            <a:ln w="28575">
+              <a:solidFill>
+                <a:schemeClr val="tx1"/>
+              </a:solidFill>
+            </a:ln>
+          </p:spPr>
+          <p:style>
+            <a:lnRef idx="2">
+              <a:schemeClr val="accent1">
+                <a:shade val="50000"/>
+              </a:schemeClr>
+            </a:lnRef>
+            <a:fillRef idx="1">
+              <a:schemeClr val="accent1"/>
+            </a:fillRef>
+            <a:effectRef idx="0">
+              <a:schemeClr val="accent1"/>
+            </a:effectRef>
+            <a:fontRef idx="minor">
+              <a:schemeClr val="lt1"/>
+            </a:fontRef>
+          </p:style>
+          <p:txBody>
+            <a:bodyPr rtlCol="0" anchor="ctr"/>
+            <a:lstStyle/>
+            <a:p>
+              <a:pPr algn="ctr"/>
+              <a:endParaRPr lang="en-BE" dirty="0"/>
+            </a:p>
+          </p:txBody>
+        </p:sp>
+        <p:sp>
+          <p:nvSpPr>
+            <p:cNvPr id="50" name="Rechthoek 49">
+              <a:extLst>
+                <a:ext uri="{FF2B5EF4-FFF2-40B4-BE49-F238E27FC236}">
+                  <a16:creationId xmlns:a16="http://schemas.microsoft.com/office/drawing/2014/main" id="{BC2ABA73-B75A-5845-B14A-1BB7A1D3E28E}"/>
+                </a:ext>
+              </a:extLst>
+            </p:cNvPr>
+            <p:cNvSpPr/>
+            <p:nvPr/>
+          </p:nvSpPr>
+          <p:spPr>
+            <a:xfrm>
+              <a:off x="16426019" y="2785420"/>
+              <a:ext cx="522900" cy="923330"/>
+            </a:xfrm>
+            <a:prstGeom prst="rect">
+              <a:avLst/>
+            </a:prstGeom>
+            <a:noFill/>
+          </p:spPr>
+          <p:txBody>
+            <a:bodyPr wrap="none" lIns="91440" tIns="45720" rIns="91440" bIns="45720">
+              <a:spAutoFit/>
+            </a:bodyPr>
+            <a:lstStyle/>
+            <a:p>
+              <a:pPr algn="ctr"/>
+              <a:r>
+                <a:rPr lang="nl-NL" sz="5400" dirty="0">
+                  <a:ln w="0"/>
+                  <a:solidFill>
+                    <a:schemeClr val="accent1"/>
+                  </a:solidFill>
+                  <a:effectLst>
+                    <a:outerShdw blurRad="38100" dist="25400" dir="5400000" algn="ctr" rotWithShape="0">
+                      <a:srgbClr val="6E747A">
+                        <a:alpha val="43000"/>
+                      </a:srgbClr>
+                    </a:outerShdw>
+                  </a:effectLst>
+                </a:rPr>
+                <a:t>E</a:t>
+              </a:r>
+              <a:endParaRPr lang="nl-NL" sz="5400" b="0" cap="none" spc="0" dirty="0">
+                <a:ln w="0"/>
+                <a:solidFill>
+                  <a:schemeClr val="accent1"/>
+                </a:solidFill>
+                <a:effectLst>
+                  <a:outerShdw blurRad="38100" dist="25400" dir="5400000" algn="ctr" rotWithShape="0">
+                    <a:srgbClr val="6E747A">
+                      <a:alpha val="43000"/>
+                    </a:srgbClr>
+                  </a:outerShdw>
+                </a:effectLst>
+              </a:endParaRPr>
+            </a:p>
+          </p:txBody>
+        </p:sp>
+      </p:grpSp>
+      <p:grpSp>
+        <p:nvGrpSpPr>
+          <p:cNvPr id="45" name="Groep 44">
+            <a:extLst>
+              <a:ext uri="{FF2B5EF4-FFF2-40B4-BE49-F238E27FC236}">
+                <a16:creationId xmlns:a16="http://schemas.microsoft.com/office/drawing/2014/main" id="{5B0DB6BE-2418-EAE3-F788-2B12E8CA976F}"/>
+              </a:ext>
+            </a:extLst>
+          </p:cNvPr>
+          <p:cNvGrpSpPr/>
+          <p:nvPr/>
+        </p:nvGrpSpPr>
+        <p:grpSpPr>
+          <a:xfrm>
+            <a:off x="4726030" y="0"/>
+            <a:ext cx="7452035" cy="6858000"/>
+            <a:chOff x="4739965" y="0"/>
+            <a:chExt cx="7452035" cy="6858000"/>
+          </a:xfrm>
+        </p:grpSpPr>
+        <p:sp>
+          <p:nvSpPr>
+            <p:cNvPr id="46" name="Rechthoek 45">
+              <a:extLst>
+                <a:ext uri="{FF2B5EF4-FFF2-40B4-BE49-F238E27FC236}">
+                  <a16:creationId xmlns:a16="http://schemas.microsoft.com/office/drawing/2014/main" id="{6A728072-4A1F-8388-503C-41ACBC600EF0}"/>
+                </a:ext>
+              </a:extLst>
+            </p:cNvPr>
+            <p:cNvSpPr/>
+            <p:nvPr/>
+          </p:nvSpPr>
+          <p:spPr>
+            <a:xfrm>
+              <a:off x="4739965" y="0"/>
+              <a:ext cx="7452035" cy="6858000"/>
+            </a:xfrm>
+            <a:prstGeom prst="rect">
+              <a:avLst/>
+            </a:prstGeom>
+            <a:solidFill>
+              <a:schemeClr val="accent4">
+                <a:lumMod val="60000"/>
+                <a:lumOff val="40000"/>
+              </a:schemeClr>
+            </a:solidFill>
+            <a:ln w="28575">
+              <a:solidFill>
+                <a:schemeClr val="tx1"/>
+              </a:solidFill>
+            </a:ln>
+          </p:spPr>
+          <p:style>
+            <a:lnRef idx="2">
+              <a:schemeClr val="accent1">
+                <a:shade val="50000"/>
+              </a:schemeClr>
+            </a:lnRef>
+            <a:fillRef idx="1">
+              <a:schemeClr val="accent1"/>
+            </a:fillRef>
+            <a:effectRef idx="0">
+              <a:schemeClr val="accent1"/>
+            </a:effectRef>
+            <a:fontRef idx="minor">
+              <a:schemeClr val="lt1"/>
+            </a:fontRef>
+          </p:style>
+          <p:txBody>
+            <a:bodyPr rtlCol="0" anchor="ctr"/>
+            <a:lstStyle/>
+            <a:p>
+              <a:pPr algn="ctr"/>
+              <a:endParaRPr lang="en-BE"/>
+            </a:p>
+          </p:txBody>
+        </p:sp>
+        <p:sp>
+          <p:nvSpPr>
+            <p:cNvPr id="47" name="Rechthoek 46">
+              <a:extLst>
+                <a:ext uri="{FF2B5EF4-FFF2-40B4-BE49-F238E27FC236}">
+                  <a16:creationId xmlns:a16="http://schemas.microsoft.com/office/drawing/2014/main" id="{EA4CB572-8907-E75B-13B6-EF1F1969A6A2}"/>
+                </a:ext>
+              </a:extLst>
+            </p:cNvPr>
+            <p:cNvSpPr/>
+            <p:nvPr/>
+          </p:nvSpPr>
+          <p:spPr>
+            <a:xfrm>
+              <a:off x="8295970" y="2816198"/>
+              <a:ext cx="502061" cy="923330"/>
+            </a:xfrm>
+            <a:prstGeom prst="rect">
+              <a:avLst/>
+            </a:prstGeom>
+            <a:noFill/>
+          </p:spPr>
+          <p:txBody>
+            <a:bodyPr wrap="none" lIns="91440" tIns="45720" rIns="91440" bIns="45720">
+              <a:spAutoFit/>
+            </a:bodyPr>
+            <a:lstStyle/>
+            <a:p>
+              <a:pPr algn="ctr"/>
+              <a:r>
+                <a:rPr lang="nl-NL" sz="5400" dirty="0">
+                  <a:ln w="0"/>
+                  <a:solidFill>
+                    <a:schemeClr val="accent1"/>
+                  </a:solidFill>
+                  <a:effectLst>
+                    <a:outerShdw blurRad="38100" dist="25400" dir="5400000" algn="ctr" rotWithShape="0">
+                      <a:srgbClr val="6E747A">
+                        <a:alpha val="43000"/>
+                      </a:srgbClr>
+                    </a:outerShdw>
+                  </a:effectLst>
+                </a:rPr>
+                <a:t>F</a:t>
+              </a:r>
+              <a:endParaRPr lang="nl-NL" sz="5400" b="0" cap="none" spc="0" dirty="0">
+                <a:ln w="0"/>
+                <a:solidFill>
+                  <a:schemeClr val="accent1"/>
+                </a:solidFill>
+                <a:effectLst>
+                  <a:outerShdw blurRad="38100" dist="25400" dir="5400000" algn="ctr" rotWithShape="0">
+                    <a:srgbClr val="6E747A">
+                      <a:alpha val="43000"/>
+                    </a:srgbClr>
+                  </a:outerShdw>
+                </a:effectLst>
+              </a:endParaRPr>
+            </a:p>
+          </p:txBody>
+        </p:sp>
+      </p:grpSp>
+    </p:spTree>
+    <p:extLst>
+      <p:ext uri="{BB962C8B-B14F-4D97-AF65-F5344CB8AC3E}">
+        <p14:creationId xmlns:p14="http://schemas.microsoft.com/office/powerpoint/2010/main" val="2000041311"/>
+      </p:ext>
+    </p:extLst>
+  </p:cSld>
+  <p:clrMapOvr>
+    <a:masterClrMapping/>
+  </p:clrMapOvr>
+  <mc:AlternateContent xmlns:mc="http://schemas.openxmlformats.org/markup-compatibility/2006" xmlns:p159="http://schemas.microsoft.com/office/powerpoint/2015/09/main">
+    <mc:Choice Requires="p159">
+      <p:transition xmlns:p14="http://schemas.microsoft.com/office/powerpoint/2010/main" spd="slow" p14:dur="2000">
+        <p159:morph option="byObject"/>
+      </p:transition>
+    </mc:Choice>
+    <mc:Fallback xmlns="">
+      <p:transition spd="slow">
+        <p:fade/>
+      </p:transition>
+    </mc:Fallback>
+  </mc:AlternateContent>
+</p:sld>
+</file>
+
+<file path=ppt/slides/slide8.xml><?xml version="1.0" encoding="utf-8"?>
+<p:sld xmlns:a="http://schemas.openxmlformats.org/drawingml/2006/main" xmlns:r="http://schemas.openxmlformats.org/officeDocument/2006/relationships" xmlns:p="http://schemas.openxmlformats.org/presentationml/2006/main">
+  <p:cSld>
+    <p:spTree>
+      <p:nvGrpSpPr>
+        <p:cNvPr id="1" name=""/>
+        <p:cNvGrpSpPr/>
+        <p:nvPr/>
+      </p:nvGrpSpPr>
+      <p:grpSpPr>
+        <a:xfrm>
+          <a:off x="0" y="0"/>
+          <a:ext cx="0" cy="0"/>
+          <a:chOff x="0" y="0"/>
+          <a:chExt cx="0" cy="0"/>
+        </a:xfrm>
+      </p:grpSpPr>
+      <p:sp>
+        <p:nvSpPr>
+          <p:cNvPr id="10" name="Rechthoek 9">
+            <a:extLst>
+              <a:ext uri="{FF2B5EF4-FFF2-40B4-BE49-F238E27FC236}">
+                <a16:creationId xmlns:a16="http://schemas.microsoft.com/office/drawing/2014/main" id="{829FD59C-0A48-5877-29D7-03CEF9A18B15}"/>
+              </a:ext>
+            </a:extLst>
+          </p:cNvPr>
+          <p:cNvSpPr/>
+          <p:nvPr/>
+        </p:nvSpPr>
+        <p:spPr>
+          <a:xfrm>
+            <a:off x="-60385" y="0"/>
+            <a:ext cx="12252385" cy="6858000"/>
+          </a:xfrm>
+          <a:prstGeom prst="rect">
+            <a:avLst/>
+          </a:prstGeom>
+          <a:solidFill>
+            <a:schemeClr val="tx1"/>
+          </a:solidFill>
+        </p:spPr>
+        <p:style>
+          <a:lnRef idx="2">
+            <a:schemeClr val="accent1">
+              <a:shade val="50000"/>
+            </a:schemeClr>
+          </a:lnRef>
+          <a:fillRef idx="1">
+            <a:schemeClr val="accent1"/>
+          </a:fillRef>
+          <a:effectRef idx="0">
+            <a:schemeClr val="accent1"/>
+          </a:effectRef>
+          <a:fontRef idx="minor">
+            <a:schemeClr val="lt1"/>
+          </a:fontRef>
+        </p:style>
+        <p:txBody>
+          <a:bodyPr rtlCol="0" anchor="ctr"/>
+          <a:lstStyle/>
+          <a:p>
+            <a:pPr algn="ctr"/>
+            <a:endParaRPr lang="en-BE"/>
+          </a:p>
+        </p:txBody>
+      </p:sp>
+      <p:grpSp>
+        <p:nvGrpSpPr>
+          <p:cNvPr id="38" name="Groep 37">
+            <a:extLst>
+              <a:ext uri="{FF2B5EF4-FFF2-40B4-BE49-F238E27FC236}">
+                <a16:creationId xmlns:a16="http://schemas.microsoft.com/office/drawing/2014/main" id="{CCF6B1AA-9197-DC60-F9EB-12EDF585CF25}"/>
+              </a:ext>
+            </a:extLst>
+          </p:cNvPr>
+          <p:cNvGrpSpPr/>
+          <p:nvPr/>
+        </p:nvGrpSpPr>
+        <p:grpSpPr>
+          <a:xfrm>
+            <a:off x="1996262" y="0"/>
+            <a:ext cx="2994371" cy="6858000"/>
+            <a:chOff x="1969195" y="0"/>
+            <a:chExt cx="2994371" cy="6858000"/>
+          </a:xfrm>
+        </p:grpSpPr>
+        <p:sp>
+          <p:nvSpPr>
+            <p:cNvPr id="9" name="Rechthoek 8">
+              <a:extLst>
+                <a:ext uri="{FF2B5EF4-FFF2-40B4-BE49-F238E27FC236}">
+                  <a16:creationId xmlns:a16="http://schemas.microsoft.com/office/drawing/2014/main" id="{84F855A1-2E90-70A2-45F5-64FFCA345A5A}"/>
+                </a:ext>
+              </a:extLst>
+            </p:cNvPr>
+            <p:cNvSpPr/>
+            <p:nvPr/>
+          </p:nvSpPr>
+          <p:spPr>
+            <a:xfrm>
+              <a:off x="2219864" y="0"/>
+              <a:ext cx="2493034" cy="6858000"/>
+            </a:xfrm>
+            <a:prstGeom prst="rect">
+              <a:avLst/>
+            </a:prstGeom>
+            <a:solidFill>
+              <a:srgbClr val="FFFF00"/>
+            </a:solidFill>
+            <a:ln>
+              <a:solidFill>
+                <a:schemeClr val="tx1"/>
+              </a:solidFill>
+            </a:ln>
+          </p:spPr>
+          <p:style>
+            <a:lnRef idx="2">
+              <a:schemeClr val="accent1">
+                <a:shade val="50000"/>
+              </a:schemeClr>
+            </a:lnRef>
+            <a:fillRef idx="1">
+              <a:schemeClr val="accent1"/>
+            </a:fillRef>
+            <a:effectRef idx="0">
+              <a:schemeClr val="accent1"/>
+            </a:effectRef>
+            <a:fontRef idx="minor">
+              <a:schemeClr val="lt1"/>
+            </a:fontRef>
+          </p:style>
+          <p:txBody>
+            <a:bodyPr rtlCol="0" anchor="ctr"/>
+            <a:lstStyle/>
+            <a:p>
+              <a:pPr algn="ctr"/>
+              <a:endParaRPr lang="en-BE"/>
+            </a:p>
+          </p:txBody>
+        </p:sp>
+        <p:sp>
+          <p:nvSpPr>
+            <p:cNvPr id="18" name="Rechthoek 17">
+              <a:extLst>
+                <a:ext uri="{FF2B5EF4-FFF2-40B4-BE49-F238E27FC236}">
+                  <a16:creationId xmlns:a16="http://schemas.microsoft.com/office/drawing/2014/main" id="{25F8E5EC-1A28-7CBC-9E9F-5D83217EE0D3}"/>
+                </a:ext>
+              </a:extLst>
+            </p:cNvPr>
+            <p:cNvSpPr/>
+            <p:nvPr/>
+          </p:nvSpPr>
+          <p:spPr>
+            <a:xfrm>
+              <a:off x="1969195" y="474452"/>
+              <a:ext cx="2994371" cy="707886"/>
+            </a:xfrm>
+            <a:prstGeom prst="rect">
+              <a:avLst/>
+            </a:prstGeom>
+            <a:noFill/>
+          </p:spPr>
+          <p:txBody>
+            <a:bodyPr wrap="square" lIns="91440" tIns="45720" rIns="91440" bIns="45720">
+              <a:spAutoFit/>
+            </a:bodyPr>
+            <a:lstStyle/>
+            <a:p>
+              <a:pPr algn="ctr"/>
+              <a:r>
+                <a:rPr lang="nl-NL" sz="4000" b="0" cap="none" spc="0" dirty="0">
+                  <a:ln w="0"/>
+                  <a:solidFill>
+                    <a:schemeClr val="accent1"/>
+                  </a:solidFill>
+                  <a:effectLst>
+                    <a:outerShdw blurRad="38100" dist="25400" dir="5400000" algn="ctr" rotWithShape="0">
+                      <a:srgbClr val="6E747A">
+                        <a:alpha val="43000"/>
+                      </a:srgbClr>
+                    </a:outerShdw>
+                  </a:effectLst>
+                </a:rPr>
+                <a:t>Taxi a</a:t>
+              </a:r>
+            </a:p>
+          </p:txBody>
+        </p:sp>
+        <p:sp>
+          <p:nvSpPr>
+            <p:cNvPr id="19" name="Tekstvak 18">
+              <a:extLst>
+                <a:ext uri="{FF2B5EF4-FFF2-40B4-BE49-F238E27FC236}">
+                  <a16:creationId xmlns:a16="http://schemas.microsoft.com/office/drawing/2014/main" id="{4FF2F278-0A7E-7A32-5E7F-F5AA195CABAD}"/>
+                </a:ext>
+              </a:extLst>
+            </p:cNvPr>
+            <p:cNvSpPr txBox="1"/>
+            <p:nvPr/>
+          </p:nvSpPr>
+          <p:spPr>
+            <a:xfrm>
+              <a:off x="2493034" y="1182338"/>
+              <a:ext cx="1969196" cy="646331"/>
+            </a:xfrm>
+            <a:prstGeom prst="rect">
+              <a:avLst/>
+            </a:prstGeom>
+            <a:noFill/>
+          </p:spPr>
+          <p:txBody>
+            <a:bodyPr wrap="square" rtlCol="0">
+              <a:spAutoFit/>
+            </a:bodyPr>
+            <a:lstStyle/>
+            <a:p>
+              <a:r>
+                <a:rPr lang="nl-BE" dirty="0"/>
+                <a:t>De taxi is aan het </a:t>
+              </a:r>
+              <a:r>
+                <a:rPr lang="nl-BE" dirty="0" err="1"/>
+                <a:t>taxien</a:t>
+              </a:r>
+              <a:endParaRPr lang="en-BE" dirty="0"/>
+            </a:p>
+          </p:txBody>
+        </p:sp>
+        <p:sp>
+          <p:nvSpPr>
+            <p:cNvPr id="20" name="Tekstvak 19">
+              <a:extLst>
+                <a:ext uri="{FF2B5EF4-FFF2-40B4-BE49-F238E27FC236}">
+                  <a16:creationId xmlns:a16="http://schemas.microsoft.com/office/drawing/2014/main" id="{417021EB-C31E-8A9B-27B3-8C438ECF8859}"/>
+                </a:ext>
+              </a:extLst>
+            </p:cNvPr>
+            <p:cNvSpPr txBox="1"/>
+            <p:nvPr/>
+          </p:nvSpPr>
+          <p:spPr>
+            <a:xfrm>
+              <a:off x="2547166" y="1981069"/>
+              <a:ext cx="1969196" cy="646331"/>
+            </a:xfrm>
+            <a:prstGeom prst="rect">
+              <a:avLst/>
+            </a:prstGeom>
+            <a:noFill/>
+          </p:spPr>
+          <p:txBody>
+            <a:bodyPr wrap="square" rtlCol="0">
+              <a:spAutoFit/>
+            </a:bodyPr>
+            <a:lstStyle/>
+            <a:p>
+              <a:r>
+                <a:rPr lang="nl-BE" dirty="0"/>
+                <a:t>De taxi is aan het </a:t>
+              </a:r>
+              <a:r>
+                <a:rPr lang="nl-BE" dirty="0" err="1"/>
+                <a:t>taxien</a:t>
+              </a:r>
+              <a:endParaRPr lang="en-BE" dirty="0"/>
+            </a:p>
+          </p:txBody>
+        </p:sp>
+        <p:sp>
+          <p:nvSpPr>
+            <p:cNvPr id="21" name="Tekstvak 20">
+              <a:extLst>
+                <a:ext uri="{FF2B5EF4-FFF2-40B4-BE49-F238E27FC236}">
+                  <a16:creationId xmlns:a16="http://schemas.microsoft.com/office/drawing/2014/main" id="{86F3A9FD-A652-BB58-AD80-5241C1F08B32}"/>
+                </a:ext>
+              </a:extLst>
+            </p:cNvPr>
+            <p:cNvSpPr txBox="1"/>
+            <p:nvPr/>
+          </p:nvSpPr>
+          <p:spPr>
+            <a:xfrm>
+              <a:off x="2547166" y="2785420"/>
+              <a:ext cx="1969196" cy="646331"/>
+            </a:xfrm>
+            <a:prstGeom prst="rect">
+              <a:avLst/>
+            </a:prstGeom>
+            <a:noFill/>
+          </p:spPr>
+          <p:txBody>
+            <a:bodyPr wrap="square" rtlCol="0">
+              <a:spAutoFit/>
+            </a:bodyPr>
+            <a:lstStyle/>
+            <a:p>
+              <a:r>
+                <a:rPr lang="nl-BE" dirty="0"/>
+                <a:t>De taxi is aan het </a:t>
+              </a:r>
+              <a:r>
+                <a:rPr lang="nl-BE" dirty="0" err="1"/>
+                <a:t>taxien</a:t>
+              </a:r>
+              <a:endParaRPr lang="en-BE" dirty="0"/>
+            </a:p>
+          </p:txBody>
+        </p:sp>
+        <p:sp>
+          <p:nvSpPr>
+            <p:cNvPr id="22" name="Tekstvak 21">
+              <a:extLst>
+                <a:ext uri="{FF2B5EF4-FFF2-40B4-BE49-F238E27FC236}">
+                  <a16:creationId xmlns:a16="http://schemas.microsoft.com/office/drawing/2014/main" id="{2DBD2487-23C4-5953-AC13-06EE6ABC8F4E}"/>
+                </a:ext>
+              </a:extLst>
+            </p:cNvPr>
+            <p:cNvSpPr txBox="1"/>
+            <p:nvPr/>
+          </p:nvSpPr>
+          <p:spPr>
+            <a:xfrm>
+              <a:off x="2547166" y="3595391"/>
+              <a:ext cx="1969196" cy="646331"/>
+            </a:xfrm>
+            <a:prstGeom prst="rect">
+              <a:avLst/>
+            </a:prstGeom>
+            <a:noFill/>
+          </p:spPr>
+          <p:txBody>
+            <a:bodyPr wrap="square" rtlCol="0">
+              <a:spAutoFit/>
+            </a:bodyPr>
+            <a:lstStyle/>
+            <a:p>
+              <a:r>
+                <a:rPr lang="nl-BE" dirty="0"/>
+                <a:t>De taxi is aan het </a:t>
+              </a:r>
+              <a:r>
+                <a:rPr lang="nl-BE" dirty="0" err="1"/>
+                <a:t>taxien</a:t>
+              </a:r>
+              <a:endParaRPr lang="en-BE" dirty="0"/>
+            </a:p>
+          </p:txBody>
+        </p:sp>
+      </p:grpSp>
+      <p:grpSp>
+        <p:nvGrpSpPr>
+          <p:cNvPr id="39" name="Groep 38">
+            <a:extLst>
+              <a:ext uri="{FF2B5EF4-FFF2-40B4-BE49-F238E27FC236}">
+                <a16:creationId xmlns:a16="http://schemas.microsoft.com/office/drawing/2014/main" id="{9896D01B-B8E4-5629-13F1-C007D042B787}"/>
+              </a:ext>
+            </a:extLst>
+          </p:cNvPr>
+          <p:cNvGrpSpPr/>
+          <p:nvPr/>
+        </p:nvGrpSpPr>
+        <p:grpSpPr>
+          <a:xfrm>
+            <a:off x="4543429" y="0"/>
+            <a:ext cx="2994371" cy="6858000"/>
+            <a:chOff x="4516362" y="0"/>
+            <a:chExt cx="2994371" cy="6858000"/>
+          </a:xfrm>
+        </p:grpSpPr>
+        <p:sp>
+          <p:nvSpPr>
+            <p:cNvPr id="8" name="Rechthoek 7">
+              <a:extLst>
+                <a:ext uri="{FF2B5EF4-FFF2-40B4-BE49-F238E27FC236}">
+                  <a16:creationId xmlns:a16="http://schemas.microsoft.com/office/drawing/2014/main" id="{9625CAE9-37BC-DE03-0306-2EDAC33EBEC8}"/>
+                </a:ext>
+              </a:extLst>
+            </p:cNvPr>
+            <p:cNvSpPr/>
+            <p:nvPr/>
+          </p:nvSpPr>
+          <p:spPr>
+            <a:xfrm>
+              <a:off x="4712898" y="0"/>
+              <a:ext cx="2493034" cy="6858000"/>
+            </a:xfrm>
+            <a:prstGeom prst="rect">
+              <a:avLst/>
+            </a:prstGeom>
+            <a:solidFill>
+              <a:srgbClr val="FFC000"/>
+            </a:solidFill>
+            <a:ln>
+              <a:solidFill>
+                <a:schemeClr val="tx1"/>
+              </a:solidFill>
+            </a:ln>
+          </p:spPr>
+          <p:style>
+            <a:lnRef idx="2">
+              <a:schemeClr val="accent1">
+                <a:shade val="50000"/>
+              </a:schemeClr>
+            </a:lnRef>
+            <a:fillRef idx="1">
+              <a:schemeClr val="accent1"/>
+            </a:fillRef>
+            <a:effectRef idx="0">
+              <a:schemeClr val="accent1"/>
+            </a:effectRef>
+            <a:fontRef idx="minor">
+              <a:schemeClr val="lt1"/>
+            </a:fontRef>
+          </p:style>
+          <p:txBody>
+            <a:bodyPr rtlCol="0" anchor="ctr"/>
+            <a:lstStyle/>
+            <a:p>
+              <a:pPr algn="ctr"/>
+              <a:endParaRPr lang="en-BE"/>
+            </a:p>
+          </p:txBody>
+        </p:sp>
+        <p:sp>
+          <p:nvSpPr>
+            <p:cNvPr id="23" name="Rechthoek 22">
+              <a:extLst>
+                <a:ext uri="{FF2B5EF4-FFF2-40B4-BE49-F238E27FC236}">
+                  <a16:creationId xmlns:a16="http://schemas.microsoft.com/office/drawing/2014/main" id="{7451EBFB-E4FF-8C87-D17D-A49089402834}"/>
+                </a:ext>
+              </a:extLst>
+            </p:cNvPr>
+            <p:cNvSpPr/>
+            <p:nvPr/>
+          </p:nvSpPr>
+          <p:spPr>
+            <a:xfrm>
+              <a:off x="4516362" y="505230"/>
+              <a:ext cx="2994371" cy="707886"/>
+            </a:xfrm>
+            <a:prstGeom prst="rect">
+              <a:avLst/>
+            </a:prstGeom>
+            <a:noFill/>
+          </p:spPr>
+          <p:txBody>
+            <a:bodyPr wrap="square" lIns="91440" tIns="45720" rIns="91440" bIns="45720">
+              <a:spAutoFit/>
+            </a:bodyPr>
+            <a:lstStyle/>
+            <a:p>
+              <a:pPr algn="ctr"/>
+              <a:r>
+                <a:rPr lang="nl-NL" sz="4000" b="0" cap="none" spc="0" dirty="0">
+                  <a:ln w="0"/>
+                  <a:solidFill>
+                    <a:schemeClr val="accent1"/>
+                  </a:solidFill>
+                  <a:effectLst>
+                    <a:outerShdw blurRad="38100" dist="25400" dir="5400000" algn="ctr" rotWithShape="0">
+                      <a:srgbClr val="6E747A">
+                        <a:alpha val="43000"/>
+                      </a:srgbClr>
+                    </a:outerShdw>
+                  </a:effectLst>
+                </a:rPr>
+                <a:t>Taxi a</a:t>
+              </a:r>
+            </a:p>
+          </p:txBody>
+        </p:sp>
+        <p:sp>
+          <p:nvSpPr>
+            <p:cNvPr id="24" name="Tekstvak 23">
+              <a:extLst>
+                <a:ext uri="{FF2B5EF4-FFF2-40B4-BE49-F238E27FC236}">
+                  <a16:creationId xmlns:a16="http://schemas.microsoft.com/office/drawing/2014/main" id="{BA06AE89-AC73-816E-8AC9-0E252C05D0E4}"/>
+                </a:ext>
+              </a:extLst>
+            </p:cNvPr>
+            <p:cNvSpPr txBox="1"/>
+            <p:nvPr/>
+          </p:nvSpPr>
+          <p:spPr>
+            <a:xfrm>
+              <a:off x="5040201" y="1213116"/>
+              <a:ext cx="1969196" cy="646331"/>
+            </a:xfrm>
+            <a:prstGeom prst="rect">
+              <a:avLst/>
+            </a:prstGeom>
+            <a:noFill/>
+          </p:spPr>
+          <p:txBody>
+            <a:bodyPr wrap="square" rtlCol="0">
+              <a:spAutoFit/>
+            </a:bodyPr>
+            <a:lstStyle/>
+            <a:p>
+              <a:r>
+                <a:rPr lang="nl-BE" dirty="0"/>
+                <a:t>De taxi is aan het </a:t>
+              </a:r>
+              <a:r>
+                <a:rPr lang="nl-BE" dirty="0" err="1"/>
+                <a:t>taxien</a:t>
+              </a:r>
+              <a:endParaRPr lang="en-BE" dirty="0"/>
+            </a:p>
+          </p:txBody>
+        </p:sp>
+        <p:sp>
+          <p:nvSpPr>
+            <p:cNvPr id="25" name="Tekstvak 24">
+              <a:extLst>
+                <a:ext uri="{FF2B5EF4-FFF2-40B4-BE49-F238E27FC236}">
+                  <a16:creationId xmlns:a16="http://schemas.microsoft.com/office/drawing/2014/main" id="{072D3692-2178-32A9-6F5D-8CF6E5A99C47}"/>
+                </a:ext>
+              </a:extLst>
+            </p:cNvPr>
+            <p:cNvSpPr txBox="1"/>
+            <p:nvPr/>
+          </p:nvSpPr>
+          <p:spPr>
+            <a:xfrm>
+              <a:off x="5094333" y="2011847"/>
+              <a:ext cx="1969196" cy="646331"/>
+            </a:xfrm>
+            <a:prstGeom prst="rect">
+              <a:avLst/>
+            </a:prstGeom>
+            <a:noFill/>
+          </p:spPr>
+          <p:txBody>
+            <a:bodyPr wrap="square" rtlCol="0">
+              <a:spAutoFit/>
+            </a:bodyPr>
+            <a:lstStyle/>
+            <a:p>
+              <a:r>
+                <a:rPr lang="nl-BE" dirty="0"/>
+                <a:t>De taxi is aan het </a:t>
+              </a:r>
+              <a:r>
+                <a:rPr lang="nl-BE" dirty="0" err="1"/>
+                <a:t>taxien</a:t>
+              </a:r>
+              <a:endParaRPr lang="en-BE" dirty="0"/>
+            </a:p>
+          </p:txBody>
+        </p:sp>
+        <p:sp>
+          <p:nvSpPr>
+            <p:cNvPr id="26" name="Tekstvak 25">
+              <a:extLst>
+                <a:ext uri="{FF2B5EF4-FFF2-40B4-BE49-F238E27FC236}">
+                  <a16:creationId xmlns:a16="http://schemas.microsoft.com/office/drawing/2014/main" id="{3715CAA0-2919-BF83-1B21-C5945E9951B2}"/>
+                </a:ext>
+              </a:extLst>
+            </p:cNvPr>
+            <p:cNvSpPr txBox="1"/>
+            <p:nvPr/>
+          </p:nvSpPr>
+          <p:spPr>
+            <a:xfrm>
+              <a:off x="5094333" y="2816198"/>
+              <a:ext cx="1969196" cy="646331"/>
+            </a:xfrm>
+            <a:prstGeom prst="rect">
+              <a:avLst/>
+            </a:prstGeom>
+            <a:noFill/>
+          </p:spPr>
+          <p:txBody>
+            <a:bodyPr wrap="square" rtlCol="0">
+              <a:spAutoFit/>
+            </a:bodyPr>
+            <a:lstStyle/>
+            <a:p>
+              <a:r>
+                <a:rPr lang="nl-BE" dirty="0"/>
+                <a:t>De taxi is aan het </a:t>
+              </a:r>
+              <a:r>
+                <a:rPr lang="nl-BE" dirty="0" err="1"/>
+                <a:t>taxien</a:t>
+              </a:r>
+              <a:endParaRPr lang="en-BE" dirty="0"/>
+            </a:p>
+          </p:txBody>
+        </p:sp>
+        <p:sp>
+          <p:nvSpPr>
+            <p:cNvPr id="27" name="Tekstvak 26">
+              <a:extLst>
+                <a:ext uri="{FF2B5EF4-FFF2-40B4-BE49-F238E27FC236}">
+                  <a16:creationId xmlns:a16="http://schemas.microsoft.com/office/drawing/2014/main" id="{14D54F14-4609-A309-9123-0B1B33481867}"/>
+                </a:ext>
+              </a:extLst>
+            </p:cNvPr>
+            <p:cNvSpPr txBox="1"/>
+            <p:nvPr/>
+          </p:nvSpPr>
+          <p:spPr>
+            <a:xfrm>
+              <a:off x="5094333" y="3626169"/>
+              <a:ext cx="1969196" cy="646331"/>
+            </a:xfrm>
+            <a:prstGeom prst="rect">
+              <a:avLst/>
+            </a:prstGeom>
+            <a:noFill/>
+          </p:spPr>
+          <p:txBody>
+            <a:bodyPr wrap="square" rtlCol="0">
+              <a:spAutoFit/>
+            </a:bodyPr>
+            <a:lstStyle/>
+            <a:p>
+              <a:r>
+                <a:rPr lang="nl-BE" dirty="0"/>
+                <a:t>De taxi is aan het </a:t>
+              </a:r>
+              <a:r>
+                <a:rPr lang="nl-BE" dirty="0" err="1"/>
+                <a:t>taxien</a:t>
+              </a:r>
+              <a:endParaRPr lang="en-BE" dirty="0"/>
+            </a:p>
+          </p:txBody>
+        </p:sp>
+      </p:grpSp>
+      <p:grpSp>
+        <p:nvGrpSpPr>
+          <p:cNvPr id="40" name="Groep 39">
+            <a:extLst>
+              <a:ext uri="{FF2B5EF4-FFF2-40B4-BE49-F238E27FC236}">
+                <a16:creationId xmlns:a16="http://schemas.microsoft.com/office/drawing/2014/main" id="{0D32342B-1024-2FAA-53CE-2A619E3AF0EA}"/>
+              </a:ext>
+            </a:extLst>
+          </p:cNvPr>
+          <p:cNvGrpSpPr/>
+          <p:nvPr/>
+        </p:nvGrpSpPr>
+        <p:grpSpPr>
+          <a:xfrm>
+            <a:off x="6928197" y="0"/>
+            <a:ext cx="2994371" cy="6858000"/>
+            <a:chOff x="6912131" y="0"/>
+            <a:chExt cx="2994371" cy="6858000"/>
+          </a:xfrm>
+        </p:grpSpPr>
+        <p:sp>
+          <p:nvSpPr>
+            <p:cNvPr id="7" name="Rechthoek 6">
+              <a:extLst>
+                <a:ext uri="{FF2B5EF4-FFF2-40B4-BE49-F238E27FC236}">
+                  <a16:creationId xmlns:a16="http://schemas.microsoft.com/office/drawing/2014/main" id="{C67DAC69-04A4-76C7-F704-36113243E2D4}"/>
+                </a:ext>
+              </a:extLst>
+            </p:cNvPr>
+            <p:cNvSpPr/>
+            <p:nvPr/>
+          </p:nvSpPr>
+          <p:spPr>
+            <a:xfrm>
+              <a:off x="7205932" y="0"/>
+              <a:ext cx="2493034" cy="6858000"/>
+            </a:xfrm>
+            <a:prstGeom prst="rect">
+              <a:avLst/>
+            </a:prstGeom>
+            <a:solidFill>
+              <a:srgbClr val="FF0000"/>
+            </a:solidFill>
+            <a:ln>
+              <a:solidFill>
+                <a:schemeClr val="tx1"/>
+              </a:solidFill>
+            </a:ln>
+          </p:spPr>
+          <p:style>
+            <a:lnRef idx="2">
+              <a:schemeClr val="accent1">
+                <a:shade val="50000"/>
+              </a:schemeClr>
+            </a:lnRef>
+            <a:fillRef idx="1">
+              <a:schemeClr val="accent1"/>
+            </a:fillRef>
+            <a:effectRef idx="0">
+              <a:schemeClr val="accent1"/>
+            </a:effectRef>
+            <a:fontRef idx="minor">
+              <a:schemeClr val="lt1"/>
+            </a:fontRef>
+          </p:style>
+          <p:txBody>
+            <a:bodyPr rtlCol="0" anchor="ctr"/>
+            <a:lstStyle/>
+            <a:p>
+              <a:pPr algn="ctr"/>
+              <a:endParaRPr lang="en-BE"/>
+            </a:p>
+          </p:txBody>
+        </p:sp>
+        <p:sp>
+          <p:nvSpPr>
+            <p:cNvPr id="28" name="Rechthoek 27">
+              <a:extLst>
+                <a:ext uri="{FF2B5EF4-FFF2-40B4-BE49-F238E27FC236}">
+                  <a16:creationId xmlns:a16="http://schemas.microsoft.com/office/drawing/2014/main" id="{7F86175B-F104-53CE-7BA4-C1409D0DCBED}"/>
+                </a:ext>
+              </a:extLst>
+            </p:cNvPr>
+            <p:cNvSpPr/>
+            <p:nvPr/>
+          </p:nvSpPr>
+          <p:spPr>
+            <a:xfrm>
+              <a:off x="6912131" y="536008"/>
+              <a:ext cx="2994371" cy="707886"/>
+            </a:xfrm>
+            <a:prstGeom prst="rect">
+              <a:avLst/>
+            </a:prstGeom>
+            <a:noFill/>
+          </p:spPr>
+          <p:txBody>
+            <a:bodyPr wrap="square" lIns="91440" tIns="45720" rIns="91440" bIns="45720">
+              <a:spAutoFit/>
+            </a:bodyPr>
+            <a:lstStyle/>
+            <a:p>
+              <a:pPr algn="ctr"/>
+              <a:r>
+                <a:rPr lang="nl-NL" sz="4000" b="0" cap="none" spc="0" dirty="0">
+                  <a:ln w="0"/>
+                  <a:solidFill>
+                    <a:schemeClr val="accent1"/>
+                  </a:solidFill>
+                  <a:effectLst>
+                    <a:outerShdw blurRad="38100" dist="25400" dir="5400000" algn="ctr" rotWithShape="0">
+                      <a:srgbClr val="6E747A">
+                        <a:alpha val="43000"/>
+                      </a:srgbClr>
+                    </a:outerShdw>
+                  </a:effectLst>
+                </a:rPr>
+                <a:t>Taxi a</a:t>
+              </a:r>
+            </a:p>
+          </p:txBody>
+        </p:sp>
+        <p:sp>
+          <p:nvSpPr>
+            <p:cNvPr id="29" name="Tekstvak 28">
+              <a:extLst>
+                <a:ext uri="{FF2B5EF4-FFF2-40B4-BE49-F238E27FC236}">
+                  <a16:creationId xmlns:a16="http://schemas.microsoft.com/office/drawing/2014/main" id="{84CEA021-716C-CD96-C9E9-48EEBC661B9F}"/>
+                </a:ext>
+              </a:extLst>
+            </p:cNvPr>
+            <p:cNvSpPr txBox="1"/>
+            <p:nvPr/>
+          </p:nvSpPr>
+          <p:spPr>
+            <a:xfrm>
+              <a:off x="7435970" y="1243894"/>
+              <a:ext cx="1969196" cy="646331"/>
+            </a:xfrm>
+            <a:prstGeom prst="rect">
+              <a:avLst/>
+            </a:prstGeom>
+            <a:noFill/>
+          </p:spPr>
+          <p:txBody>
+            <a:bodyPr wrap="square" rtlCol="0">
+              <a:spAutoFit/>
+            </a:bodyPr>
+            <a:lstStyle/>
+            <a:p>
+              <a:r>
+                <a:rPr lang="nl-BE" dirty="0"/>
+                <a:t>De taxi is aan het </a:t>
+              </a:r>
+              <a:r>
+                <a:rPr lang="nl-BE" dirty="0" err="1"/>
+                <a:t>taxien</a:t>
+              </a:r>
+              <a:endParaRPr lang="en-BE" dirty="0"/>
+            </a:p>
+          </p:txBody>
+        </p:sp>
+        <p:sp>
+          <p:nvSpPr>
+            <p:cNvPr id="30" name="Tekstvak 29">
+              <a:extLst>
+                <a:ext uri="{FF2B5EF4-FFF2-40B4-BE49-F238E27FC236}">
+                  <a16:creationId xmlns:a16="http://schemas.microsoft.com/office/drawing/2014/main" id="{8F68C232-6368-116F-AAAC-14ACEDC1A762}"/>
+                </a:ext>
+              </a:extLst>
+            </p:cNvPr>
+            <p:cNvSpPr txBox="1"/>
+            <p:nvPr/>
+          </p:nvSpPr>
+          <p:spPr>
+            <a:xfrm>
+              <a:off x="7490102" y="2042625"/>
+              <a:ext cx="1969196" cy="646331"/>
+            </a:xfrm>
+            <a:prstGeom prst="rect">
+              <a:avLst/>
+            </a:prstGeom>
+            <a:noFill/>
+          </p:spPr>
+          <p:txBody>
+            <a:bodyPr wrap="square" rtlCol="0">
+              <a:spAutoFit/>
+            </a:bodyPr>
+            <a:lstStyle/>
+            <a:p>
+              <a:r>
+                <a:rPr lang="nl-BE" dirty="0"/>
+                <a:t>De taxi is aan het </a:t>
+              </a:r>
+              <a:r>
+                <a:rPr lang="nl-BE" dirty="0" err="1"/>
+                <a:t>taxien</a:t>
+              </a:r>
+              <a:endParaRPr lang="en-BE" dirty="0"/>
+            </a:p>
+          </p:txBody>
+        </p:sp>
+        <p:sp>
+          <p:nvSpPr>
+            <p:cNvPr id="31" name="Tekstvak 30">
+              <a:extLst>
+                <a:ext uri="{FF2B5EF4-FFF2-40B4-BE49-F238E27FC236}">
+                  <a16:creationId xmlns:a16="http://schemas.microsoft.com/office/drawing/2014/main" id="{CBBB756F-AF84-2112-B97A-92498B86658D}"/>
+                </a:ext>
+              </a:extLst>
+            </p:cNvPr>
+            <p:cNvSpPr txBox="1"/>
+            <p:nvPr/>
+          </p:nvSpPr>
+          <p:spPr>
+            <a:xfrm>
+              <a:off x="7490102" y="2846976"/>
+              <a:ext cx="1969196" cy="646331"/>
+            </a:xfrm>
+            <a:prstGeom prst="rect">
+              <a:avLst/>
+            </a:prstGeom>
+            <a:noFill/>
+          </p:spPr>
+          <p:txBody>
+            <a:bodyPr wrap="square" rtlCol="0">
+              <a:spAutoFit/>
+            </a:bodyPr>
+            <a:lstStyle/>
+            <a:p>
+              <a:r>
+                <a:rPr lang="nl-BE" dirty="0"/>
+                <a:t>De taxi is aan het </a:t>
+              </a:r>
+              <a:r>
+                <a:rPr lang="nl-BE" dirty="0" err="1"/>
+                <a:t>taxien</a:t>
+              </a:r>
+              <a:endParaRPr lang="en-BE" dirty="0"/>
+            </a:p>
+          </p:txBody>
+        </p:sp>
+        <p:sp>
+          <p:nvSpPr>
+            <p:cNvPr id="32" name="Tekstvak 31">
+              <a:extLst>
+                <a:ext uri="{FF2B5EF4-FFF2-40B4-BE49-F238E27FC236}">
+                  <a16:creationId xmlns:a16="http://schemas.microsoft.com/office/drawing/2014/main" id="{3B804580-E4F4-D5D4-B86C-B4B94FF3A01A}"/>
+                </a:ext>
+              </a:extLst>
+            </p:cNvPr>
+            <p:cNvSpPr txBox="1"/>
+            <p:nvPr/>
+          </p:nvSpPr>
+          <p:spPr>
+            <a:xfrm>
+              <a:off x="7490102" y="3656947"/>
+              <a:ext cx="1969196" cy="646331"/>
+            </a:xfrm>
+            <a:prstGeom prst="rect">
+              <a:avLst/>
+            </a:prstGeom>
+            <a:noFill/>
+          </p:spPr>
+          <p:txBody>
+            <a:bodyPr wrap="square" rtlCol="0">
+              <a:spAutoFit/>
+            </a:bodyPr>
+            <a:lstStyle/>
+            <a:p>
+              <a:r>
+                <a:rPr lang="nl-BE" dirty="0"/>
+                <a:t>De taxi is aan het </a:t>
+              </a:r>
+              <a:r>
+                <a:rPr lang="nl-BE" dirty="0" err="1"/>
+                <a:t>taxien</a:t>
+              </a:r>
+              <a:endParaRPr lang="en-BE" dirty="0"/>
+            </a:p>
+          </p:txBody>
+        </p:sp>
+      </p:grpSp>
+      <p:grpSp>
+        <p:nvGrpSpPr>
+          <p:cNvPr id="41" name="Groep 40">
+            <a:extLst>
+              <a:ext uri="{FF2B5EF4-FFF2-40B4-BE49-F238E27FC236}">
+                <a16:creationId xmlns:a16="http://schemas.microsoft.com/office/drawing/2014/main" id="{B9A73BC7-7C18-C9A6-4FC9-D377A95D0674}"/>
+              </a:ext>
+            </a:extLst>
+          </p:cNvPr>
+          <p:cNvGrpSpPr/>
+          <p:nvPr/>
+        </p:nvGrpSpPr>
+        <p:grpSpPr>
+          <a:xfrm>
+            <a:off x="9421232" y="0"/>
+            <a:ext cx="2994371" cy="6858000"/>
+            <a:chOff x="9394164" y="0"/>
+            <a:chExt cx="2994371" cy="6858000"/>
+          </a:xfrm>
+        </p:grpSpPr>
+        <p:sp>
+          <p:nvSpPr>
+            <p:cNvPr id="6" name="Rechthoek 5">
+              <a:extLst>
+                <a:ext uri="{FF2B5EF4-FFF2-40B4-BE49-F238E27FC236}">
+                  <a16:creationId xmlns:a16="http://schemas.microsoft.com/office/drawing/2014/main" id="{CB2248B5-24AE-B16A-B25E-08CF1B0760D3}"/>
+                </a:ext>
+              </a:extLst>
+            </p:cNvPr>
+            <p:cNvSpPr/>
+            <p:nvPr/>
+          </p:nvSpPr>
+          <p:spPr>
+            <a:xfrm>
+              <a:off x="9689336" y="0"/>
+              <a:ext cx="2493034" cy="6858000"/>
+            </a:xfrm>
+            <a:prstGeom prst="rect">
+              <a:avLst/>
+            </a:prstGeom>
+            <a:solidFill>
+              <a:srgbClr val="C00000"/>
+            </a:solidFill>
+            <a:ln>
+              <a:solidFill>
+                <a:schemeClr val="tx1"/>
+              </a:solidFill>
+            </a:ln>
+          </p:spPr>
+          <p:style>
+            <a:lnRef idx="2">
+              <a:schemeClr val="accent1">
+                <a:shade val="50000"/>
+              </a:schemeClr>
+            </a:lnRef>
+            <a:fillRef idx="1">
+              <a:schemeClr val="accent1"/>
+            </a:fillRef>
+            <a:effectRef idx="0">
+              <a:schemeClr val="accent1"/>
+            </a:effectRef>
+            <a:fontRef idx="minor">
+              <a:schemeClr val="lt1"/>
+            </a:fontRef>
+          </p:style>
+          <p:txBody>
+            <a:bodyPr rtlCol="0" anchor="ctr"/>
+            <a:lstStyle/>
+            <a:p>
+              <a:pPr algn="ctr"/>
+              <a:endParaRPr lang="en-BE"/>
+            </a:p>
+          </p:txBody>
+        </p:sp>
+        <p:sp>
+          <p:nvSpPr>
+            <p:cNvPr id="33" name="Rechthoek 32">
+              <a:extLst>
+                <a:ext uri="{FF2B5EF4-FFF2-40B4-BE49-F238E27FC236}">
+                  <a16:creationId xmlns:a16="http://schemas.microsoft.com/office/drawing/2014/main" id="{F4211DD6-200F-F3A4-8538-18CE69127F84}"/>
+                </a:ext>
+              </a:extLst>
+            </p:cNvPr>
+            <p:cNvSpPr/>
+            <p:nvPr/>
+          </p:nvSpPr>
+          <p:spPr>
+            <a:xfrm>
+              <a:off x="9394164" y="536008"/>
+              <a:ext cx="2994371" cy="707886"/>
+            </a:xfrm>
+            <a:prstGeom prst="rect">
+              <a:avLst/>
+            </a:prstGeom>
+            <a:noFill/>
+          </p:spPr>
+          <p:txBody>
+            <a:bodyPr wrap="square" lIns="91440" tIns="45720" rIns="91440" bIns="45720">
+              <a:spAutoFit/>
+            </a:bodyPr>
+            <a:lstStyle/>
+            <a:p>
+              <a:pPr algn="ctr"/>
+              <a:r>
+                <a:rPr lang="nl-NL" sz="4000" b="0" cap="none" spc="0" dirty="0">
+                  <a:ln w="0"/>
+                  <a:solidFill>
+                    <a:schemeClr val="accent1"/>
+                  </a:solidFill>
+                  <a:effectLst>
+                    <a:outerShdw blurRad="38100" dist="25400" dir="5400000" algn="ctr" rotWithShape="0">
+                      <a:srgbClr val="6E747A">
+                        <a:alpha val="43000"/>
+                      </a:srgbClr>
+                    </a:outerShdw>
+                  </a:effectLst>
+                </a:rPr>
+                <a:t>Taxi a</a:t>
+              </a:r>
+            </a:p>
+          </p:txBody>
+        </p:sp>
+        <p:sp>
+          <p:nvSpPr>
+            <p:cNvPr id="34" name="Tekstvak 33">
+              <a:extLst>
+                <a:ext uri="{FF2B5EF4-FFF2-40B4-BE49-F238E27FC236}">
+                  <a16:creationId xmlns:a16="http://schemas.microsoft.com/office/drawing/2014/main" id="{F7888FD0-EFE0-C013-D67E-A1A049BAFA41}"/>
+                </a:ext>
+              </a:extLst>
+            </p:cNvPr>
+            <p:cNvSpPr txBox="1"/>
+            <p:nvPr/>
+          </p:nvSpPr>
+          <p:spPr>
+            <a:xfrm>
+              <a:off x="9918003" y="1243894"/>
+              <a:ext cx="1969196" cy="646331"/>
+            </a:xfrm>
+            <a:prstGeom prst="rect">
+              <a:avLst/>
+            </a:prstGeom>
+            <a:noFill/>
+          </p:spPr>
+          <p:txBody>
+            <a:bodyPr wrap="square" rtlCol="0">
+              <a:spAutoFit/>
+            </a:bodyPr>
+            <a:lstStyle/>
+            <a:p>
+              <a:r>
+                <a:rPr lang="nl-BE" dirty="0"/>
+                <a:t>De taxi is aan het </a:t>
+              </a:r>
+              <a:r>
+                <a:rPr lang="nl-BE" dirty="0" err="1"/>
+                <a:t>taxien</a:t>
+              </a:r>
+              <a:endParaRPr lang="en-BE" dirty="0"/>
+            </a:p>
+          </p:txBody>
+        </p:sp>
+        <p:sp>
+          <p:nvSpPr>
+            <p:cNvPr id="35" name="Tekstvak 34">
+              <a:extLst>
+                <a:ext uri="{FF2B5EF4-FFF2-40B4-BE49-F238E27FC236}">
+                  <a16:creationId xmlns:a16="http://schemas.microsoft.com/office/drawing/2014/main" id="{97B4D469-E700-1354-6149-C897CA246838}"/>
+                </a:ext>
+              </a:extLst>
+            </p:cNvPr>
+            <p:cNvSpPr txBox="1"/>
+            <p:nvPr/>
+          </p:nvSpPr>
+          <p:spPr>
+            <a:xfrm>
+              <a:off x="9972135" y="2042625"/>
+              <a:ext cx="1969196" cy="646331"/>
+            </a:xfrm>
+            <a:prstGeom prst="rect">
+              <a:avLst/>
+            </a:prstGeom>
+            <a:noFill/>
+          </p:spPr>
+          <p:txBody>
+            <a:bodyPr wrap="square" rtlCol="0">
+              <a:spAutoFit/>
+            </a:bodyPr>
+            <a:lstStyle/>
+            <a:p>
+              <a:r>
+                <a:rPr lang="nl-BE" dirty="0"/>
+                <a:t>De taxi is aan het </a:t>
+              </a:r>
+              <a:r>
+                <a:rPr lang="nl-BE" dirty="0" err="1"/>
+                <a:t>taxien</a:t>
+              </a:r>
+              <a:endParaRPr lang="en-BE" dirty="0"/>
+            </a:p>
+          </p:txBody>
+        </p:sp>
+        <p:sp>
+          <p:nvSpPr>
+            <p:cNvPr id="36" name="Tekstvak 35">
+              <a:extLst>
+                <a:ext uri="{FF2B5EF4-FFF2-40B4-BE49-F238E27FC236}">
+                  <a16:creationId xmlns:a16="http://schemas.microsoft.com/office/drawing/2014/main" id="{44148380-1046-6C79-8297-15C318E6FE9A}"/>
+                </a:ext>
+              </a:extLst>
+            </p:cNvPr>
+            <p:cNvSpPr txBox="1"/>
+            <p:nvPr/>
+          </p:nvSpPr>
+          <p:spPr>
+            <a:xfrm>
+              <a:off x="9972135" y="2846976"/>
+              <a:ext cx="1969196" cy="646331"/>
+            </a:xfrm>
+            <a:prstGeom prst="rect">
+              <a:avLst/>
+            </a:prstGeom>
+            <a:noFill/>
+          </p:spPr>
+          <p:txBody>
+            <a:bodyPr wrap="square" rtlCol="0">
+              <a:spAutoFit/>
+            </a:bodyPr>
+            <a:lstStyle/>
+            <a:p>
+              <a:r>
+                <a:rPr lang="nl-BE" dirty="0"/>
+                <a:t>De taxi is aan het </a:t>
+              </a:r>
+              <a:r>
+                <a:rPr lang="nl-BE" dirty="0" err="1"/>
+                <a:t>taxien</a:t>
+              </a:r>
+              <a:endParaRPr lang="en-BE" dirty="0"/>
+            </a:p>
+          </p:txBody>
+        </p:sp>
+        <p:sp>
+          <p:nvSpPr>
+            <p:cNvPr id="37" name="Tekstvak 36">
+              <a:extLst>
+                <a:ext uri="{FF2B5EF4-FFF2-40B4-BE49-F238E27FC236}">
+                  <a16:creationId xmlns:a16="http://schemas.microsoft.com/office/drawing/2014/main" id="{309474F4-672D-F657-EE82-CF0F9C6C7147}"/>
+                </a:ext>
+              </a:extLst>
+            </p:cNvPr>
+            <p:cNvSpPr txBox="1"/>
+            <p:nvPr/>
+          </p:nvSpPr>
+          <p:spPr>
+            <a:xfrm>
+              <a:off x="9972135" y="3656947"/>
+              <a:ext cx="1969196" cy="646331"/>
+            </a:xfrm>
+            <a:prstGeom prst="rect">
+              <a:avLst/>
+            </a:prstGeom>
+            <a:noFill/>
+          </p:spPr>
+          <p:txBody>
+            <a:bodyPr wrap="square" rtlCol="0">
+              <a:spAutoFit/>
+            </a:bodyPr>
+            <a:lstStyle/>
+            <a:p>
+              <a:r>
+                <a:rPr lang="nl-BE" dirty="0"/>
+                <a:t>De taxi is aan het </a:t>
+              </a:r>
+              <a:r>
+                <a:rPr lang="nl-BE" dirty="0" err="1"/>
+                <a:t>taxien</a:t>
+              </a:r>
+              <a:endParaRPr lang="en-BE" dirty="0"/>
+            </a:p>
+          </p:txBody>
+        </p:sp>
+      </p:grpSp>
+      <p:sp>
+        <p:nvSpPr>
+          <p:cNvPr id="17" name="Rechthoek 16">
+            <a:extLst>
+              <a:ext uri="{FF2B5EF4-FFF2-40B4-BE49-F238E27FC236}">
+                <a16:creationId xmlns:a16="http://schemas.microsoft.com/office/drawing/2014/main" id="{2223DD26-19A5-32BF-4C0F-5845E3D025D7}"/>
+              </a:ext>
+            </a:extLst>
+          </p:cNvPr>
+          <p:cNvSpPr/>
+          <p:nvPr/>
+        </p:nvSpPr>
+        <p:spPr>
+          <a:xfrm>
+            <a:off x="0" y="0"/>
+            <a:ext cx="2224428" cy="6858000"/>
           </a:xfrm>
           <a:prstGeom prst="rect">
             <a:avLst/>
@@ -14061,23 +17809,385 @@
           </a:p>
         </p:txBody>
       </p:sp>
+      <p:sp>
+        <p:nvSpPr>
+          <p:cNvPr id="2" name="Rechthoek 1">
+            <a:extLst>
+              <a:ext uri="{FF2B5EF4-FFF2-40B4-BE49-F238E27FC236}">
+                <a16:creationId xmlns:a16="http://schemas.microsoft.com/office/drawing/2014/main" id="{4E44F902-2C58-2643-867F-45F972BE0E88}"/>
+              </a:ext>
+            </a:extLst>
+          </p:cNvPr>
+          <p:cNvSpPr/>
+          <p:nvPr/>
+        </p:nvSpPr>
+        <p:spPr>
+          <a:xfrm>
+            <a:off x="-10049" y="2616144"/>
+            <a:ext cx="2244525" cy="1754326"/>
+          </a:xfrm>
+          <a:prstGeom prst="rect">
+            <a:avLst/>
+          </a:prstGeom>
+          <a:noFill/>
+        </p:spPr>
+        <p:txBody>
+          <a:bodyPr wrap="none" lIns="91440" tIns="45720" rIns="91440" bIns="45720">
+            <a:spAutoFit/>
+          </a:bodyPr>
+          <a:lstStyle/>
+          <a:p>
+            <a:pPr algn="ctr"/>
+            <a:r>
+              <a:rPr lang="nl-NL" sz="3600" b="0" cap="none" spc="0" dirty="0">
+                <a:ln w="0"/>
+                <a:effectLst>
+                  <a:outerShdw blurRad="38100" dist="25400" dir="5400000" algn="ctr" rotWithShape="0">
+                    <a:srgbClr val="6E747A">
+                      <a:alpha val="43000"/>
+                    </a:srgbClr>
+                  </a:outerShdw>
+                </a:effectLst>
+              </a:rPr>
+              <a:t>Project </a:t>
+            </a:r>
+          </a:p>
+          <a:p>
+            <a:pPr algn="ctr"/>
+            <a:r>
+              <a:rPr lang="nl-NL" sz="3600" dirty="0" err="1">
+                <a:ln w="0"/>
+                <a:effectLst>
+                  <a:outerShdw blurRad="38100" dist="25400" dir="5400000" algn="ctr" rotWithShape="0">
+                    <a:srgbClr val="6E747A">
+                      <a:alpha val="43000"/>
+                    </a:srgbClr>
+                  </a:outerShdw>
+                </a:effectLst>
+              </a:rPr>
+              <a:t>Experience</a:t>
+            </a:r>
+            <a:endParaRPr lang="nl-NL" sz="3600" dirty="0">
+              <a:ln w="0"/>
+              <a:effectLst>
+                <a:outerShdw blurRad="38100" dist="25400" dir="5400000" algn="ctr" rotWithShape="0">
+                  <a:srgbClr val="6E747A">
+                    <a:alpha val="43000"/>
+                  </a:srgbClr>
+                </a:outerShdw>
+              </a:effectLst>
+            </a:endParaRPr>
+          </a:p>
+          <a:p>
+            <a:pPr algn="ctr"/>
+            <a:r>
+              <a:rPr lang="nl-NL" sz="3600" dirty="0">
+                <a:ln w="0"/>
+                <a:effectLst>
+                  <a:outerShdw blurRad="38100" dist="25400" dir="5400000" algn="ctr" rotWithShape="0">
+                    <a:srgbClr val="6E747A">
+                      <a:alpha val="43000"/>
+                    </a:srgbClr>
+                  </a:outerShdw>
+                </a:effectLst>
+              </a:rPr>
+              <a:t>I.0</a:t>
+            </a:r>
+            <a:endParaRPr lang="nl-NL" sz="3600" b="0" cap="none" spc="0" dirty="0">
+              <a:ln w="0"/>
+              <a:effectLst>
+                <a:outerShdw blurRad="38100" dist="25400" dir="5400000" algn="ctr" rotWithShape="0">
+                  <a:srgbClr val="6E747A">
+                    <a:alpha val="43000"/>
+                  </a:srgbClr>
+                </a:outerShdw>
+              </a:effectLst>
+            </a:endParaRPr>
+          </a:p>
+        </p:txBody>
+      </p:sp>
+      <p:grpSp>
+        <p:nvGrpSpPr>
+          <p:cNvPr id="43" name="Groep 42">
+            <a:extLst>
+              <a:ext uri="{FF2B5EF4-FFF2-40B4-BE49-F238E27FC236}">
+                <a16:creationId xmlns:a16="http://schemas.microsoft.com/office/drawing/2014/main" id="{95FE6CD9-663E-EA55-6A24-261F5ECA016A}"/>
+              </a:ext>
+            </a:extLst>
+          </p:cNvPr>
+          <p:cNvGrpSpPr/>
+          <p:nvPr/>
+        </p:nvGrpSpPr>
+        <p:grpSpPr>
+          <a:xfrm>
+            <a:off x="4726030" y="0"/>
+            <a:ext cx="7452035" cy="6858000"/>
+            <a:chOff x="4739965" y="0"/>
+            <a:chExt cx="7452035" cy="6858000"/>
+          </a:xfrm>
+        </p:grpSpPr>
+        <p:sp>
+          <p:nvSpPr>
+            <p:cNvPr id="44" name="Rechthoek 43">
+              <a:extLst>
+                <a:ext uri="{FF2B5EF4-FFF2-40B4-BE49-F238E27FC236}">
+                  <a16:creationId xmlns:a16="http://schemas.microsoft.com/office/drawing/2014/main" id="{4FE3B29D-028D-0BD8-CCB8-4B9CD7DAF8D1}"/>
+                </a:ext>
+              </a:extLst>
+            </p:cNvPr>
+            <p:cNvSpPr/>
+            <p:nvPr/>
+          </p:nvSpPr>
+          <p:spPr>
+            <a:xfrm>
+              <a:off x="4739965" y="0"/>
+              <a:ext cx="7452035" cy="6858000"/>
+            </a:xfrm>
+            <a:prstGeom prst="rect">
+              <a:avLst/>
+            </a:prstGeom>
+            <a:solidFill>
+              <a:schemeClr val="accent4">
+                <a:lumMod val="60000"/>
+                <a:lumOff val="40000"/>
+              </a:schemeClr>
+            </a:solidFill>
+            <a:ln w="28575">
+              <a:solidFill>
+                <a:schemeClr val="tx1"/>
+              </a:solidFill>
+            </a:ln>
+          </p:spPr>
+          <p:style>
+            <a:lnRef idx="2">
+              <a:schemeClr val="accent1">
+                <a:shade val="50000"/>
+              </a:schemeClr>
+            </a:lnRef>
+            <a:fillRef idx="1">
+              <a:schemeClr val="accent1"/>
+            </a:fillRef>
+            <a:effectRef idx="0">
+              <a:schemeClr val="accent1"/>
+            </a:effectRef>
+            <a:fontRef idx="minor">
+              <a:schemeClr val="lt1"/>
+            </a:fontRef>
+          </p:style>
+          <p:txBody>
+            <a:bodyPr rtlCol="0" anchor="ctr"/>
+            <a:lstStyle/>
+            <a:p>
+              <a:pPr algn="ctr"/>
+              <a:endParaRPr lang="en-BE"/>
+            </a:p>
+          </p:txBody>
+        </p:sp>
+        <p:sp>
+          <p:nvSpPr>
+            <p:cNvPr id="45" name="Rechthoek 44">
+              <a:extLst>
+                <a:ext uri="{FF2B5EF4-FFF2-40B4-BE49-F238E27FC236}">
+                  <a16:creationId xmlns:a16="http://schemas.microsoft.com/office/drawing/2014/main" id="{3C75B539-2BE6-E384-9868-250D2F0BE59D}"/>
+                </a:ext>
+              </a:extLst>
+            </p:cNvPr>
+            <p:cNvSpPr/>
+            <p:nvPr/>
+          </p:nvSpPr>
+          <p:spPr>
+            <a:xfrm>
+              <a:off x="8295970" y="2816198"/>
+              <a:ext cx="502061" cy="923330"/>
+            </a:xfrm>
+            <a:prstGeom prst="rect">
+              <a:avLst/>
+            </a:prstGeom>
+            <a:noFill/>
+          </p:spPr>
+          <p:txBody>
+            <a:bodyPr wrap="none" lIns="91440" tIns="45720" rIns="91440" bIns="45720">
+              <a:spAutoFit/>
+            </a:bodyPr>
+            <a:lstStyle/>
+            <a:p>
+              <a:pPr algn="ctr"/>
+              <a:r>
+                <a:rPr lang="nl-NL" sz="5400" dirty="0">
+                  <a:ln w="0"/>
+                  <a:solidFill>
+                    <a:schemeClr val="accent1"/>
+                  </a:solidFill>
+                  <a:effectLst>
+                    <a:outerShdw blurRad="38100" dist="25400" dir="5400000" algn="ctr" rotWithShape="0">
+                      <a:srgbClr val="6E747A">
+                        <a:alpha val="43000"/>
+                      </a:srgbClr>
+                    </a:outerShdw>
+                  </a:effectLst>
+                </a:rPr>
+                <a:t>F</a:t>
+              </a:r>
+              <a:endParaRPr lang="nl-NL" sz="5400" b="0" cap="none" spc="0" dirty="0">
+                <a:ln w="0"/>
+                <a:solidFill>
+                  <a:schemeClr val="accent1"/>
+                </a:solidFill>
+                <a:effectLst>
+                  <a:outerShdw blurRad="38100" dist="25400" dir="5400000" algn="ctr" rotWithShape="0">
+                    <a:srgbClr val="6E747A">
+                      <a:alpha val="43000"/>
+                    </a:srgbClr>
+                  </a:outerShdw>
+                </a:effectLst>
+              </a:endParaRPr>
+            </a:p>
+          </p:txBody>
+        </p:sp>
+      </p:grpSp>
+      <p:grpSp>
+        <p:nvGrpSpPr>
+          <p:cNvPr id="11" name="Groep 10">
+            <a:extLst>
+              <a:ext uri="{FF2B5EF4-FFF2-40B4-BE49-F238E27FC236}">
+                <a16:creationId xmlns:a16="http://schemas.microsoft.com/office/drawing/2014/main" id="{409CE3EA-232B-E856-D7C7-97BE419E0EAB}"/>
+              </a:ext>
+            </a:extLst>
+          </p:cNvPr>
+          <p:cNvGrpSpPr/>
+          <p:nvPr/>
+        </p:nvGrpSpPr>
+        <p:grpSpPr>
+          <a:xfrm>
+            <a:off x="4726030" y="0"/>
+            <a:ext cx="7452035" cy="6858000"/>
+            <a:chOff x="4700710" y="0"/>
+            <a:chExt cx="7452035" cy="6858000"/>
+          </a:xfrm>
+        </p:grpSpPr>
+        <p:sp>
+          <p:nvSpPr>
+            <p:cNvPr id="12" name="Rechthoek 11">
+              <a:extLst>
+                <a:ext uri="{FF2B5EF4-FFF2-40B4-BE49-F238E27FC236}">
+                  <a16:creationId xmlns:a16="http://schemas.microsoft.com/office/drawing/2014/main" id="{C393A684-25A2-71D6-B0FD-9B9A61AC0111}"/>
+                </a:ext>
+              </a:extLst>
+            </p:cNvPr>
+            <p:cNvSpPr/>
+            <p:nvPr/>
+          </p:nvSpPr>
+          <p:spPr>
+            <a:xfrm>
+              <a:off x="4700710" y="0"/>
+              <a:ext cx="7452035" cy="6858000"/>
+            </a:xfrm>
+            <a:prstGeom prst="rect">
+              <a:avLst/>
+            </a:prstGeom>
+            <a:solidFill>
+              <a:schemeClr val="accent4">
+                <a:lumMod val="60000"/>
+                <a:lumOff val="40000"/>
+              </a:schemeClr>
+            </a:solidFill>
+            <a:ln w="28575">
+              <a:solidFill>
+                <a:schemeClr val="tx1"/>
+              </a:solidFill>
+            </a:ln>
+          </p:spPr>
+          <p:style>
+            <a:lnRef idx="2">
+              <a:schemeClr val="accent1">
+                <a:shade val="50000"/>
+              </a:schemeClr>
+            </a:lnRef>
+            <a:fillRef idx="1">
+              <a:schemeClr val="accent1"/>
+            </a:fillRef>
+            <a:effectRef idx="0">
+              <a:schemeClr val="accent1"/>
+            </a:effectRef>
+            <a:fontRef idx="minor">
+              <a:schemeClr val="lt1"/>
+            </a:fontRef>
+          </p:style>
+          <p:txBody>
+            <a:bodyPr rtlCol="0" anchor="ctr"/>
+            <a:lstStyle/>
+            <a:p>
+              <a:pPr algn="ctr"/>
+              <a:endParaRPr lang="en-BE" dirty="0"/>
+            </a:p>
+          </p:txBody>
+        </p:sp>
+        <p:sp>
+          <p:nvSpPr>
+            <p:cNvPr id="13" name="Rechthoek 12">
+              <a:extLst>
+                <a:ext uri="{FF2B5EF4-FFF2-40B4-BE49-F238E27FC236}">
+                  <a16:creationId xmlns:a16="http://schemas.microsoft.com/office/drawing/2014/main" id="{3207714E-A30A-3F00-4136-7277AE485657}"/>
+                </a:ext>
+              </a:extLst>
+            </p:cNvPr>
+            <p:cNvSpPr/>
+            <p:nvPr/>
+          </p:nvSpPr>
+          <p:spPr>
+            <a:xfrm>
+              <a:off x="8235858" y="2816198"/>
+              <a:ext cx="622286" cy="923330"/>
+            </a:xfrm>
+            <a:prstGeom prst="rect">
+              <a:avLst/>
+            </a:prstGeom>
+            <a:noFill/>
+          </p:spPr>
+          <p:txBody>
+            <a:bodyPr wrap="none" lIns="91440" tIns="45720" rIns="91440" bIns="45720">
+              <a:spAutoFit/>
+            </a:bodyPr>
+            <a:lstStyle/>
+            <a:p>
+              <a:pPr algn="ctr"/>
+              <a:r>
+                <a:rPr lang="nl-NL" sz="5400" b="0" cap="none" spc="0" dirty="0">
+                  <a:ln w="0"/>
+                  <a:solidFill>
+                    <a:schemeClr val="accent1"/>
+                  </a:solidFill>
+                  <a:effectLst>
+                    <a:outerShdw blurRad="38100" dist="25400" dir="5400000" algn="ctr" rotWithShape="0">
+                      <a:srgbClr val="6E747A">
+                        <a:alpha val="43000"/>
+                      </a:srgbClr>
+                    </a:outerShdw>
+                  </a:effectLst>
+                </a:rPr>
+                <a:t>G</a:t>
+              </a:r>
+            </a:p>
+          </p:txBody>
+        </p:sp>
+      </p:grpSp>
     </p:spTree>
     <p:extLst>
       <p:ext uri="{BB962C8B-B14F-4D97-AF65-F5344CB8AC3E}">
-        <p14:creationId xmlns:p14="http://schemas.microsoft.com/office/powerpoint/2010/main" val="1260081869"/>
+        <p14:creationId xmlns:p14="http://schemas.microsoft.com/office/powerpoint/2010/main" val="2632480098"/>
       </p:ext>
     </p:extLst>
   </p:cSld>
   <p:clrMapOvr>
     <a:masterClrMapping/>
   </p:clrMapOvr>
-  <mc:AlternateContent xmlns:mc="http://schemas.openxmlformats.org/markup-compatibility/2006">
-    <mc:Choice xmlns:p159="http://schemas.microsoft.com/office/powerpoint/2015/09/main" Requires="p159">
+  <mc:AlternateContent xmlns:mc="http://schemas.openxmlformats.org/markup-compatibility/2006" xmlns:p159="http://schemas.microsoft.com/office/powerpoint/2015/09/main">
+    <mc:Choice Requires="p159">
       <p:transition xmlns:p14="http://schemas.microsoft.com/office/powerpoint/2010/main" spd="slow" p14:dur="2000">
         <p159:morph option="byObject"/>
       </p:transition>
     </mc:Choice>
-    <mc:Fallback>
+    <mc:Fallback xmlns="">
       <p:transition spd="slow">
         <p:fade/>
       </p:transition>
@@ -15342,10 +19452,10 @@
       </p:sp>
       <p:sp>
         <p:nvSpPr>
-          <p:cNvPr id="32" name="Rechthoek 31">
+          <p:cNvPr id="33" name="Rechthoek 32">
             <a:extLst>
               <a:ext uri="{FF2B5EF4-FFF2-40B4-BE49-F238E27FC236}">
-                <a16:creationId xmlns:a16="http://schemas.microsoft.com/office/drawing/2014/main" id="{6D846E1D-5167-714B-52DF-ADEEB0338BEB}"/>
+                <a16:creationId xmlns:a16="http://schemas.microsoft.com/office/drawing/2014/main" id="{6CFE3287-6BBA-720E-EAAF-E5B3CF25A66A}"/>
               </a:ext>
             </a:extLst>
           </p:cNvPr>
@@ -15354,65 +19464,232 @@
         </p:nvSpPr>
         <p:spPr>
           <a:xfrm>
-            <a:off x="12231941" y="0"/>
-            <a:ext cx="2224428" cy="6858000"/>
+            <a:off x="-10049" y="2616144"/>
+            <a:ext cx="2244525" cy="1754326"/>
           </a:xfrm>
           <a:prstGeom prst="rect">
             <a:avLst/>
           </a:prstGeom>
-          <a:solidFill>
-            <a:schemeClr val="bg2">
-              <a:lumMod val="90000"/>
-            </a:schemeClr>
-          </a:solidFill>
-          <a:ln w="28575">
-            <a:solidFill>
-              <a:schemeClr val="tx1"/>
-            </a:solidFill>
-          </a:ln>
+          <a:noFill/>
         </p:spPr>
-        <p:style>
-          <a:lnRef idx="2">
-            <a:schemeClr val="accent1">
-              <a:shade val="50000"/>
-            </a:schemeClr>
-          </a:lnRef>
-          <a:fillRef idx="1">
-            <a:schemeClr val="accent1"/>
-          </a:fillRef>
-          <a:effectRef idx="0">
-            <a:schemeClr val="accent1"/>
-          </a:effectRef>
-          <a:fontRef idx="minor">
-            <a:schemeClr val="lt1"/>
-          </a:fontRef>
-        </p:style>
         <p:txBody>
-          <a:bodyPr rtlCol="0" anchor="ctr"/>
+          <a:bodyPr wrap="none" lIns="91440" tIns="45720" rIns="91440" bIns="45720">
+            <a:spAutoFit/>
+          </a:bodyPr>
           <a:lstStyle/>
           <a:p>
             <a:pPr algn="ctr"/>
-            <a:endParaRPr lang="en-BE"/>
+            <a:r>
+              <a:rPr lang="nl-NL" sz="3600" b="0" cap="none" spc="0" dirty="0">
+                <a:ln w="0"/>
+                <a:effectLst>
+                  <a:outerShdw blurRad="38100" dist="25400" dir="5400000" algn="ctr" rotWithShape="0">
+                    <a:srgbClr val="6E747A">
+                      <a:alpha val="43000"/>
+                    </a:srgbClr>
+                  </a:outerShdw>
+                </a:effectLst>
+              </a:rPr>
+              <a:t>Project </a:t>
+            </a:r>
+          </a:p>
+          <a:p>
+            <a:pPr algn="ctr"/>
+            <a:r>
+              <a:rPr lang="nl-NL" sz="3600" dirty="0" err="1">
+                <a:ln w="0"/>
+                <a:effectLst>
+                  <a:outerShdw blurRad="38100" dist="25400" dir="5400000" algn="ctr" rotWithShape="0">
+                    <a:srgbClr val="6E747A">
+                      <a:alpha val="43000"/>
+                    </a:srgbClr>
+                  </a:outerShdw>
+                </a:effectLst>
+              </a:rPr>
+              <a:t>Experience</a:t>
+            </a:r>
+            <a:endParaRPr lang="nl-NL" sz="3600" dirty="0">
+              <a:ln w="0"/>
+              <a:effectLst>
+                <a:outerShdw blurRad="38100" dist="25400" dir="5400000" algn="ctr" rotWithShape="0">
+                  <a:srgbClr val="6E747A">
+                    <a:alpha val="43000"/>
+                  </a:srgbClr>
+                </a:outerShdw>
+              </a:effectLst>
+            </a:endParaRPr>
+          </a:p>
+          <a:p>
+            <a:pPr algn="ctr"/>
+            <a:r>
+              <a:rPr lang="nl-NL" sz="3600" dirty="0">
+                <a:ln w="0"/>
+                <a:effectLst>
+                  <a:outerShdw blurRad="38100" dist="25400" dir="5400000" algn="ctr" rotWithShape="0">
+                    <a:srgbClr val="6E747A">
+                      <a:alpha val="43000"/>
+                    </a:srgbClr>
+                  </a:outerShdw>
+                </a:effectLst>
+              </a:rPr>
+              <a:t>I.0</a:t>
+            </a:r>
+            <a:endParaRPr lang="nl-NL" sz="3600" b="0" cap="none" spc="0" dirty="0">
+              <a:ln w="0"/>
+              <a:effectLst>
+                <a:outerShdw blurRad="38100" dist="25400" dir="5400000" algn="ctr" rotWithShape="0">
+                  <a:srgbClr val="6E747A">
+                    <a:alpha val="43000"/>
+                  </a:srgbClr>
+                </a:outerShdw>
+              </a:effectLst>
+            </a:endParaRPr>
           </a:p>
         </p:txBody>
       </p:sp>
+      <p:grpSp>
+        <p:nvGrpSpPr>
+          <p:cNvPr id="39" name="Groep 38">
+            <a:extLst>
+              <a:ext uri="{FF2B5EF4-FFF2-40B4-BE49-F238E27FC236}">
+                <a16:creationId xmlns:a16="http://schemas.microsoft.com/office/drawing/2014/main" id="{634EFEDB-264F-30B1-E5AE-C47E243C2376}"/>
+              </a:ext>
+            </a:extLst>
+          </p:cNvPr>
+          <p:cNvGrpSpPr/>
+          <p:nvPr/>
+        </p:nvGrpSpPr>
+        <p:grpSpPr>
+          <a:xfrm>
+            <a:off x="12971018" y="0"/>
+            <a:ext cx="7452035" cy="6858000"/>
+            <a:chOff x="4739965" y="0"/>
+            <a:chExt cx="7452035" cy="6858000"/>
+          </a:xfrm>
+        </p:grpSpPr>
+        <p:sp>
+          <p:nvSpPr>
+            <p:cNvPr id="40" name="Rechthoek 39">
+              <a:extLst>
+                <a:ext uri="{FF2B5EF4-FFF2-40B4-BE49-F238E27FC236}">
+                  <a16:creationId xmlns:a16="http://schemas.microsoft.com/office/drawing/2014/main" id="{69CD2FFF-BF5A-DE73-D3C2-FEF78D9F222B}"/>
+                </a:ext>
+              </a:extLst>
+            </p:cNvPr>
+            <p:cNvSpPr/>
+            <p:nvPr/>
+          </p:nvSpPr>
+          <p:spPr>
+            <a:xfrm>
+              <a:off x="4739965" y="0"/>
+              <a:ext cx="7452035" cy="6858000"/>
+            </a:xfrm>
+            <a:prstGeom prst="rect">
+              <a:avLst/>
+            </a:prstGeom>
+            <a:solidFill>
+              <a:schemeClr val="accent4">
+                <a:lumMod val="60000"/>
+                <a:lumOff val="40000"/>
+              </a:schemeClr>
+            </a:solidFill>
+            <a:ln w="28575">
+              <a:solidFill>
+                <a:schemeClr val="tx1"/>
+              </a:solidFill>
+            </a:ln>
+          </p:spPr>
+          <p:style>
+            <a:lnRef idx="2">
+              <a:schemeClr val="accent1">
+                <a:shade val="50000"/>
+              </a:schemeClr>
+            </a:lnRef>
+            <a:fillRef idx="1">
+              <a:schemeClr val="accent1"/>
+            </a:fillRef>
+            <a:effectRef idx="0">
+              <a:schemeClr val="accent1"/>
+            </a:effectRef>
+            <a:fontRef idx="minor">
+              <a:schemeClr val="lt1"/>
+            </a:fontRef>
+          </p:style>
+          <p:txBody>
+            <a:bodyPr rtlCol="0" anchor="ctr"/>
+            <a:lstStyle/>
+            <a:p>
+              <a:pPr algn="ctr"/>
+              <a:endParaRPr lang="en-BE"/>
+            </a:p>
+          </p:txBody>
+        </p:sp>
+        <p:sp>
+          <p:nvSpPr>
+            <p:cNvPr id="41" name="Rechthoek 40">
+              <a:extLst>
+                <a:ext uri="{FF2B5EF4-FFF2-40B4-BE49-F238E27FC236}">
+                  <a16:creationId xmlns:a16="http://schemas.microsoft.com/office/drawing/2014/main" id="{8D0908AC-80E2-6676-88C6-872C4FE9F59A}"/>
+                </a:ext>
+              </a:extLst>
+            </p:cNvPr>
+            <p:cNvSpPr/>
+            <p:nvPr/>
+          </p:nvSpPr>
+          <p:spPr>
+            <a:xfrm>
+              <a:off x="8235858" y="2816198"/>
+              <a:ext cx="622286" cy="923330"/>
+            </a:xfrm>
+            <a:prstGeom prst="rect">
+              <a:avLst/>
+            </a:prstGeom>
+            <a:noFill/>
+          </p:spPr>
+          <p:txBody>
+            <a:bodyPr wrap="none" lIns="91440" tIns="45720" rIns="91440" bIns="45720">
+              <a:spAutoFit/>
+            </a:bodyPr>
+            <a:lstStyle/>
+            <a:p>
+              <a:pPr algn="ctr"/>
+              <a:r>
+                <a:rPr lang="nl-NL" sz="5400" b="0" cap="none" spc="0" dirty="0">
+                  <a:ln w="0"/>
+                  <a:solidFill>
+                    <a:schemeClr val="accent1"/>
+                  </a:solidFill>
+                  <a:effectLst>
+                    <a:outerShdw blurRad="38100" dist="25400" dir="5400000" algn="ctr" rotWithShape="0">
+                      <a:srgbClr val="6E747A">
+                        <a:alpha val="43000"/>
+                      </a:srgbClr>
+                    </a:outerShdw>
+                  </a:effectLst>
+                </a:rPr>
+                <a:t>G</a:t>
+              </a:r>
+            </a:p>
+          </p:txBody>
+        </p:sp>
+      </p:grpSp>
     </p:spTree>
     <p:extLst>
       <p:ext uri="{BB962C8B-B14F-4D97-AF65-F5344CB8AC3E}">
-        <p14:creationId xmlns:p14="http://schemas.microsoft.com/office/powerpoint/2010/main" val="3904646868"/>
+        <p14:creationId xmlns:p14="http://schemas.microsoft.com/office/powerpoint/2010/main" val="2656743861"/>
       </p:ext>
     </p:extLst>
   </p:cSld>
   <p:clrMapOvr>
     <a:masterClrMapping/>
   </p:clrMapOvr>
-  <mc:AlternateContent xmlns:mc="http://schemas.openxmlformats.org/markup-compatibility/2006">
-    <mc:Choice xmlns:p159="http://schemas.microsoft.com/office/powerpoint/2015/09/main" Requires="p159">
+  <mc:AlternateContent xmlns:mc="http://schemas.openxmlformats.org/markup-compatibility/2006" xmlns:p159="http://schemas.microsoft.com/office/powerpoint/2015/09/main">
+    <mc:Choice Requires="p159">
       <p:transition xmlns:p14="http://schemas.microsoft.com/office/powerpoint/2010/main" spd="slow" p14:dur="2000">
         <p159:morph option="byObject"/>
       </p:transition>
     </mc:Choice>
-    <mc:Fallback>
+    <mc:Fallback xmlns="">
       <p:transition spd="slow">
         <p:fade/>
       </p:transition>
